--- a/Presentation_workshop.pptx
+++ b/Presentation_workshop.pptx
@@ -7,6 +7,9 @@
   <p:notesMasterIdLst>
     <p:notesMasterId r:id="rId30"/>
   </p:notesMasterIdLst>
+  <p:handoutMasterIdLst>
+    <p:handoutMasterId r:id="rId31"/>
+  </p:handoutMasterIdLst>
   <p:sldIdLst>
     <p:sldId id="256" r:id="rId2"/>
     <p:sldId id="274" r:id="rId3"/>
@@ -146,12 +149,1075 @@
 <p1510:revInfo xmlns:a="http://schemas.openxmlformats.org/drawingml/2006/main" xmlns:r="http://schemas.openxmlformats.org/officeDocument/2006/relationships" xmlns:p1510="http://schemas.microsoft.com/office/powerpoint/2015/10/main">
   <p1510:revLst>
     <p1510:client id="{41CF3194-8C20-4DC4-A122-00EDA8A8A596}" v="103" dt="2020-05-22T15:30:20.750"/>
+    <p1510:client id="{42550089-0525-C8AB-5794-7400CB86DB4D}" v="211" dt="2020-09-13T22:41:22.994"/>
     <p1510:client id="{A4B974EF-B213-4DA1-B410-42E5CDCD154D}" v="358" dt="2020-05-22T07:44:40.083"/>
     <p1510:client id="{B849FAA6-AE3C-4293-B3F6-B3C3B2B0F26D}" v="1206" dt="2020-05-22T09:01:28.742"/>
     <p1510:client id="{CBBD0F5D-F2E9-4E02-BCED-4DAF1B704F0C}" v="1" dt="2020-05-22T05:05:13.963"/>
     <p1510:client id="{F48A9062-6CD5-49B0-8052-2A044175D74A}" v="140" dt="2020-05-22T07:58:22.552"/>
   </p1510:revLst>
 </p1510:revInfo>
+</file>
+
+<file path=ppt/changesInfos/changesInfo1.xml><?xml version="1.0" encoding="utf-8"?>
+<pc:chgInfo xmlns:a="http://schemas.openxmlformats.org/drawingml/2006/main" xmlns:r="http://schemas.openxmlformats.org/officeDocument/2006/relationships" xmlns:ac="http://schemas.microsoft.com/office/drawing/2013/main/command" xmlns:pc="http://schemas.microsoft.com/office/powerpoint/2013/main/command">
+  <pc:docChgLst>
+    <pc:chgData name="Marissa Navarro" userId="S::marissa@he360.com::48988ab4-9407-4f03-8b57-34c5aaa99b3e" providerId="AD" clId="Web-{42550089-0525-C8AB-5794-7400CB86DB4D}"/>
+    <pc:docChg chg="modSld">
+      <pc:chgData name="Marissa Navarro" userId="S::marissa@he360.com::48988ab4-9407-4f03-8b57-34c5aaa99b3e" providerId="AD" clId="Web-{42550089-0525-C8AB-5794-7400CB86DB4D}" dt="2020-09-13T22:41:22.994" v="200"/>
+      <pc:docMkLst>
+        <pc:docMk/>
+      </pc:docMkLst>
+      <pc:sldChg chg="addSp delSp modSp">
+        <pc:chgData name="Marissa Navarro" userId="S::marissa@he360.com::48988ab4-9407-4f03-8b57-34c5aaa99b3e" providerId="AD" clId="Web-{42550089-0525-C8AB-5794-7400CB86DB4D}" dt="2020-09-13T22:41:22.994" v="200"/>
+        <pc:sldMkLst>
+          <pc:docMk/>
+          <pc:sldMk cId="109857222" sldId="256"/>
+        </pc:sldMkLst>
+        <pc:spChg chg="mod">
+          <ac:chgData name="Marissa Navarro" userId="S::marissa@he360.com::48988ab4-9407-4f03-8b57-34c5aaa99b3e" providerId="AD" clId="Web-{42550089-0525-C8AB-5794-7400CB86DB4D}" dt="2020-09-13T22:26:26.224" v="39" actId="1076"/>
+          <ac:spMkLst>
+            <pc:docMk/>
+            <pc:sldMk cId="109857222" sldId="256"/>
+            <ac:spMk id="2" creationId="{00000000-0000-0000-0000-000000000000}"/>
+          </ac:spMkLst>
+        </pc:spChg>
+        <pc:spChg chg="mod">
+          <ac:chgData name="Marissa Navarro" userId="S::marissa@he360.com::48988ab4-9407-4f03-8b57-34c5aaa99b3e" providerId="AD" clId="Web-{42550089-0525-C8AB-5794-7400CB86DB4D}" dt="2020-09-13T22:26:23.068" v="38" actId="1076"/>
+          <ac:spMkLst>
+            <pc:docMk/>
+            <pc:sldMk cId="109857222" sldId="256"/>
+            <ac:spMk id="3" creationId="{00000000-0000-0000-0000-000000000000}"/>
+          </ac:spMkLst>
+        </pc:spChg>
+        <pc:spChg chg="add del mod ord">
+          <ac:chgData name="Marissa Navarro" userId="S::marissa@he360.com::48988ab4-9407-4f03-8b57-34c5aaa99b3e" providerId="AD" clId="Web-{42550089-0525-C8AB-5794-7400CB86DB4D}" dt="2020-09-13T22:26:13.692" v="33"/>
+          <ac:spMkLst>
+            <pc:docMk/>
+            <pc:sldMk cId="109857222" sldId="256"/>
+            <ac:spMk id="4" creationId="{57965CC8-FF17-4619-8242-2D6139495DA0}"/>
+          </ac:spMkLst>
+        </pc:spChg>
+        <pc:spChg chg="add del mod">
+          <ac:chgData name="Marissa Navarro" userId="S::marissa@he360.com::48988ab4-9407-4f03-8b57-34c5aaa99b3e" providerId="AD" clId="Web-{42550089-0525-C8AB-5794-7400CB86DB4D}" dt="2020-09-13T22:24:37.937" v="22"/>
+          <ac:spMkLst>
+            <pc:docMk/>
+            <pc:sldMk cId="109857222" sldId="256"/>
+            <ac:spMk id="5" creationId="{6E533137-31B2-4E4C-9D50-5995971E355E}"/>
+          </ac:spMkLst>
+        </pc:spChg>
+        <pc:spChg chg="add mod">
+          <ac:chgData name="Marissa Navarro" userId="S::marissa@he360.com::48988ab4-9407-4f03-8b57-34c5aaa99b3e" providerId="AD" clId="Web-{42550089-0525-C8AB-5794-7400CB86DB4D}" dt="2020-09-13T22:34:17.485" v="112"/>
+          <ac:spMkLst>
+            <pc:docMk/>
+            <pc:sldMk cId="109857222" sldId="256"/>
+            <ac:spMk id="8" creationId="{484AE915-A755-43F4-8882-D74B1B39A1E7}"/>
+          </ac:spMkLst>
+        </pc:spChg>
+        <pc:picChg chg="add del mod">
+          <ac:chgData name="Marissa Navarro" userId="S::marissa@he360.com::48988ab4-9407-4f03-8b57-34c5aaa99b3e" providerId="AD" clId="Web-{42550089-0525-C8AB-5794-7400CB86DB4D}" dt="2020-09-13T22:41:22.306" v="199"/>
+          <ac:picMkLst>
+            <pc:docMk/>
+            <pc:sldMk cId="109857222" sldId="256"/>
+            <ac:picMk id="6" creationId="{3EF3E596-90AE-498D-8807-09DA4CF7D5F4}"/>
+          </ac:picMkLst>
+        </pc:picChg>
+        <pc:picChg chg="add del mod">
+          <ac:chgData name="Marissa Navarro" userId="S::marissa@he360.com::48988ab4-9407-4f03-8b57-34c5aaa99b3e" providerId="AD" clId="Web-{42550089-0525-C8AB-5794-7400CB86DB4D}" dt="2020-09-13T22:36:00.554" v="126" actId="1076"/>
+          <ac:picMkLst>
+            <pc:docMk/>
+            <pc:sldMk cId="109857222" sldId="256"/>
+            <ac:picMk id="9" creationId="{44F7D35D-40DE-437E-B7B0-BB3ECE696611}"/>
+          </ac:picMkLst>
+        </pc:picChg>
+        <pc:picChg chg="add del mod">
+          <ac:chgData name="Marissa Navarro" userId="S::marissa@he360.com::48988ab4-9407-4f03-8b57-34c5aaa99b3e" providerId="AD" clId="Web-{42550089-0525-C8AB-5794-7400CB86DB4D}" dt="2020-09-13T22:35:55.663" v="125"/>
+          <ac:picMkLst>
+            <pc:docMk/>
+            <pc:sldMk cId="109857222" sldId="256"/>
+            <ac:picMk id="10" creationId="{860C488C-9DC9-4B2A-9F5E-2246BA402063}"/>
+          </ac:picMkLst>
+        </pc:picChg>
+        <pc:picChg chg="add">
+          <ac:chgData name="Marissa Navarro" userId="S::marissa@he360.com::48988ab4-9407-4f03-8b57-34c5aaa99b3e" providerId="AD" clId="Web-{42550089-0525-C8AB-5794-7400CB86DB4D}" dt="2020-09-13T22:41:22.994" v="200"/>
+          <ac:picMkLst>
+            <pc:docMk/>
+            <pc:sldMk cId="109857222" sldId="256"/>
+            <ac:picMk id="12" creationId="{E188F73E-9773-45ED-84D9-24B1B0A9C92A}"/>
+          </ac:picMkLst>
+        </pc:picChg>
+      </pc:sldChg>
+      <pc:sldChg chg="addSp delSp modSp">
+        <pc:chgData name="Marissa Navarro" userId="S::marissa@he360.com::48988ab4-9407-4f03-8b57-34c5aaa99b3e" providerId="AD" clId="Web-{42550089-0525-C8AB-5794-7400CB86DB4D}" dt="2020-09-13T22:41:13.993" v="196"/>
+        <pc:sldMkLst>
+          <pc:docMk/>
+          <pc:sldMk cId="2108006806" sldId="257"/>
+        </pc:sldMkLst>
+        <pc:spChg chg="mod">
+          <ac:chgData name="Marissa Navarro" userId="S::marissa@he360.com::48988ab4-9407-4f03-8b57-34c5aaa99b3e" providerId="AD" clId="Web-{42550089-0525-C8AB-5794-7400CB86DB4D}" dt="2020-09-13T22:27:10.133" v="49" actId="1076"/>
+          <ac:spMkLst>
+            <pc:docMk/>
+            <pc:sldMk cId="2108006806" sldId="257"/>
+            <ac:spMk id="2" creationId="{CAC68EBF-8382-454A-8CDE-4FFAA0BE3FF1}"/>
+          </ac:spMkLst>
+        </pc:spChg>
+        <pc:spChg chg="add ord">
+          <ac:chgData name="Marissa Navarro" userId="S::marissa@he360.com::48988ab4-9407-4f03-8b57-34c5aaa99b3e" providerId="AD" clId="Web-{42550089-0525-C8AB-5794-7400CB86DB4D}" dt="2020-09-13T22:27:03.804" v="48"/>
+          <ac:spMkLst>
+            <pc:docMk/>
+            <pc:sldMk cId="2108006806" sldId="257"/>
+            <ac:spMk id="5" creationId="{804FCE45-4D43-4B9B-9CB7-981BD3CD0AD0}"/>
+          </ac:spMkLst>
+        </pc:spChg>
+        <pc:picChg chg="add del">
+          <ac:chgData name="Marissa Navarro" userId="S::marissa@he360.com::48988ab4-9407-4f03-8b57-34c5aaa99b3e" providerId="AD" clId="Web-{42550089-0525-C8AB-5794-7400CB86DB4D}" dt="2020-09-13T22:41:13.009" v="195"/>
+          <ac:picMkLst>
+            <pc:docMk/>
+            <pc:sldMk cId="2108006806" sldId="257"/>
+            <ac:picMk id="7" creationId="{FDD5A01E-E7A7-42FE-8AE2-67D38A751A3B}"/>
+          </ac:picMkLst>
+        </pc:picChg>
+        <pc:picChg chg="add">
+          <ac:chgData name="Marissa Navarro" userId="S::marissa@he360.com::48988ab4-9407-4f03-8b57-34c5aaa99b3e" providerId="AD" clId="Web-{42550089-0525-C8AB-5794-7400CB86DB4D}" dt="2020-09-13T22:41:13.993" v="196"/>
+          <ac:picMkLst>
+            <pc:docMk/>
+            <pc:sldMk cId="2108006806" sldId="257"/>
+            <ac:picMk id="9" creationId="{9A701DD4-B1AD-4CB9-8029-1936721575F8}"/>
+          </ac:picMkLst>
+        </pc:picChg>
+      </pc:sldChg>
+      <pc:sldChg chg="addSp delSp modSp">
+        <pc:chgData name="Marissa Navarro" userId="S::marissa@he360.com::48988ab4-9407-4f03-8b57-34c5aaa99b3e" providerId="AD" clId="Web-{42550089-0525-C8AB-5794-7400CB86DB4D}" dt="2020-09-13T22:41:08.024" v="194"/>
+        <pc:sldMkLst>
+          <pc:docMk/>
+          <pc:sldMk cId="966107037" sldId="258"/>
+        </pc:sldMkLst>
+        <pc:spChg chg="mod">
+          <ac:chgData name="Marissa Navarro" userId="S::marissa@he360.com::48988ab4-9407-4f03-8b57-34c5aaa99b3e" providerId="AD" clId="Web-{42550089-0525-C8AB-5794-7400CB86DB4D}" dt="2020-09-13T22:27:25.978" v="52" actId="1076"/>
+          <ac:spMkLst>
+            <pc:docMk/>
+            <pc:sldMk cId="966107037" sldId="258"/>
+            <ac:spMk id="2" creationId="{6A891111-3634-4CA0-B102-32CEED030442}"/>
+          </ac:spMkLst>
+        </pc:spChg>
+        <pc:spChg chg="add ord">
+          <ac:chgData name="Marissa Navarro" userId="S::marissa@he360.com::48988ab4-9407-4f03-8b57-34c5aaa99b3e" providerId="AD" clId="Web-{42550089-0525-C8AB-5794-7400CB86DB4D}" dt="2020-09-13T22:27:20.602" v="51"/>
+          <ac:spMkLst>
+            <pc:docMk/>
+            <pc:sldMk cId="966107037" sldId="258"/>
+            <ac:spMk id="6" creationId="{0B1B432A-54EC-4F8E-B89E-074073D5DB5D}"/>
+          </ac:spMkLst>
+        </pc:spChg>
+        <pc:picChg chg="add del">
+          <ac:chgData name="Marissa Navarro" userId="S::marissa@he360.com::48988ab4-9407-4f03-8b57-34c5aaa99b3e" providerId="AD" clId="Web-{42550089-0525-C8AB-5794-7400CB86DB4D}" dt="2020-09-13T22:41:07.196" v="193"/>
+          <ac:picMkLst>
+            <pc:docMk/>
+            <pc:sldMk cId="966107037" sldId="258"/>
+            <ac:picMk id="8" creationId="{4D1383AD-E650-4AD2-BCB1-339738053427}"/>
+          </ac:picMkLst>
+        </pc:picChg>
+        <pc:picChg chg="add">
+          <ac:chgData name="Marissa Navarro" userId="S::marissa@he360.com::48988ab4-9407-4f03-8b57-34c5aaa99b3e" providerId="AD" clId="Web-{42550089-0525-C8AB-5794-7400CB86DB4D}" dt="2020-09-13T22:41:08.024" v="194"/>
+          <ac:picMkLst>
+            <pc:docMk/>
+            <pc:sldMk cId="966107037" sldId="258"/>
+            <ac:picMk id="10" creationId="{1D6D5B8A-7A13-4C80-9D99-718913BBE3F5}"/>
+          </ac:picMkLst>
+        </pc:picChg>
+      </pc:sldChg>
+      <pc:sldChg chg="addSp delSp modSp">
+        <pc:chgData name="Marissa Navarro" userId="S::marissa@he360.com::48988ab4-9407-4f03-8b57-34c5aaa99b3e" providerId="AD" clId="Web-{42550089-0525-C8AB-5794-7400CB86DB4D}" dt="2020-09-13T22:41:04.321" v="192"/>
+        <pc:sldMkLst>
+          <pc:docMk/>
+          <pc:sldMk cId="522047403" sldId="259"/>
+        </pc:sldMkLst>
+        <pc:spChg chg="mod">
+          <ac:chgData name="Marissa Navarro" userId="S::marissa@he360.com::48988ab4-9407-4f03-8b57-34c5aaa99b3e" providerId="AD" clId="Web-{42550089-0525-C8AB-5794-7400CB86DB4D}" dt="2020-09-13T22:37:18.917" v="143" actId="20577"/>
+          <ac:spMkLst>
+            <pc:docMk/>
+            <pc:sldMk cId="522047403" sldId="259"/>
+            <ac:spMk id="2" creationId="{E6863D5B-F07C-41A6-BA6C-BBC4C11E6CEC}"/>
+          </ac:spMkLst>
+        </pc:spChg>
+        <pc:spChg chg="add ord">
+          <ac:chgData name="Marissa Navarro" userId="S::marissa@he360.com::48988ab4-9407-4f03-8b57-34c5aaa99b3e" providerId="AD" clId="Web-{42550089-0525-C8AB-5794-7400CB86DB4D}" dt="2020-09-13T22:27:42.994" v="54"/>
+          <ac:spMkLst>
+            <pc:docMk/>
+            <pc:sldMk cId="522047403" sldId="259"/>
+            <ac:spMk id="4" creationId="{8699049F-03D1-47BE-BD7C-4657CE8571FA}"/>
+          </ac:spMkLst>
+        </pc:spChg>
+        <pc:picChg chg="add mod">
+          <ac:chgData name="Marissa Navarro" userId="S::marissa@he360.com::48988ab4-9407-4f03-8b57-34c5aaa99b3e" providerId="AD" clId="Web-{42550089-0525-C8AB-5794-7400CB86DB4D}" dt="2020-09-13T22:40:16.834" v="174" actId="1076"/>
+          <ac:picMkLst>
+            <pc:docMk/>
+            <pc:sldMk cId="522047403" sldId="259"/>
+            <ac:picMk id="8" creationId="{81BB0B72-B828-4DA9-8FC4-2CAE1FF3161B}"/>
+          </ac:picMkLst>
+        </pc:picChg>
+        <pc:picChg chg="add del">
+          <ac:chgData name="Marissa Navarro" userId="S::marissa@he360.com::48988ab4-9407-4f03-8b57-34c5aaa99b3e" providerId="AD" clId="Web-{42550089-0525-C8AB-5794-7400CB86DB4D}" dt="2020-09-13T22:41:04.321" v="192"/>
+          <ac:picMkLst>
+            <pc:docMk/>
+            <pc:sldMk cId="522047403" sldId="259"/>
+            <ac:picMk id="9" creationId="{01D3C5CF-6559-4150-9115-2BA65448515E}"/>
+          </ac:picMkLst>
+        </pc:picChg>
+      </pc:sldChg>
+      <pc:sldChg chg="addSp modSp">
+        <pc:chgData name="Marissa Navarro" userId="S::marissa@he360.com::48988ab4-9407-4f03-8b57-34c5aaa99b3e" providerId="AD" clId="Web-{42550089-0525-C8AB-5794-7400CB86DB4D}" dt="2020-09-13T22:40:19.928" v="175"/>
+        <pc:sldMkLst>
+          <pc:docMk/>
+          <pc:sldMk cId="1396939573" sldId="260"/>
+        </pc:sldMkLst>
+        <pc:spChg chg="mod">
+          <ac:chgData name="Marissa Navarro" userId="S::marissa@he360.com::48988ab4-9407-4f03-8b57-34c5aaa99b3e" providerId="AD" clId="Web-{42550089-0525-C8AB-5794-7400CB86DB4D}" dt="2020-09-13T22:28:05.214" v="61" actId="1076"/>
+          <ac:spMkLst>
+            <pc:docMk/>
+            <pc:sldMk cId="1396939573" sldId="260"/>
+            <ac:spMk id="2" creationId="{C1D6BD02-87E5-46EB-8353-13E1F9C77437}"/>
+          </ac:spMkLst>
+        </pc:spChg>
+        <pc:spChg chg="add ord">
+          <ac:chgData name="Marissa Navarro" userId="S::marissa@he360.com::48988ab4-9407-4f03-8b57-34c5aaa99b3e" providerId="AD" clId="Web-{42550089-0525-C8AB-5794-7400CB86DB4D}" dt="2020-09-13T22:28:00.917" v="60"/>
+          <ac:spMkLst>
+            <pc:docMk/>
+            <pc:sldMk cId="1396939573" sldId="260"/>
+            <ac:spMk id="6" creationId="{4FF594AB-9518-4C3E-B78C-18D793EE968E}"/>
+          </ac:spMkLst>
+        </pc:spChg>
+        <pc:picChg chg="add">
+          <ac:chgData name="Marissa Navarro" userId="S::marissa@he360.com::48988ab4-9407-4f03-8b57-34c5aaa99b3e" providerId="AD" clId="Web-{42550089-0525-C8AB-5794-7400CB86DB4D}" dt="2020-09-13T22:40:19.928" v="175"/>
+          <ac:picMkLst>
+            <pc:docMk/>
+            <pc:sldMk cId="1396939573" sldId="260"/>
+            <ac:picMk id="8" creationId="{72A9941B-7A2E-4F83-A40C-C2210FE60DFC}"/>
+          </ac:picMkLst>
+        </pc:picChg>
+      </pc:sldChg>
+      <pc:sldChg chg="addSp modSp">
+        <pc:chgData name="Marissa Navarro" userId="S::marissa@he360.com::48988ab4-9407-4f03-8b57-34c5aaa99b3e" providerId="AD" clId="Web-{42550089-0525-C8AB-5794-7400CB86DB4D}" dt="2020-09-13T22:40:28.913" v="179"/>
+        <pc:sldMkLst>
+          <pc:docMk/>
+          <pc:sldMk cId="337007499" sldId="261"/>
+        </pc:sldMkLst>
+        <pc:spChg chg="mod">
+          <ac:chgData name="Marissa Navarro" userId="S::marissa@he360.com::48988ab4-9407-4f03-8b57-34c5aaa99b3e" providerId="AD" clId="Web-{42550089-0525-C8AB-5794-7400CB86DB4D}" dt="2020-09-13T22:30:20.519" v="86" actId="1076"/>
+          <ac:spMkLst>
+            <pc:docMk/>
+            <pc:sldMk cId="337007499" sldId="261"/>
+            <ac:spMk id="2" creationId="{18AD5C39-3F63-40CB-B0CE-2BEB900F0047}"/>
+          </ac:spMkLst>
+        </pc:spChg>
+        <pc:spChg chg="add ord">
+          <ac:chgData name="Marissa Navarro" userId="S::marissa@he360.com::48988ab4-9407-4f03-8b57-34c5aaa99b3e" providerId="AD" clId="Web-{42550089-0525-C8AB-5794-7400CB86DB4D}" dt="2020-09-13T22:30:16.440" v="85"/>
+          <ac:spMkLst>
+            <pc:docMk/>
+            <pc:sldMk cId="337007499" sldId="261"/>
+            <ac:spMk id="6" creationId="{6894A553-7434-4FA4-AB86-4A56910BF646}"/>
+          </ac:spMkLst>
+        </pc:spChg>
+        <pc:picChg chg="add">
+          <ac:chgData name="Marissa Navarro" userId="S::marissa@he360.com::48988ab4-9407-4f03-8b57-34c5aaa99b3e" providerId="AD" clId="Web-{42550089-0525-C8AB-5794-7400CB86DB4D}" dt="2020-09-13T22:40:28.913" v="179"/>
+          <ac:picMkLst>
+            <pc:docMk/>
+            <pc:sldMk cId="337007499" sldId="261"/>
+            <ac:picMk id="8" creationId="{35E1E8B5-FD80-4311-9995-5D885D673E40}"/>
+          </ac:picMkLst>
+        </pc:picChg>
+      </pc:sldChg>
+      <pc:sldChg chg="addSp modSp">
+        <pc:chgData name="Marissa Navarro" userId="S::marissa@he360.com::48988ab4-9407-4f03-8b57-34c5aaa99b3e" providerId="AD" clId="Web-{42550089-0525-C8AB-5794-7400CB86DB4D}" dt="2020-09-13T22:40:30.991" v="180"/>
+        <pc:sldMkLst>
+          <pc:docMk/>
+          <pc:sldMk cId="1806917353" sldId="262"/>
+        </pc:sldMkLst>
+        <pc:spChg chg="mod">
+          <ac:chgData name="Marissa Navarro" userId="S::marissa@he360.com::48988ab4-9407-4f03-8b57-34c5aaa99b3e" providerId="AD" clId="Web-{42550089-0525-C8AB-5794-7400CB86DB4D}" dt="2020-09-13T22:30:40.801" v="91" actId="20577"/>
+          <ac:spMkLst>
+            <pc:docMk/>
+            <pc:sldMk cId="1806917353" sldId="262"/>
+            <ac:spMk id="2" creationId="{32F1C16F-6D7D-4BC7-A03C-EB53F3DA6CB3}"/>
+          </ac:spMkLst>
+        </pc:spChg>
+        <pc:spChg chg="add ord">
+          <ac:chgData name="Marissa Navarro" userId="S::marissa@he360.com::48988ab4-9407-4f03-8b57-34c5aaa99b3e" providerId="AD" clId="Web-{42550089-0525-C8AB-5794-7400CB86DB4D}" dt="2020-09-13T22:30:33.973" v="89"/>
+          <ac:spMkLst>
+            <pc:docMk/>
+            <pc:sldMk cId="1806917353" sldId="262"/>
+            <ac:spMk id="4" creationId="{536F8E42-A852-47F0-B0AC-404EF78AD78A}"/>
+          </ac:spMkLst>
+        </pc:spChg>
+        <pc:picChg chg="add">
+          <ac:chgData name="Marissa Navarro" userId="S::marissa@he360.com::48988ab4-9407-4f03-8b57-34c5aaa99b3e" providerId="AD" clId="Web-{42550089-0525-C8AB-5794-7400CB86DB4D}" dt="2020-09-13T22:40:30.991" v="180"/>
+          <ac:picMkLst>
+            <pc:docMk/>
+            <pc:sldMk cId="1806917353" sldId="262"/>
+            <ac:picMk id="8" creationId="{390E1EC2-7D07-4153-B8EC-AE4779D40FB9}"/>
+          </ac:picMkLst>
+        </pc:picChg>
+      </pc:sldChg>
+      <pc:sldChg chg="addSp delSp">
+        <pc:chgData name="Marissa Navarro" userId="S::marissa@he360.com::48988ab4-9407-4f03-8b57-34c5aaa99b3e" providerId="AD" clId="Web-{42550089-0525-C8AB-5794-7400CB86DB4D}" dt="2020-09-13T22:40:22.740" v="176"/>
+        <pc:sldMkLst>
+          <pc:docMk/>
+          <pc:sldMk cId="1190308257" sldId="263"/>
+        </pc:sldMkLst>
+        <pc:spChg chg="add del">
+          <ac:chgData name="Marissa Navarro" userId="S::marissa@he360.com::48988ab4-9407-4f03-8b57-34c5aaa99b3e" providerId="AD" clId="Web-{42550089-0525-C8AB-5794-7400CB86DB4D}" dt="2020-09-13T22:37:27.059" v="146"/>
+          <ac:spMkLst>
+            <pc:docMk/>
+            <pc:sldMk cId="1190308257" sldId="263"/>
+            <ac:spMk id="5" creationId="{C28EA05A-795A-417D-9A8B-DD75715BC431}"/>
+          </ac:spMkLst>
+        </pc:spChg>
+        <pc:spChg chg="add">
+          <ac:chgData name="Marissa Navarro" userId="S::marissa@he360.com::48988ab4-9407-4f03-8b57-34c5aaa99b3e" providerId="AD" clId="Web-{42550089-0525-C8AB-5794-7400CB86DB4D}" dt="2020-09-13T22:37:39.294" v="147"/>
+          <ac:spMkLst>
+            <pc:docMk/>
+            <pc:sldMk cId="1190308257" sldId="263"/>
+            <ac:spMk id="7" creationId="{F2DC6FE2-2797-4968-A1E1-DBE10A0DFC98}"/>
+          </ac:spMkLst>
+        </pc:spChg>
+        <pc:picChg chg="add">
+          <ac:chgData name="Marissa Navarro" userId="S::marissa@he360.com::48988ab4-9407-4f03-8b57-34c5aaa99b3e" providerId="AD" clId="Web-{42550089-0525-C8AB-5794-7400CB86DB4D}" dt="2020-09-13T22:37:39.294" v="148"/>
+          <ac:picMkLst>
+            <pc:docMk/>
+            <pc:sldMk cId="1190308257" sldId="263"/>
+            <ac:picMk id="9" creationId="{79E6F845-C912-4FCB-BACD-6E5FA63BE444}"/>
+          </ac:picMkLst>
+        </pc:picChg>
+        <pc:picChg chg="add">
+          <ac:chgData name="Marissa Navarro" userId="S::marissa@he360.com::48988ab4-9407-4f03-8b57-34c5aaa99b3e" providerId="AD" clId="Web-{42550089-0525-C8AB-5794-7400CB86DB4D}" dt="2020-09-13T22:40:22.740" v="176"/>
+          <ac:picMkLst>
+            <pc:docMk/>
+            <pc:sldMk cId="1190308257" sldId="263"/>
+            <ac:picMk id="11" creationId="{A267CEA4-DDED-4B18-AC5D-7BBAB0692831}"/>
+          </ac:picMkLst>
+        </pc:picChg>
+      </pc:sldChg>
+      <pc:sldChg chg="addSp delSp modSp">
+        <pc:chgData name="Marissa Navarro" userId="S::marissa@he360.com::48988ab4-9407-4f03-8b57-34c5aaa99b3e" providerId="AD" clId="Web-{42550089-0525-C8AB-5794-7400CB86DB4D}" dt="2020-09-13T22:40:24.975" v="177"/>
+        <pc:sldMkLst>
+          <pc:docMk/>
+          <pc:sldMk cId="543505274" sldId="264"/>
+        </pc:sldMkLst>
+        <pc:spChg chg="mod">
+          <ac:chgData name="Marissa Navarro" userId="S::marissa@he360.com::48988ab4-9407-4f03-8b57-34c5aaa99b3e" providerId="AD" clId="Web-{42550089-0525-C8AB-5794-7400CB86DB4D}" dt="2020-09-13T22:28:36.216" v="67" actId="20577"/>
+          <ac:spMkLst>
+            <pc:docMk/>
+            <pc:sldMk cId="543505274" sldId="264"/>
+            <ac:spMk id="2" creationId="{634B3566-F5BE-41D3-944B-273E1AA0DAB8}"/>
+          </ac:spMkLst>
+        </pc:spChg>
+        <pc:spChg chg="add mod ord">
+          <ac:chgData name="Marissa Navarro" userId="S::marissa@he360.com::48988ab4-9407-4f03-8b57-34c5aaa99b3e" providerId="AD" clId="Web-{42550089-0525-C8AB-5794-7400CB86DB4D}" dt="2020-09-13T22:28:28.762" v="65" actId="1076"/>
+          <ac:spMkLst>
+            <pc:docMk/>
+            <pc:sldMk cId="543505274" sldId="264"/>
+            <ac:spMk id="3" creationId="{C854DE20-CC57-47C4-A989-55E0642A1654}"/>
+          </ac:spMkLst>
+        </pc:spChg>
+        <pc:spChg chg="del">
+          <ac:chgData name="Marissa Navarro" userId="S::marissa@he360.com::48988ab4-9407-4f03-8b57-34c5aaa99b3e" providerId="AD" clId="Web-{42550089-0525-C8AB-5794-7400CB86DB4D}" dt="2020-09-13T22:28:59.733" v="72"/>
+          <ac:spMkLst>
+            <pc:docMk/>
+            <pc:sldMk cId="543505274" sldId="264"/>
+            <ac:spMk id="10" creationId="{F67CB8E4-4BDB-41DF-A9F5-5B3F40568FDC}"/>
+          </ac:spMkLst>
+        </pc:spChg>
+        <pc:spChg chg="mod">
+          <ac:chgData name="Marissa Navarro" userId="S::marissa@he360.com::48988ab4-9407-4f03-8b57-34c5aaa99b3e" providerId="AD" clId="Web-{42550089-0525-C8AB-5794-7400CB86DB4D}" dt="2020-09-13T22:28:48.842" v="70" actId="1076"/>
+          <ac:spMkLst>
+            <pc:docMk/>
+            <pc:sldMk cId="543505274" sldId="264"/>
+            <ac:spMk id="12" creationId="{68804974-A6F1-4F29-AA18-33A8E7D66EBD}"/>
+          </ac:spMkLst>
+        </pc:spChg>
+        <pc:spChg chg="mod">
+          <ac:chgData name="Marissa Navarro" userId="S::marissa@he360.com::48988ab4-9407-4f03-8b57-34c5aaa99b3e" providerId="AD" clId="Web-{42550089-0525-C8AB-5794-7400CB86DB4D}" dt="2020-09-13T22:28:55.483" v="71" actId="1076"/>
+          <ac:spMkLst>
+            <pc:docMk/>
+            <pc:sldMk cId="543505274" sldId="264"/>
+            <ac:spMk id="15" creationId="{F721A761-841D-4C34-9092-9A057A1802F2}"/>
+          </ac:spMkLst>
+        </pc:spChg>
+        <pc:picChg chg="add">
+          <ac:chgData name="Marissa Navarro" userId="S::marissa@he360.com::48988ab4-9407-4f03-8b57-34c5aaa99b3e" providerId="AD" clId="Web-{42550089-0525-C8AB-5794-7400CB86DB4D}" dt="2020-09-13T22:40:24.975" v="177"/>
+          <ac:picMkLst>
+            <pc:docMk/>
+            <pc:sldMk cId="543505274" sldId="264"/>
+            <ac:picMk id="4" creationId="{C199F655-1941-4EB0-B9A1-94C6E27FEE4E}"/>
+          </ac:picMkLst>
+        </pc:picChg>
+      </pc:sldChg>
+      <pc:sldChg chg="addSp delSp modSp">
+        <pc:chgData name="Marissa Navarro" userId="S::marissa@he360.com::48988ab4-9407-4f03-8b57-34c5aaa99b3e" providerId="AD" clId="Web-{42550089-0525-C8AB-5794-7400CB86DB4D}" dt="2020-09-13T22:40:33.991" v="181"/>
+        <pc:sldMkLst>
+          <pc:docMk/>
+          <pc:sldMk cId="4222997329" sldId="265"/>
+        </pc:sldMkLst>
+        <pc:spChg chg="mod">
+          <ac:chgData name="Marissa Navarro" userId="S::marissa@he360.com::48988ab4-9407-4f03-8b57-34c5aaa99b3e" providerId="AD" clId="Web-{42550089-0525-C8AB-5794-7400CB86DB4D}" dt="2020-09-13T22:31:06.459" v="97" actId="1076"/>
+          <ac:spMkLst>
+            <pc:docMk/>
+            <pc:sldMk cId="4222997329" sldId="265"/>
+            <ac:spMk id="2" creationId="{E837D864-046A-4DED-8A75-218998EDA67F}"/>
+          </ac:spMkLst>
+        </pc:spChg>
+        <pc:spChg chg="del">
+          <ac:chgData name="Marissa Navarro" userId="S::marissa@he360.com::48988ab4-9407-4f03-8b57-34c5aaa99b3e" providerId="AD" clId="Web-{42550089-0525-C8AB-5794-7400CB86DB4D}" dt="2020-09-13T22:31:02.927" v="96"/>
+          <ac:spMkLst>
+            <pc:docMk/>
+            <pc:sldMk cId="4222997329" sldId="265"/>
+            <ac:spMk id="4" creationId="{AADC3B0C-E3E5-4811-9F1A-8781B0C941AE}"/>
+          </ac:spMkLst>
+        </pc:spChg>
+        <pc:spChg chg="add ord">
+          <ac:chgData name="Marissa Navarro" userId="S::marissa@he360.com::48988ab4-9407-4f03-8b57-34c5aaa99b3e" providerId="AD" clId="Web-{42550089-0525-C8AB-5794-7400CB86DB4D}" dt="2020-09-13T22:31:00.584" v="95"/>
+          <ac:spMkLst>
+            <pc:docMk/>
+            <pc:sldMk cId="4222997329" sldId="265"/>
+            <ac:spMk id="6" creationId="{B6EE98EA-9E11-4F30-A3F5-34A6D822DB6F}"/>
+          </ac:spMkLst>
+        </pc:spChg>
+        <pc:picChg chg="add">
+          <ac:chgData name="Marissa Navarro" userId="S::marissa@he360.com::48988ab4-9407-4f03-8b57-34c5aaa99b3e" providerId="AD" clId="Web-{42550089-0525-C8AB-5794-7400CB86DB4D}" dt="2020-09-13T22:40:33.991" v="181"/>
+          <ac:picMkLst>
+            <pc:docMk/>
+            <pc:sldMk cId="4222997329" sldId="265"/>
+            <ac:picMk id="8" creationId="{FAD6E613-5185-46CE-8422-493C49F16C28}"/>
+          </ac:picMkLst>
+        </pc:picChg>
+      </pc:sldChg>
+      <pc:sldChg chg="addSp modSp">
+        <pc:chgData name="Marissa Navarro" userId="S::marissa@he360.com::48988ab4-9407-4f03-8b57-34c5aaa99b3e" providerId="AD" clId="Web-{42550089-0525-C8AB-5794-7400CB86DB4D}" dt="2020-09-13T22:40:36.460" v="182"/>
+        <pc:sldMkLst>
+          <pc:docMk/>
+          <pc:sldMk cId="2056473410" sldId="266"/>
+        </pc:sldMkLst>
+        <pc:spChg chg="mod">
+          <ac:chgData name="Marissa Navarro" userId="S::marissa@he360.com::48988ab4-9407-4f03-8b57-34c5aaa99b3e" providerId="AD" clId="Web-{42550089-0525-C8AB-5794-7400CB86DB4D}" dt="2020-09-13T22:31:18.975" v="100" actId="1076"/>
+          <ac:spMkLst>
+            <pc:docMk/>
+            <pc:sldMk cId="2056473410" sldId="266"/>
+            <ac:spMk id="2" creationId="{C579606B-FC75-47BE-B261-3470CAA63FE9}"/>
+          </ac:spMkLst>
+        </pc:spChg>
+        <pc:spChg chg="add ord">
+          <ac:chgData name="Marissa Navarro" userId="S::marissa@he360.com::48988ab4-9407-4f03-8b57-34c5aaa99b3e" providerId="AD" clId="Web-{42550089-0525-C8AB-5794-7400CB86DB4D}" dt="2020-09-13T22:31:14.334" v="99"/>
+          <ac:spMkLst>
+            <pc:docMk/>
+            <pc:sldMk cId="2056473410" sldId="266"/>
+            <ac:spMk id="6" creationId="{CED7E444-ACB0-4A2C-A19E-CD58BCB7A141}"/>
+          </ac:spMkLst>
+        </pc:spChg>
+        <pc:picChg chg="add">
+          <ac:chgData name="Marissa Navarro" userId="S::marissa@he360.com::48988ab4-9407-4f03-8b57-34c5aaa99b3e" providerId="AD" clId="Web-{42550089-0525-C8AB-5794-7400CB86DB4D}" dt="2020-09-13T22:40:36.460" v="182"/>
+          <ac:picMkLst>
+            <pc:docMk/>
+            <pc:sldMk cId="2056473410" sldId="266"/>
+            <ac:picMk id="8" creationId="{09F4E40C-DD84-47B6-B4DD-CDF5A7880FDB}"/>
+          </ac:picMkLst>
+        </pc:picChg>
+      </pc:sldChg>
+      <pc:sldChg chg="addSp delSp modSp">
+        <pc:chgData name="Marissa Navarro" userId="S::marissa@he360.com::48988ab4-9407-4f03-8b57-34c5aaa99b3e" providerId="AD" clId="Web-{42550089-0525-C8AB-5794-7400CB86DB4D}" dt="2020-09-13T22:40:39.648" v="184"/>
+        <pc:sldMkLst>
+          <pc:docMk/>
+          <pc:sldMk cId="3913013223" sldId="267"/>
+        </pc:sldMkLst>
+        <pc:spChg chg="add del">
+          <ac:chgData name="Marissa Navarro" userId="S::marissa@he360.com::48988ab4-9407-4f03-8b57-34c5aaa99b3e" providerId="AD" clId="Web-{42550089-0525-C8AB-5794-7400CB86DB4D}" dt="2020-09-13T22:37:48.310" v="149"/>
+          <ac:spMkLst>
+            <pc:docMk/>
+            <pc:sldMk cId="3913013223" sldId="267"/>
+            <ac:spMk id="5" creationId="{B411535C-9AD0-4421-990E-363C88D9D8E8}"/>
+          </ac:spMkLst>
+        </pc:spChg>
+        <pc:spChg chg="add">
+          <ac:chgData name="Marissa Navarro" userId="S::marissa@he360.com::48988ab4-9407-4f03-8b57-34c5aaa99b3e" providerId="AD" clId="Web-{42550089-0525-C8AB-5794-7400CB86DB4D}" dt="2020-09-13T22:37:49.029" v="150"/>
+          <ac:spMkLst>
+            <pc:docMk/>
+            <pc:sldMk cId="3913013223" sldId="267"/>
+            <ac:spMk id="8" creationId="{A9E4D3B7-CE26-4527-983B-AB155EA1D3F5}"/>
+          </ac:spMkLst>
+        </pc:spChg>
+        <pc:picChg chg="add del mod">
+          <ac:chgData name="Marissa Navarro" userId="S::marissa@he360.com::48988ab4-9407-4f03-8b57-34c5aaa99b3e" providerId="AD" clId="Web-{42550089-0525-C8AB-5794-7400CB86DB4D}" dt="2020-09-13T22:33:29.779" v="107"/>
+          <ac:picMkLst>
+            <pc:docMk/>
+            <pc:sldMk cId="3913013223" sldId="267"/>
+            <ac:picMk id="6" creationId="{2A7DFCA0-FBD5-4FE9-96BD-BCC7C14A4C88}"/>
+          </ac:picMkLst>
+        </pc:picChg>
+        <pc:picChg chg="add">
+          <ac:chgData name="Marissa Navarro" userId="S::marissa@he360.com::48988ab4-9407-4f03-8b57-34c5aaa99b3e" providerId="AD" clId="Web-{42550089-0525-C8AB-5794-7400CB86DB4D}" dt="2020-09-13T22:37:49.044" v="151"/>
+          <ac:picMkLst>
+            <pc:docMk/>
+            <pc:sldMk cId="3913013223" sldId="267"/>
+            <ac:picMk id="10" creationId="{54E88CF0-DB7D-409F-9225-2119D3CBEF7C}"/>
+          </ac:picMkLst>
+        </pc:picChg>
+        <pc:picChg chg="add">
+          <ac:chgData name="Marissa Navarro" userId="S::marissa@he360.com::48988ab4-9407-4f03-8b57-34c5aaa99b3e" providerId="AD" clId="Web-{42550089-0525-C8AB-5794-7400CB86DB4D}" dt="2020-09-13T22:40:39.648" v="184"/>
+          <ac:picMkLst>
+            <pc:docMk/>
+            <pc:sldMk cId="3913013223" sldId="267"/>
+            <ac:picMk id="12" creationId="{C0F20DD0-157E-4571-8A8F-AF58B013B9AF}"/>
+          </ac:picMkLst>
+        </pc:picChg>
+      </pc:sldChg>
+      <pc:sldChg chg="addSp modSp">
+        <pc:chgData name="Marissa Navarro" userId="S::marissa@he360.com::48988ab4-9407-4f03-8b57-34c5aaa99b3e" providerId="AD" clId="Web-{42550089-0525-C8AB-5794-7400CB86DB4D}" dt="2020-09-13T22:40:42.382" v="185"/>
+        <pc:sldMkLst>
+          <pc:docMk/>
+          <pc:sldMk cId="2129802329" sldId="268"/>
+        </pc:sldMkLst>
+        <pc:spChg chg="mod">
+          <ac:chgData name="Marissa Navarro" userId="S::marissa@he360.com::48988ab4-9407-4f03-8b57-34c5aaa99b3e" providerId="AD" clId="Web-{42550089-0525-C8AB-5794-7400CB86DB4D}" dt="2020-09-13T22:38:13.983" v="154" actId="1076"/>
+          <ac:spMkLst>
+            <pc:docMk/>
+            <pc:sldMk cId="2129802329" sldId="268"/>
+            <ac:spMk id="2" creationId="{DF89E800-F572-4AEA-9A64-0720B5929651}"/>
+          </ac:spMkLst>
+        </pc:spChg>
+        <pc:spChg chg="add ord">
+          <ac:chgData name="Marissa Navarro" userId="S::marissa@he360.com::48988ab4-9407-4f03-8b57-34c5aaa99b3e" providerId="AD" clId="Web-{42550089-0525-C8AB-5794-7400CB86DB4D}" dt="2020-09-13T22:38:04.279" v="153"/>
+          <ac:spMkLst>
+            <pc:docMk/>
+            <pc:sldMk cId="2129802329" sldId="268"/>
+            <ac:spMk id="6" creationId="{E607C3E1-50E3-4699-9E38-C89B2F8CA878}"/>
+          </ac:spMkLst>
+        </pc:spChg>
+        <pc:picChg chg="add">
+          <ac:chgData name="Marissa Navarro" userId="S::marissa@he360.com::48988ab4-9407-4f03-8b57-34c5aaa99b3e" providerId="AD" clId="Web-{42550089-0525-C8AB-5794-7400CB86DB4D}" dt="2020-09-13T22:40:42.382" v="185"/>
+          <ac:picMkLst>
+            <pc:docMk/>
+            <pc:sldMk cId="2129802329" sldId="268"/>
+            <ac:picMk id="8" creationId="{20B8D9B8-E466-403B-8BC0-0DD4DF1687B2}"/>
+          </ac:picMkLst>
+        </pc:picChg>
+      </pc:sldChg>
+      <pc:sldChg chg="addSp modSp">
+        <pc:chgData name="Marissa Navarro" userId="S::marissa@he360.com::48988ab4-9407-4f03-8b57-34c5aaa99b3e" providerId="AD" clId="Web-{42550089-0525-C8AB-5794-7400CB86DB4D}" dt="2020-09-13T22:40:49.023" v="188"/>
+        <pc:sldMkLst>
+          <pc:docMk/>
+          <pc:sldMk cId="3724927116" sldId="270"/>
+        </pc:sldMkLst>
+        <pc:spChg chg="mod">
+          <ac:chgData name="Marissa Navarro" userId="S::marissa@he360.com::48988ab4-9407-4f03-8b57-34c5aaa99b3e" providerId="AD" clId="Web-{42550089-0525-C8AB-5794-7400CB86DB4D}" dt="2020-09-13T22:38:55.189" v="163" actId="1076"/>
+          <ac:spMkLst>
+            <pc:docMk/>
+            <pc:sldMk cId="3724927116" sldId="270"/>
+            <ac:spMk id="2" creationId="{B98A8A07-0BEE-49D6-87EB-71AD48C363DE}"/>
+          </ac:spMkLst>
+        </pc:spChg>
+        <pc:spChg chg="add ord">
+          <ac:chgData name="Marissa Navarro" userId="S::marissa@he360.com::48988ab4-9407-4f03-8b57-34c5aaa99b3e" providerId="AD" clId="Web-{42550089-0525-C8AB-5794-7400CB86DB4D}" dt="2020-09-13T22:38:48.032" v="162"/>
+          <ac:spMkLst>
+            <pc:docMk/>
+            <pc:sldMk cId="3724927116" sldId="270"/>
+            <ac:spMk id="6" creationId="{A2620901-59E8-4031-9C7B-F074D875BEB8}"/>
+          </ac:spMkLst>
+        </pc:spChg>
+        <pc:picChg chg="add">
+          <ac:chgData name="Marissa Navarro" userId="S::marissa@he360.com::48988ab4-9407-4f03-8b57-34c5aaa99b3e" providerId="AD" clId="Web-{42550089-0525-C8AB-5794-7400CB86DB4D}" dt="2020-09-13T22:40:49.023" v="188"/>
+          <ac:picMkLst>
+            <pc:docMk/>
+            <pc:sldMk cId="3724927116" sldId="270"/>
+            <ac:picMk id="8" creationId="{94F882D2-3989-4157-9265-6515B9383028}"/>
+          </ac:picMkLst>
+        </pc:picChg>
+      </pc:sldChg>
+      <pc:sldChg chg="addSp delSp modSp">
+        <pc:chgData name="Marissa Navarro" userId="S::marissa@he360.com::48988ab4-9407-4f03-8b57-34c5aaa99b3e" providerId="AD" clId="Web-{42550089-0525-C8AB-5794-7400CB86DB4D}" dt="2020-09-13T22:41:17.665" v="198"/>
+        <pc:sldMkLst>
+          <pc:docMk/>
+          <pc:sldMk cId="2495141463" sldId="274"/>
+        </pc:sldMkLst>
+        <pc:spChg chg="del mod">
+          <ac:chgData name="Marissa Navarro" userId="S::marissa@he360.com::48988ab4-9407-4f03-8b57-34c5aaa99b3e" providerId="AD" clId="Web-{42550089-0525-C8AB-5794-7400CB86DB4D}" dt="2020-09-13T22:36:36.243" v="128"/>
+          <ac:spMkLst>
+            <pc:docMk/>
+            <pc:sldMk cId="2495141463" sldId="274"/>
+            <ac:spMk id="2" creationId="{2C9771A8-37BB-474E-BDEC-B3145635CC6F}"/>
+          </ac:spMkLst>
+        </pc:spChg>
+        <pc:spChg chg="mod">
+          <ac:chgData name="Marissa Navarro" userId="S::marissa@he360.com::48988ab4-9407-4f03-8b57-34c5aaa99b3e" providerId="AD" clId="Web-{42550089-0525-C8AB-5794-7400CB86DB4D}" dt="2020-09-13T22:26:47.866" v="44" actId="20577"/>
+          <ac:spMkLst>
+            <pc:docMk/>
+            <pc:sldMk cId="2495141463" sldId="274"/>
+            <ac:spMk id="3" creationId="{24232FA6-BE43-4437-9420-04E3FD01BB10}"/>
+          </ac:spMkLst>
+        </pc:spChg>
+        <pc:spChg chg="add mod ord">
+          <ac:chgData name="Marissa Navarro" userId="S::marissa@he360.com::48988ab4-9407-4f03-8b57-34c5aaa99b3e" providerId="AD" clId="Web-{42550089-0525-C8AB-5794-7400CB86DB4D}" dt="2020-09-13T22:36:11.304" v="127" actId="1076"/>
+          <ac:spMkLst>
+            <pc:docMk/>
+            <pc:sldMk cId="2495141463" sldId="274"/>
+            <ac:spMk id="5" creationId="{49F05B81-BF4B-4FDD-A2AB-621029F37580}"/>
+          </ac:spMkLst>
+        </pc:spChg>
+        <pc:spChg chg="add del mod">
+          <ac:chgData name="Marissa Navarro" userId="S::marissa@he360.com::48988ab4-9407-4f03-8b57-34c5aaa99b3e" providerId="AD" clId="Web-{42550089-0525-C8AB-5794-7400CB86DB4D}" dt="2020-09-13T22:36:41.978" v="130"/>
+          <ac:spMkLst>
+            <pc:docMk/>
+            <pc:sldMk cId="2495141463" sldId="274"/>
+            <ac:spMk id="7" creationId="{712BEFB4-6140-4795-A75C-3741E0CB3BCE}"/>
+          </ac:spMkLst>
+        </pc:spChg>
+        <pc:spChg chg="add mod">
+          <ac:chgData name="Marissa Navarro" userId="S::marissa@he360.com::48988ab4-9407-4f03-8b57-34c5aaa99b3e" providerId="AD" clId="Web-{42550089-0525-C8AB-5794-7400CB86DB4D}" dt="2020-09-13T22:36:47.713" v="133" actId="20577"/>
+          <ac:spMkLst>
+            <pc:docMk/>
+            <pc:sldMk cId="2495141463" sldId="274"/>
+            <ac:spMk id="9" creationId="{92E162DA-6B8C-4D00-8002-BA6EDA876629}"/>
+          </ac:spMkLst>
+        </pc:spChg>
+        <pc:picChg chg="add del">
+          <ac:chgData name="Marissa Navarro" userId="S::marissa@he360.com::48988ab4-9407-4f03-8b57-34c5aaa99b3e" providerId="AD" clId="Web-{42550089-0525-C8AB-5794-7400CB86DB4D}" dt="2020-09-13T22:41:17.040" v="197"/>
+          <ac:picMkLst>
+            <pc:docMk/>
+            <pc:sldMk cId="2495141463" sldId="274"/>
+            <ac:picMk id="11" creationId="{898AAB4A-10CC-4355-9F23-B90E13C4BD82}"/>
+          </ac:picMkLst>
+        </pc:picChg>
+        <pc:picChg chg="add">
+          <ac:chgData name="Marissa Navarro" userId="S::marissa@he360.com::48988ab4-9407-4f03-8b57-34c5aaa99b3e" providerId="AD" clId="Web-{42550089-0525-C8AB-5794-7400CB86DB4D}" dt="2020-09-13T22:41:17.665" v="198"/>
+          <ac:picMkLst>
+            <pc:docMk/>
+            <pc:sldMk cId="2495141463" sldId="274"/>
+            <ac:picMk id="13" creationId="{6E548ED3-98C4-455A-85AC-9E4FC288658E}"/>
+          </ac:picMkLst>
+        </pc:picChg>
+      </pc:sldChg>
+      <pc:sldChg chg="addSp modSp">
+        <pc:chgData name="Marissa Navarro" userId="S::marissa@he360.com::48988ab4-9407-4f03-8b57-34c5aaa99b3e" providerId="AD" clId="Web-{42550089-0525-C8AB-5794-7400CB86DB4D}" dt="2020-09-13T22:40:44.382" v="186"/>
+        <pc:sldMkLst>
+          <pc:docMk/>
+          <pc:sldMk cId="383254336" sldId="276"/>
+        </pc:sldMkLst>
+        <pc:spChg chg="mod">
+          <ac:chgData name="Marissa Navarro" userId="S::marissa@he360.com::48988ab4-9407-4f03-8b57-34c5aaa99b3e" providerId="AD" clId="Web-{42550089-0525-C8AB-5794-7400CB86DB4D}" dt="2020-09-13T22:38:27.781" v="157" actId="1076"/>
+          <ac:spMkLst>
+            <pc:docMk/>
+            <pc:sldMk cId="383254336" sldId="276"/>
+            <ac:spMk id="2" creationId="{C93BEDD4-8F7A-994E-864F-12D77EF7D0B5}"/>
+          </ac:spMkLst>
+        </pc:spChg>
+        <pc:spChg chg="add ord">
+          <ac:chgData name="Marissa Navarro" userId="S::marissa@he360.com::48988ab4-9407-4f03-8b57-34c5aaa99b3e" providerId="AD" clId="Web-{42550089-0525-C8AB-5794-7400CB86DB4D}" dt="2020-09-13T22:38:22.562" v="156"/>
+          <ac:spMkLst>
+            <pc:docMk/>
+            <pc:sldMk cId="383254336" sldId="276"/>
+            <ac:spMk id="5" creationId="{441EBF88-1F41-4F76-BE48-89394F2EDB58}"/>
+          </ac:spMkLst>
+        </pc:spChg>
+        <pc:picChg chg="add">
+          <ac:chgData name="Marissa Navarro" userId="S::marissa@he360.com::48988ab4-9407-4f03-8b57-34c5aaa99b3e" providerId="AD" clId="Web-{42550089-0525-C8AB-5794-7400CB86DB4D}" dt="2020-09-13T22:40:44.382" v="186"/>
+          <ac:picMkLst>
+            <pc:docMk/>
+            <pc:sldMk cId="383254336" sldId="276"/>
+            <ac:picMk id="7" creationId="{9ED18C7C-5704-4F68-9FA9-4C73548574DA}"/>
+          </ac:picMkLst>
+        </pc:picChg>
+      </pc:sldChg>
+      <pc:sldChg chg="addSp modSp">
+        <pc:chgData name="Marissa Navarro" userId="S::marissa@he360.com::48988ab4-9407-4f03-8b57-34c5aaa99b3e" providerId="AD" clId="Web-{42550089-0525-C8AB-5794-7400CB86DB4D}" dt="2020-09-13T22:40:46.601" v="187"/>
+        <pc:sldMkLst>
+          <pc:docMk/>
+          <pc:sldMk cId="1642996386" sldId="279"/>
+        </pc:sldMkLst>
+        <pc:spChg chg="mod">
+          <ac:chgData name="Marissa Navarro" userId="S::marissa@he360.com::48988ab4-9407-4f03-8b57-34c5aaa99b3e" providerId="AD" clId="Web-{42550089-0525-C8AB-5794-7400CB86DB4D}" dt="2020-09-13T22:38:39.641" v="160" actId="1076"/>
+          <ac:spMkLst>
+            <pc:docMk/>
+            <pc:sldMk cId="1642996386" sldId="279"/>
+            <ac:spMk id="2" creationId="{C38D9F80-C245-CD40-B0D5-8BC58BCA6663}"/>
+          </ac:spMkLst>
+        </pc:spChg>
+        <pc:spChg chg="add ord">
+          <ac:chgData name="Marissa Navarro" userId="S::marissa@he360.com::48988ab4-9407-4f03-8b57-34c5aaa99b3e" providerId="AD" clId="Web-{42550089-0525-C8AB-5794-7400CB86DB4D}" dt="2020-09-13T22:38:36.938" v="159"/>
+          <ac:spMkLst>
+            <pc:docMk/>
+            <pc:sldMk cId="1642996386" sldId="279"/>
+            <ac:spMk id="6" creationId="{8007E955-A10C-4CBC-8C99-002B60CDDA3D}"/>
+          </ac:spMkLst>
+        </pc:spChg>
+        <pc:picChg chg="add">
+          <ac:chgData name="Marissa Navarro" userId="S::marissa@he360.com::48988ab4-9407-4f03-8b57-34c5aaa99b3e" providerId="AD" clId="Web-{42550089-0525-C8AB-5794-7400CB86DB4D}" dt="2020-09-13T22:40:46.601" v="187"/>
+          <ac:picMkLst>
+            <pc:docMk/>
+            <pc:sldMk cId="1642996386" sldId="279"/>
+            <ac:picMk id="8" creationId="{BCACAA59-8A67-40BE-830E-E741AB09AC3F}"/>
+          </ac:picMkLst>
+        </pc:picChg>
+      </pc:sldChg>
+      <pc:sldChg chg="addSp delSp modSp">
+        <pc:chgData name="Marissa Navarro" userId="S::marissa@he360.com::48988ab4-9407-4f03-8b57-34c5aaa99b3e" providerId="AD" clId="Web-{42550089-0525-C8AB-5794-7400CB86DB4D}" dt="2020-09-13T22:40:27.256" v="178"/>
+        <pc:sldMkLst>
+          <pc:docMk/>
+          <pc:sldMk cId="4097846601" sldId="281"/>
+        </pc:sldMkLst>
+        <pc:spChg chg="del">
+          <ac:chgData name="Marissa Navarro" userId="S::marissa@he360.com::48988ab4-9407-4f03-8b57-34c5aaa99b3e" providerId="AD" clId="Web-{42550089-0525-C8AB-5794-7400CB86DB4D}" dt="2020-09-13T22:29:23.687" v="75"/>
+          <ac:spMkLst>
+            <pc:docMk/>
+            <pc:sldMk cId="4097846601" sldId="281"/>
+            <ac:spMk id="2" creationId="{634B3566-F5BE-41D3-944B-273E1AA0DAB8}"/>
+          </ac:spMkLst>
+        </pc:spChg>
+        <pc:spChg chg="add ord">
+          <ac:chgData name="Marissa Navarro" userId="S::marissa@he360.com::48988ab4-9407-4f03-8b57-34c5aaa99b3e" providerId="AD" clId="Web-{42550089-0525-C8AB-5794-7400CB86DB4D}" dt="2020-09-13T22:29:19.781" v="74"/>
+          <ac:spMkLst>
+            <pc:docMk/>
+            <pc:sldMk cId="4097846601" sldId="281"/>
+            <ac:spMk id="4" creationId="{16569995-FE1D-4AB0-A11D-23D5B0FF9BB3}"/>
+          </ac:spMkLst>
+        </pc:spChg>
+        <pc:spChg chg="del">
+          <ac:chgData name="Marissa Navarro" userId="S::marissa@he360.com::48988ab4-9407-4f03-8b57-34c5aaa99b3e" providerId="AD" clId="Web-{42550089-0525-C8AB-5794-7400CB86DB4D}" dt="2020-09-13T22:29:34.360" v="80"/>
+          <ac:spMkLst>
+            <pc:docMk/>
+            <pc:sldMk cId="4097846601" sldId="281"/>
+            <ac:spMk id="10" creationId="{F67CB8E4-4BDB-41DF-A9F5-5B3F40568FDC}"/>
+          </ac:spMkLst>
+        </pc:spChg>
+        <pc:spChg chg="add del mod">
+          <ac:chgData name="Marissa Navarro" userId="S::marissa@he360.com::48988ab4-9407-4f03-8b57-34c5aaa99b3e" providerId="AD" clId="Web-{42550089-0525-C8AB-5794-7400CB86DB4D}" dt="2020-09-13T22:29:26.250" v="76"/>
+          <ac:spMkLst>
+            <pc:docMk/>
+            <pc:sldMk cId="4097846601" sldId="281"/>
+            <ac:spMk id="11" creationId="{3FCDC0F3-1983-4209-8272-C4C38D261771}"/>
+          </ac:spMkLst>
+        </pc:spChg>
+        <pc:spChg chg="del">
+          <ac:chgData name="Marissa Navarro" userId="S::marissa@he360.com::48988ab4-9407-4f03-8b57-34c5aaa99b3e" providerId="AD" clId="Web-{42550089-0525-C8AB-5794-7400CB86DB4D}" dt="2020-09-13T22:29:27.985" v="77"/>
+          <ac:spMkLst>
+            <pc:docMk/>
+            <pc:sldMk cId="4097846601" sldId="281"/>
+            <ac:spMk id="12" creationId="{68804974-A6F1-4F29-AA18-33A8E7D66EBD}"/>
+          </ac:spMkLst>
+        </pc:spChg>
+        <pc:spChg chg="add mod">
+          <ac:chgData name="Marissa Navarro" userId="S::marissa@he360.com::48988ab4-9407-4f03-8b57-34c5aaa99b3e" providerId="AD" clId="Web-{42550089-0525-C8AB-5794-7400CB86DB4D}" dt="2020-09-13T22:29:46.126" v="81"/>
+          <ac:spMkLst>
+            <pc:docMk/>
+            <pc:sldMk cId="4097846601" sldId="281"/>
+            <ac:spMk id="13" creationId="{CD491A43-17E0-42C9-874B-54C85C5FC8A4}"/>
+          </ac:spMkLst>
+        </pc:spChg>
+        <pc:spChg chg="del mod">
+          <ac:chgData name="Marissa Navarro" userId="S::marissa@he360.com::48988ab4-9407-4f03-8b57-34c5aaa99b3e" providerId="AD" clId="Web-{42550089-0525-C8AB-5794-7400CB86DB4D}" dt="2020-09-13T22:29:33.500" v="79"/>
+          <ac:spMkLst>
+            <pc:docMk/>
+            <pc:sldMk cId="4097846601" sldId="281"/>
+            <ac:spMk id="15" creationId="{F721A761-841D-4C34-9092-9A057A1802F2}"/>
+          </ac:spMkLst>
+        </pc:spChg>
+        <pc:spChg chg="add">
+          <ac:chgData name="Marissa Navarro" userId="S::marissa@he360.com::48988ab4-9407-4f03-8b57-34c5aaa99b3e" providerId="AD" clId="Web-{42550089-0525-C8AB-5794-7400CB86DB4D}" dt="2020-09-13T22:29:54.283" v="82"/>
+          <ac:spMkLst>
+            <pc:docMk/>
+            <pc:sldMk cId="4097846601" sldId="281"/>
+            <ac:spMk id="24" creationId="{B033546E-71BF-4C7A-B9B8-485BBA9AACC2}"/>
+          </ac:spMkLst>
+        </pc:spChg>
+        <pc:spChg chg="add">
+          <ac:chgData name="Marissa Navarro" userId="S::marissa@he360.com::48988ab4-9407-4f03-8b57-34c5aaa99b3e" providerId="AD" clId="Web-{42550089-0525-C8AB-5794-7400CB86DB4D}" dt="2020-09-13T22:29:54.283" v="83"/>
+          <ac:spMkLst>
+            <pc:docMk/>
+            <pc:sldMk cId="4097846601" sldId="281"/>
+            <ac:spMk id="26" creationId="{6A7704CB-A09F-440E-B39E-607DAA02E8ED}"/>
+          </ac:spMkLst>
+        </pc:spChg>
+        <pc:picChg chg="add">
+          <ac:chgData name="Marissa Navarro" userId="S::marissa@he360.com::48988ab4-9407-4f03-8b57-34c5aaa99b3e" providerId="AD" clId="Web-{42550089-0525-C8AB-5794-7400CB86DB4D}" dt="2020-09-13T22:40:27.256" v="178"/>
+          <ac:picMkLst>
+            <pc:docMk/>
+            <pc:sldMk cId="4097846601" sldId="281"/>
+            <ac:picMk id="28" creationId="{C557EE5F-FF3F-4C91-97B8-8C20584A1779}"/>
+          </ac:picMkLst>
+        </pc:picChg>
+      </pc:sldChg>
+      <pc:sldChg chg="addSp modSp">
+        <pc:chgData name="Marissa Navarro" userId="S::marissa@he360.com::48988ab4-9407-4f03-8b57-34c5aaa99b3e" providerId="AD" clId="Web-{42550089-0525-C8AB-5794-7400CB86DB4D}" dt="2020-09-13T22:40:38.007" v="183"/>
+        <pc:sldMkLst>
+          <pc:docMk/>
+          <pc:sldMk cId="3577692765" sldId="282"/>
+        </pc:sldMkLst>
+        <pc:spChg chg="mod">
+          <ac:chgData name="Marissa Navarro" userId="S::marissa@he360.com::48988ab4-9407-4f03-8b57-34c5aaa99b3e" providerId="AD" clId="Web-{42550089-0525-C8AB-5794-7400CB86DB4D}" dt="2020-09-13T22:31:37.007" v="103" actId="1076"/>
+          <ac:spMkLst>
+            <pc:docMk/>
+            <pc:sldMk cId="3577692765" sldId="282"/>
+            <ac:spMk id="2" creationId="{5E2E425E-3755-4840-874E-05B26ED9F045}"/>
+          </ac:spMkLst>
+        </pc:spChg>
+        <pc:spChg chg="add ord">
+          <ac:chgData name="Marissa Navarro" userId="S::marissa@he360.com::48988ab4-9407-4f03-8b57-34c5aaa99b3e" providerId="AD" clId="Web-{42550089-0525-C8AB-5794-7400CB86DB4D}" dt="2020-09-13T22:31:32.695" v="102"/>
+          <ac:spMkLst>
+            <pc:docMk/>
+            <pc:sldMk cId="3577692765" sldId="282"/>
+            <ac:spMk id="6" creationId="{45296B44-5D2B-4DDE-88DC-2279F48742C7}"/>
+          </ac:spMkLst>
+        </pc:spChg>
+        <pc:picChg chg="add">
+          <ac:chgData name="Marissa Navarro" userId="S::marissa@he360.com::48988ab4-9407-4f03-8b57-34c5aaa99b3e" providerId="AD" clId="Web-{42550089-0525-C8AB-5794-7400CB86DB4D}" dt="2020-09-13T22:40:38.007" v="183"/>
+          <ac:picMkLst>
+            <pc:docMk/>
+            <pc:sldMk cId="3577692765" sldId="282"/>
+            <ac:picMk id="8" creationId="{F05494F3-1855-413D-80CF-1FDE630B9547}"/>
+          </ac:picMkLst>
+        </pc:picChg>
+      </pc:sldChg>
+      <pc:sldChg chg="addSp">
+        <pc:chgData name="Marissa Navarro" userId="S::marissa@he360.com::48988ab4-9407-4f03-8b57-34c5aaa99b3e" providerId="AD" clId="Web-{42550089-0525-C8AB-5794-7400CB86DB4D}" dt="2020-09-13T22:40:50.445" v="189"/>
+        <pc:sldMkLst>
+          <pc:docMk/>
+          <pc:sldMk cId="113610020" sldId="283"/>
+        </pc:sldMkLst>
+        <pc:spChg chg="add">
+          <ac:chgData name="Marissa Navarro" userId="S::marissa@he360.com::48988ab4-9407-4f03-8b57-34c5aaa99b3e" providerId="AD" clId="Web-{42550089-0525-C8AB-5794-7400CB86DB4D}" dt="2020-09-13T22:39:21.987" v="164"/>
+          <ac:spMkLst>
+            <pc:docMk/>
+            <pc:sldMk cId="113610020" sldId="283"/>
+            <ac:spMk id="5" creationId="{088D5FB6-5A7D-43F1-8A1F-EBA0C99A28C0}"/>
+          </ac:spMkLst>
+        </pc:spChg>
+        <pc:picChg chg="add">
+          <ac:chgData name="Marissa Navarro" userId="S::marissa@he360.com::48988ab4-9407-4f03-8b57-34c5aaa99b3e" providerId="AD" clId="Web-{42550089-0525-C8AB-5794-7400CB86DB4D}" dt="2020-09-13T22:40:50.445" v="189"/>
+          <ac:picMkLst>
+            <pc:docMk/>
+            <pc:sldMk cId="113610020" sldId="283"/>
+            <ac:picMk id="7" creationId="{435D4738-5185-4AAF-8289-24384DC0FFCC}"/>
+          </ac:picMkLst>
+        </pc:picChg>
+      </pc:sldChg>
+      <pc:sldChg chg="addSp modSp">
+        <pc:chgData name="Marissa Navarro" userId="S::marissa@he360.com::48988ab4-9407-4f03-8b57-34c5aaa99b3e" providerId="AD" clId="Web-{42550089-0525-C8AB-5794-7400CB86DB4D}" dt="2020-09-13T22:40:52.617" v="190"/>
+        <pc:sldMkLst>
+          <pc:docMk/>
+          <pc:sldMk cId="2953156188" sldId="284"/>
+        </pc:sldMkLst>
+        <pc:spChg chg="add ord">
+          <ac:chgData name="Marissa Navarro" userId="S::marissa@he360.com::48988ab4-9407-4f03-8b57-34c5aaa99b3e" providerId="AD" clId="Web-{42550089-0525-C8AB-5794-7400CB86DB4D}" dt="2020-09-13T22:39:48.238" v="167"/>
+          <ac:spMkLst>
+            <pc:docMk/>
+            <pc:sldMk cId="2953156188" sldId="284"/>
+            <ac:spMk id="7" creationId="{69F6D302-2769-4C19-A516-969F5199FE09}"/>
+          </ac:spMkLst>
+        </pc:spChg>
+        <pc:picChg chg="add">
+          <ac:chgData name="Marissa Navarro" userId="S::marissa@he360.com::48988ab4-9407-4f03-8b57-34c5aaa99b3e" providerId="AD" clId="Web-{42550089-0525-C8AB-5794-7400CB86DB4D}" dt="2020-09-13T22:39:34.253" v="165"/>
+          <ac:picMkLst>
+            <pc:docMk/>
+            <pc:sldMk cId="2953156188" sldId="284"/>
+            <ac:picMk id="5" creationId="{626B2F58-C1AF-4028-AB2F-13CABECB4084}"/>
+          </ac:picMkLst>
+        </pc:picChg>
+        <pc:picChg chg="add">
+          <ac:chgData name="Marissa Navarro" userId="S::marissa@he360.com::48988ab4-9407-4f03-8b57-34c5aaa99b3e" providerId="AD" clId="Web-{42550089-0525-C8AB-5794-7400CB86DB4D}" dt="2020-09-13T22:40:52.617" v="190"/>
+          <ac:picMkLst>
+            <pc:docMk/>
+            <pc:sldMk cId="2953156188" sldId="284"/>
+            <ac:picMk id="9" creationId="{3727D41B-572D-4ED7-96BF-3D313766C02B}"/>
+          </ac:picMkLst>
+        </pc:picChg>
+      </pc:sldChg>
+    </pc:docChg>
+  </pc:docChgLst>
+</pc:chgInfo>
+</file>
+
+<file path=ppt/handoutMasters/handoutMaster1.xml><?xml version="1.0" encoding="utf-8"?>
+<p:handoutMaster xmlns:a="http://schemas.openxmlformats.org/drawingml/2006/main" xmlns:r="http://schemas.openxmlformats.org/officeDocument/2006/relationships" xmlns:p="http://schemas.openxmlformats.org/presentationml/2006/main">
+  <p:cSld>
+    <p:bg>
+      <p:bgRef idx="1001">
+        <a:schemeClr val="bg1"/>
+      </p:bgRef>
+    </p:bg>
+    <p:spTree>
+      <p:nvGrpSpPr>
+        <p:cNvPr id="1" name=""/>
+        <p:cNvGrpSpPr/>
+        <p:nvPr/>
+      </p:nvGrpSpPr>
+      <p:grpSpPr>
+        <a:xfrm>
+          <a:off x="0" y="0"/>
+          <a:ext cx="0" cy="0"/>
+          <a:chOff x="0" y="0"/>
+          <a:chExt cx="0" cy="0"/>
+        </a:xfrm>
+      </p:grpSpPr>
+      <p:sp>
+        <p:nvSpPr>
+          <p:cNvPr id="2" name="Header Placeholder 1">
+            <a:extLst>
+              <a:ext uri="{FF2B5EF4-FFF2-40B4-BE49-F238E27FC236}">
+                <a16:creationId xmlns:a16="http://schemas.microsoft.com/office/drawing/2014/main" id="{CD079CCC-4C74-49D9-A4BC-B69282D6770E}"/>
+              </a:ext>
+            </a:extLst>
+          </p:cNvPr>
+          <p:cNvSpPr>
+            <a:spLocks noGrp="1"/>
+          </p:cNvSpPr>
+          <p:nvPr>
+            <p:ph type="hdr" sz="quarter"/>
+          </p:nvPr>
+        </p:nvSpPr>
+        <p:spPr>
+          <a:xfrm>
+            <a:off x="0" y="0"/>
+            <a:ext cx="2971800" cy="458788"/>
+          </a:xfrm>
+          <a:prstGeom prst="rect">
+            <a:avLst/>
+          </a:prstGeom>
+        </p:spPr>
+        <p:txBody>
+          <a:bodyPr vert="horz" lIns="91440" tIns="45720" rIns="91440" bIns="45720" rtlCol="0"/>
+          <a:lstStyle>
+            <a:lvl1pPr algn="l">
+              <a:defRPr sz="1200"/>
+            </a:lvl1pPr>
+          </a:lstStyle>
+          <a:p>
+            <a:endParaRPr lang="en-US"/>
+          </a:p>
+        </p:txBody>
+      </p:sp>
+      <p:sp>
+        <p:nvSpPr>
+          <p:cNvPr id="3" name="Date Placeholder 2">
+            <a:extLst>
+              <a:ext uri="{FF2B5EF4-FFF2-40B4-BE49-F238E27FC236}">
+                <a16:creationId xmlns:a16="http://schemas.microsoft.com/office/drawing/2014/main" id="{4CD7E536-BB93-48C9-A415-C5CBAA996042}"/>
+              </a:ext>
+            </a:extLst>
+          </p:cNvPr>
+          <p:cNvSpPr>
+            <a:spLocks noGrp="1"/>
+          </p:cNvSpPr>
+          <p:nvPr>
+            <p:ph type="dt" sz="quarter" idx="1"/>
+          </p:nvPr>
+        </p:nvSpPr>
+        <p:spPr>
+          <a:xfrm>
+            <a:off x="3884613" y="0"/>
+            <a:ext cx="2971800" cy="458788"/>
+          </a:xfrm>
+          <a:prstGeom prst="rect">
+            <a:avLst/>
+          </a:prstGeom>
+        </p:spPr>
+        <p:txBody>
+          <a:bodyPr vert="horz" lIns="91440" tIns="45720" rIns="91440" bIns="45720" rtlCol="0"/>
+          <a:lstStyle>
+            <a:lvl1pPr algn="r">
+              <a:defRPr sz="1200"/>
+            </a:lvl1pPr>
+          </a:lstStyle>
+          <a:p>
+            <a:fld id="{02A92FC6-FD21-4492-93AE-88C1F1ACD8B7}" type="datetimeFigureOut">
+              <a:rPr lang="en-US" smtClean="0"/>
+              <a:t>9/14/2020</a:t>
+            </a:fld>
+            <a:endParaRPr lang="en-US"/>
+          </a:p>
+        </p:txBody>
+      </p:sp>
+      <p:sp>
+        <p:nvSpPr>
+          <p:cNvPr id="4" name="Footer Placeholder 3">
+            <a:extLst>
+              <a:ext uri="{FF2B5EF4-FFF2-40B4-BE49-F238E27FC236}">
+                <a16:creationId xmlns:a16="http://schemas.microsoft.com/office/drawing/2014/main" id="{600EA642-AA79-4FFD-AC75-22C9D00EB495}"/>
+              </a:ext>
+            </a:extLst>
+          </p:cNvPr>
+          <p:cNvSpPr>
+            <a:spLocks noGrp="1"/>
+          </p:cNvSpPr>
+          <p:nvPr>
+            <p:ph type="ftr" sz="quarter" idx="2"/>
+          </p:nvPr>
+        </p:nvSpPr>
+        <p:spPr>
+          <a:xfrm>
+            <a:off x="0" y="8685213"/>
+            <a:ext cx="2971800" cy="458787"/>
+          </a:xfrm>
+          <a:prstGeom prst="rect">
+            <a:avLst/>
+          </a:prstGeom>
+        </p:spPr>
+        <p:txBody>
+          <a:bodyPr vert="horz" lIns="91440" tIns="45720" rIns="91440" bIns="45720" rtlCol="0" anchor="b"/>
+          <a:lstStyle>
+            <a:lvl1pPr algn="l">
+              <a:defRPr sz="1200"/>
+            </a:lvl1pPr>
+          </a:lstStyle>
+          <a:p>
+            <a:endParaRPr lang="en-US"/>
+          </a:p>
+        </p:txBody>
+      </p:sp>
+      <p:sp>
+        <p:nvSpPr>
+          <p:cNvPr id="5" name="Slide Number Placeholder 4">
+            <a:extLst>
+              <a:ext uri="{FF2B5EF4-FFF2-40B4-BE49-F238E27FC236}">
+                <a16:creationId xmlns:a16="http://schemas.microsoft.com/office/drawing/2014/main" id="{836EE628-389D-409D-AEDD-2E07DF95531D}"/>
+              </a:ext>
+            </a:extLst>
+          </p:cNvPr>
+          <p:cNvSpPr>
+            <a:spLocks noGrp="1"/>
+          </p:cNvSpPr>
+          <p:nvPr>
+            <p:ph type="sldNum" sz="quarter" idx="3"/>
+          </p:nvPr>
+        </p:nvSpPr>
+        <p:spPr>
+          <a:xfrm>
+            <a:off x="3884613" y="8685213"/>
+            <a:ext cx="2971800" cy="458787"/>
+          </a:xfrm>
+          <a:prstGeom prst="rect">
+            <a:avLst/>
+          </a:prstGeom>
+        </p:spPr>
+        <p:txBody>
+          <a:bodyPr vert="horz" lIns="91440" tIns="45720" rIns="91440" bIns="45720" rtlCol="0" anchor="b"/>
+          <a:lstStyle>
+            <a:lvl1pPr algn="r">
+              <a:defRPr sz="1200"/>
+            </a:lvl1pPr>
+          </a:lstStyle>
+          <a:p>
+            <a:fld id="{934BF13C-18AC-441D-B07F-418FEE1525F2}" type="slidenum">
+              <a:rPr lang="en-US" smtClean="0"/>
+              <a:t>‹#›</a:t>
+            </a:fld>
+            <a:endParaRPr lang="en-US"/>
+          </a:p>
+        </p:txBody>
+      </p:sp>
+    </p:spTree>
+    <p:extLst>
+      <p:ext uri="{BB962C8B-B14F-4D97-AF65-F5344CB8AC3E}">
+        <p14:creationId xmlns:p14="http://schemas.microsoft.com/office/powerpoint/2010/main" val="44451871"/>
+      </p:ext>
+    </p:extLst>
+  </p:cSld>
+  <p:clrMap bg1="lt1" tx1="dk1" bg2="lt2" tx2="dk2" accent1="accent1" accent2="accent2" accent3="accent3" accent4="accent4" accent5="accent5" accent6="accent6" hlink="hlink" folHlink="folHlink"/>
+</p:handoutMaster>
 </file>
 
 <file path=ppt/notesMasters/notesMaster1.xml><?xml version="1.0" encoding="utf-8"?>
@@ -236,7 +1302,7 @@
           <a:p>
             <a:fld id="{BAC2490E-E937-46F7-8980-944708E0FCD0}" type="datetimeFigureOut">
               <a:rPr lang="en-US" smtClean="0"/>
-              <a:t>9/13/2020</a:t>
+              <a:t>9/14/2020</a:t>
             </a:fld>
             <a:endParaRPr lang="en-US"/>
           </a:p>
@@ -719,11 +1785,10 @@
           <a:bodyPr/>
           <a:lstStyle/>
           <a:p>
-            <a:fld id="{846CE7D5-CF57-46EF-B807-FDD0502418D4}" type="datetimeFigureOut">
-              <a:rPr lang="en-US" smtClean="0"/>
-              <a:t>9/13/2020</a:t>
-            </a:fld>
-            <a:endParaRPr lang="en-US"/>
+            <a:r>
+              <a:rPr lang="en-US"/>
+              <a:t>9/14/2020</a:t>
+            </a:r>
           </a:p>
         </p:txBody>
       </p:sp>
@@ -889,11 +1954,10 @@
           <a:bodyPr/>
           <a:lstStyle/>
           <a:p>
-            <a:fld id="{846CE7D5-CF57-46EF-B807-FDD0502418D4}" type="datetimeFigureOut">
-              <a:rPr lang="en-US" smtClean="0"/>
-              <a:t>9/13/2020</a:t>
-            </a:fld>
-            <a:endParaRPr lang="en-US"/>
+            <a:r>
+              <a:rPr lang="en-US"/>
+              <a:t>9/14/2020</a:t>
+            </a:r>
           </a:p>
         </p:txBody>
       </p:sp>
@@ -1069,11 +2133,10 @@
           <a:bodyPr/>
           <a:lstStyle/>
           <a:p>
-            <a:fld id="{846CE7D5-CF57-46EF-B807-FDD0502418D4}" type="datetimeFigureOut">
-              <a:rPr lang="en-US" smtClean="0"/>
-              <a:t>9/13/2020</a:t>
-            </a:fld>
-            <a:endParaRPr lang="en-US"/>
+            <a:r>
+              <a:rPr lang="en-US"/>
+              <a:t>9/14/2020</a:t>
+            </a:r>
           </a:p>
         </p:txBody>
       </p:sp>
@@ -1239,11 +2302,10 @@
           <a:bodyPr/>
           <a:lstStyle/>
           <a:p>
-            <a:fld id="{846CE7D5-CF57-46EF-B807-FDD0502418D4}" type="datetimeFigureOut">
-              <a:rPr lang="en-US" smtClean="0"/>
-              <a:t>9/13/2020</a:t>
-            </a:fld>
-            <a:endParaRPr lang="en-US"/>
+            <a:r>
+              <a:rPr lang="en-US"/>
+              <a:t>9/14/2020</a:t>
+            </a:r>
           </a:p>
         </p:txBody>
       </p:sp>
@@ -1485,11 +2547,10 @@
           <a:bodyPr/>
           <a:lstStyle/>
           <a:p>
-            <a:fld id="{846CE7D5-CF57-46EF-B807-FDD0502418D4}" type="datetimeFigureOut">
-              <a:rPr lang="en-US" smtClean="0"/>
-              <a:t>9/13/2020</a:t>
-            </a:fld>
-            <a:endParaRPr lang="en-US"/>
+            <a:r>
+              <a:rPr lang="en-US"/>
+              <a:t>9/14/2020</a:t>
+            </a:r>
           </a:p>
         </p:txBody>
       </p:sp>
@@ -1717,11 +2778,10 @@
           <a:bodyPr/>
           <a:lstStyle/>
           <a:p>
-            <a:fld id="{846CE7D5-CF57-46EF-B807-FDD0502418D4}" type="datetimeFigureOut">
-              <a:rPr lang="en-US" smtClean="0"/>
-              <a:t>9/13/2020</a:t>
-            </a:fld>
-            <a:endParaRPr lang="en-US"/>
+            <a:r>
+              <a:rPr lang="en-US"/>
+              <a:t>9/14/2020</a:t>
+            </a:r>
           </a:p>
         </p:txBody>
       </p:sp>
@@ -2084,11 +3144,10 @@
           <a:bodyPr/>
           <a:lstStyle/>
           <a:p>
-            <a:fld id="{846CE7D5-CF57-46EF-B807-FDD0502418D4}" type="datetimeFigureOut">
-              <a:rPr lang="en-US" smtClean="0"/>
-              <a:t>9/13/2020</a:t>
-            </a:fld>
-            <a:endParaRPr lang="en-US"/>
+            <a:r>
+              <a:rPr lang="en-US"/>
+              <a:t>9/14/2020</a:t>
+            </a:r>
           </a:p>
         </p:txBody>
       </p:sp>
@@ -2202,11 +3261,10 @@
           <a:bodyPr/>
           <a:lstStyle/>
           <a:p>
-            <a:fld id="{846CE7D5-CF57-46EF-B807-FDD0502418D4}" type="datetimeFigureOut">
-              <a:rPr lang="en-US" smtClean="0"/>
-              <a:t>9/13/2020</a:t>
-            </a:fld>
-            <a:endParaRPr lang="en-US"/>
+            <a:r>
+              <a:rPr lang="en-US"/>
+              <a:t>9/14/2020</a:t>
+            </a:r>
           </a:p>
         </p:txBody>
       </p:sp>
@@ -2297,11 +3355,10 @@
           <a:bodyPr/>
           <a:lstStyle/>
           <a:p>
-            <a:fld id="{846CE7D5-CF57-46EF-B807-FDD0502418D4}" type="datetimeFigureOut">
-              <a:rPr lang="en-US" smtClean="0"/>
-              <a:t>9/13/2020</a:t>
-            </a:fld>
-            <a:endParaRPr lang="en-US"/>
+            <a:r>
+              <a:rPr lang="en-US"/>
+              <a:t>9/14/2020</a:t>
+            </a:r>
           </a:p>
         </p:txBody>
       </p:sp>
@@ -2574,11 +3631,10 @@
           <a:bodyPr/>
           <a:lstStyle/>
           <a:p>
-            <a:fld id="{846CE7D5-CF57-46EF-B807-FDD0502418D4}" type="datetimeFigureOut">
-              <a:rPr lang="en-US" smtClean="0"/>
-              <a:t>9/13/2020</a:t>
-            </a:fld>
-            <a:endParaRPr lang="en-US"/>
+            <a:r>
+              <a:rPr lang="en-US"/>
+              <a:t>9/14/2020</a:t>
+            </a:r>
           </a:p>
         </p:txBody>
       </p:sp>
@@ -2831,11 +3887,10 @@
           <a:bodyPr/>
           <a:lstStyle/>
           <a:p>
-            <a:fld id="{846CE7D5-CF57-46EF-B807-FDD0502418D4}" type="datetimeFigureOut">
-              <a:rPr lang="en-US" smtClean="0"/>
-              <a:t>9/13/2020</a:t>
-            </a:fld>
-            <a:endParaRPr lang="en-US"/>
+            <a:r>
+              <a:rPr lang="en-US"/>
+              <a:t>9/14/2020</a:t>
+            </a:r>
           </a:p>
         </p:txBody>
       </p:sp>
@@ -3044,11 +4099,10 @@
             </a:lvl1pPr>
           </a:lstStyle>
           <a:p>
-            <a:fld id="{846CE7D5-CF57-46EF-B807-FDD0502418D4}" type="datetimeFigureOut">
-              <a:rPr lang="en-US" smtClean="0"/>
-              <a:t>9/13/2020</a:t>
-            </a:fld>
-            <a:endParaRPr lang="en-US"/>
+            <a:r>
+              <a:rPr lang="en-US"/>
+              <a:t>9/14/2020</a:t>
+            </a:r>
           </a:p>
         </p:txBody>
       </p:sp>
@@ -3151,6 +4205,7 @@
     <p:sldLayoutId id="2147483670" r:id="rId10"/>
     <p:sldLayoutId id="2147483671" r:id="rId11"/>
   </p:sldLayoutIdLst>
+  <p:hf hdr="0" ftr="0"/>
   <p:txStyles>
     <p:titleStyle>
       <a:lvl1pPr algn="l" defTabSz="914400" rtl="0" eaLnBrk="1" latinLnBrk="0" hangingPunct="1">
@@ -3461,30 +4516,30 @@
             <p:ph type="ctrTitle"/>
           </p:nvPr>
         </p:nvSpPr>
-        <p:spPr/>
+        <p:spPr>
+          <a:xfrm>
+            <a:off x="1524000" y="1284756"/>
+            <a:ext cx="9144000" cy="2387600"/>
+          </a:xfrm>
+        </p:spPr>
         <p:txBody>
           <a:bodyPr>
-            <a:normAutofit fontScale="90000"/>
+            <a:normAutofit/>
           </a:bodyPr>
           <a:lstStyle/>
           <a:p>
             <a:r>
-              <a:rPr lang="en-US" dirty="0"/>
+              <a:rPr lang="en-US" sz="4800" dirty="0"/>
               <a:t>Introduction To Writing Signal Processing Applications In Python Using </a:t>
             </a:r>
             <a:r>
-              <a:rPr lang="en-US" dirty="0" err="1"/>
+              <a:rPr lang="en-US" sz="4800" dirty="0" err="1"/>
               <a:t>GNURadio</a:t>
             </a:r>
-            <a:endParaRPr lang="en-US" dirty="0" err="1">
+            <a:endParaRPr lang="en-US" sz="4800" dirty="0" err="1">
               <a:cs typeface="Calibri Light"/>
             </a:endParaRPr>
           </a:p>
-          <a:p>
-            <a:endParaRPr lang="en-US" dirty="0">
-              <a:cs typeface="Calibri Light"/>
-            </a:endParaRPr>
-          </a:p>
         </p:txBody>
       </p:sp>
       <p:sp>
@@ -3497,7 +4552,12 @@
             <p:ph type="subTitle" idx="1"/>
           </p:nvPr>
         </p:nvSpPr>
-        <p:spPr/>
+        <p:spPr>
+          <a:xfrm>
+            <a:off x="1524000" y="4114202"/>
+            <a:ext cx="9144000" cy="1655762"/>
+          </a:xfrm>
+        </p:spPr>
         <p:txBody>
           <a:bodyPr vert="horz" lIns="91440" tIns="45720" rIns="91440" bIns="45720" rtlCol="0" anchor="t">
             <a:normAutofit/>
@@ -3541,6 +4601,191 @@
               </a:rPr>
               <a:t>How to build something with it!</a:t>
             </a:r>
+          </a:p>
+        </p:txBody>
+      </p:sp>
+      <p:sp>
+        <p:nvSpPr>
+          <p:cNvPr id="8" name="Rectangle 7">
+            <a:extLst>
+              <a:ext uri="{FF2B5EF4-FFF2-40B4-BE49-F238E27FC236}">
+                <a16:creationId xmlns:a16="http://schemas.microsoft.com/office/drawing/2014/main" id="{484AE915-A755-43F4-8882-D74B1B39A1E7}"/>
+              </a:ext>
+            </a:extLst>
+          </p:cNvPr>
+          <p:cNvSpPr/>
+          <p:nvPr/>
+        </p:nvSpPr>
+        <p:spPr>
+          <a:xfrm>
+            <a:off x="4996" y="-1250"/>
+            <a:ext cx="12191998" cy="1124260"/>
+          </a:xfrm>
+          <a:prstGeom prst="rect">
+            <a:avLst/>
+          </a:prstGeom>
+          <a:solidFill>
+            <a:schemeClr val="tx1">
+              <a:lumMod val="50000"/>
+              <a:lumOff val="50000"/>
+            </a:schemeClr>
+          </a:solidFill>
+          <a:ln>
+            <a:noFill/>
+          </a:ln>
+        </p:spPr>
+        <p:style>
+          <a:lnRef idx="2">
+            <a:schemeClr val="accent1">
+              <a:shade val="50000"/>
+            </a:schemeClr>
+          </a:lnRef>
+          <a:fillRef idx="1">
+            <a:schemeClr val="accent1"/>
+          </a:fillRef>
+          <a:effectRef idx="0">
+            <a:schemeClr val="accent1"/>
+          </a:effectRef>
+          <a:fontRef idx="minor">
+            <a:schemeClr val="lt1"/>
+          </a:fontRef>
+        </p:style>
+        <p:txBody>
+          <a:bodyPr rtlCol="0" anchor="ctr"/>
+          <a:lstStyle/>
+          <a:p>
+            <a:pPr algn="ctr"/>
+            <a:endParaRPr lang="en-US" dirty="0">
+              <a:cs typeface="Calibri"/>
+            </a:endParaRPr>
+          </a:p>
+        </p:txBody>
+      </p:sp>
+      <p:pic>
+        <p:nvPicPr>
+          <p:cNvPr id="9" name="Graphic 9">
+            <a:extLst>
+              <a:ext uri="{FF2B5EF4-FFF2-40B4-BE49-F238E27FC236}">
+                <a16:creationId xmlns:a16="http://schemas.microsoft.com/office/drawing/2014/main" id="{44F7D35D-40DE-437E-B7B0-BB3ECE696611}"/>
+              </a:ext>
+            </a:extLst>
+          </p:cNvPr>
+          <p:cNvPicPr>
+            <a:picLocks noChangeAspect="1"/>
+          </p:cNvPicPr>
+          <p:nvPr/>
+        </p:nvPicPr>
+        <p:blipFill>
+          <a:blip r:embed="rId2">
+            <a:extLst>
+              <a:ext uri="{96DAC541-7B7A-43D3-8B79-37D633B846F1}">
+                <asvg:svgBlip xmlns:asvg="http://schemas.microsoft.com/office/drawing/2016/SVG/main" r:embed="rId3"/>
+              </a:ext>
+            </a:extLst>
+          </a:blip>
+          <a:stretch>
+            <a:fillRect/>
+          </a:stretch>
+        </p:blipFill>
+        <p:spPr>
+          <a:xfrm>
+            <a:off x="2497" y="3859"/>
+            <a:ext cx="1881265" cy="1116543"/>
+          </a:xfrm>
+          <a:prstGeom prst="rect">
+            <a:avLst/>
+          </a:prstGeom>
+        </p:spPr>
+      </p:pic>
+      <p:pic>
+        <p:nvPicPr>
+          <p:cNvPr id="12" name="Picture 6" descr="A picture containing drawing&#10;&#10;Description automatically generated">
+            <a:extLst>
+              <a:ext uri="{FF2B5EF4-FFF2-40B4-BE49-F238E27FC236}">
+                <a16:creationId xmlns:a16="http://schemas.microsoft.com/office/drawing/2014/main" id="{E188F73E-9773-45ED-84D9-24B1B0A9C92A}"/>
+              </a:ext>
+            </a:extLst>
+          </p:cNvPr>
+          <p:cNvPicPr>
+            <a:picLocks noChangeAspect="1"/>
+          </p:cNvPicPr>
+          <p:nvPr/>
+        </p:nvPicPr>
+        <p:blipFill>
+          <a:blip r:embed="rId4"/>
+          <a:stretch>
+            <a:fillRect/>
+          </a:stretch>
+        </p:blipFill>
+        <p:spPr>
+          <a:xfrm>
+            <a:off x="9660478" y="6174241"/>
+            <a:ext cx="2424546" cy="582578"/>
+          </a:xfrm>
+          <a:prstGeom prst="rect">
+            <a:avLst/>
+          </a:prstGeom>
+        </p:spPr>
+      </p:pic>
+      <p:sp>
+        <p:nvSpPr>
+          <p:cNvPr id="5" name="Date Placeholder 4">
+            <a:extLst>
+              <a:ext uri="{FF2B5EF4-FFF2-40B4-BE49-F238E27FC236}">
+                <a16:creationId xmlns:a16="http://schemas.microsoft.com/office/drawing/2014/main" id="{76131353-B66C-4672-916B-92FDA27EFAC1}"/>
+              </a:ext>
+            </a:extLst>
+          </p:cNvPr>
+          <p:cNvSpPr>
+            <a:spLocks noGrp="1"/>
+          </p:cNvSpPr>
+          <p:nvPr>
+            <p:ph type="dt" sz="half" idx="10"/>
+          </p:nvPr>
+        </p:nvSpPr>
+        <p:spPr/>
+        <p:txBody>
+          <a:bodyPr/>
+          <a:lstStyle/>
+          <a:p>
+            <a:r>
+              <a:rPr lang="en-US"/>
+              <a:t>9/14/2020</a:t>
+            </a:r>
+          </a:p>
+        </p:txBody>
+      </p:sp>
+      <p:sp>
+        <p:nvSpPr>
+          <p:cNvPr id="6" name="Slide Number Placeholder 5">
+            <a:extLst>
+              <a:ext uri="{FF2B5EF4-FFF2-40B4-BE49-F238E27FC236}">
+                <a16:creationId xmlns:a16="http://schemas.microsoft.com/office/drawing/2014/main" id="{CE42353B-D88F-46E6-8955-4D0534D5579C}"/>
+              </a:ext>
+            </a:extLst>
+          </p:cNvPr>
+          <p:cNvSpPr>
+            <a:spLocks noGrp="1"/>
+          </p:cNvSpPr>
+          <p:nvPr>
+            <p:ph type="sldNum" sz="quarter" idx="12"/>
+          </p:nvPr>
+        </p:nvSpPr>
+        <p:spPr>
+          <a:xfrm>
+            <a:off x="4724400" y="6356349"/>
+            <a:ext cx="2743200" cy="365125"/>
+          </a:xfrm>
+        </p:spPr>
+        <p:txBody>
+          <a:bodyPr/>
+          <a:lstStyle/>
+          <a:p>
+            <a:fld id="{330EA680-D336-4FF7-8B7A-9848BB0A1C32}" type="slidenum">
+              <a:rPr lang="en-US" smtClean="0"/>
+              <a:t>1</a:t>
+            </a:fld>
+            <a:endParaRPr lang="en-US"/>
           </a:p>
         </p:txBody>
       </p:sp>
@@ -3576,6 +4821,60 @@
       </p:grpSpPr>
       <p:sp>
         <p:nvSpPr>
+          <p:cNvPr id="6" name="Rectangle 5">
+            <a:extLst>
+              <a:ext uri="{FF2B5EF4-FFF2-40B4-BE49-F238E27FC236}">
+                <a16:creationId xmlns:a16="http://schemas.microsoft.com/office/drawing/2014/main" id="{6894A553-7434-4FA4-AB86-4A56910BF646}"/>
+              </a:ext>
+            </a:extLst>
+          </p:cNvPr>
+          <p:cNvSpPr/>
+          <p:nvPr/>
+        </p:nvSpPr>
+        <p:spPr>
+          <a:xfrm>
+            <a:off x="4996" y="-1250"/>
+            <a:ext cx="12191998" cy="1124260"/>
+          </a:xfrm>
+          <a:prstGeom prst="rect">
+            <a:avLst/>
+          </a:prstGeom>
+          <a:solidFill>
+            <a:srgbClr val="ED7D31"/>
+          </a:solidFill>
+          <a:ln>
+            <a:noFill/>
+          </a:ln>
+        </p:spPr>
+        <p:style>
+          <a:lnRef idx="2">
+            <a:schemeClr val="accent1">
+              <a:shade val="50000"/>
+            </a:schemeClr>
+          </a:lnRef>
+          <a:fillRef idx="1">
+            <a:schemeClr val="accent1"/>
+          </a:fillRef>
+          <a:effectRef idx="0">
+            <a:schemeClr val="accent1"/>
+          </a:effectRef>
+          <a:fontRef idx="minor">
+            <a:schemeClr val="lt1"/>
+          </a:fontRef>
+        </p:style>
+        <p:txBody>
+          <a:bodyPr rtlCol="0" anchor="ctr"/>
+          <a:lstStyle/>
+          <a:p>
+            <a:pPr algn="ctr"/>
+            <a:endParaRPr lang="en-US" dirty="0">
+              <a:cs typeface="Calibri"/>
+            </a:endParaRPr>
+          </a:p>
+        </p:txBody>
+      </p:sp>
+      <p:sp>
+        <p:nvSpPr>
           <p:cNvPr id="2" name="Title 1">
             <a:extLst>
               <a:ext uri="{FF2B5EF4-FFF2-40B4-BE49-F238E27FC236}">
@@ -3590,7 +4889,12 @@
             <p:ph type="title"/>
           </p:nvPr>
         </p:nvSpPr>
-        <p:spPr/>
+        <p:spPr>
+          <a:xfrm>
+            <a:off x="263577" y="-97072"/>
+            <a:ext cx="10515600" cy="1325563"/>
+          </a:xfrm>
+        </p:spPr>
         <p:txBody>
           <a:bodyPr/>
           <a:lstStyle/>
@@ -3818,6 +5122,98 @@
               <a:t>Blocks in blocks</a:t>
             </a:r>
             <a:endParaRPr lang="en-US" dirty="0"/>
+          </a:p>
+        </p:txBody>
+      </p:sp>
+      <p:pic>
+        <p:nvPicPr>
+          <p:cNvPr id="8" name="Picture 6" descr="A picture containing drawing&#10;&#10;Description automatically generated">
+            <a:extLst>
+              <a:ext uri="{FF2B5EF4-FFF2-40B4-BE49-F238E27FC236}">
+                <a16:creationId xmlns:a16="http://schemas.microsoft.com/office/drawing/2014/main" id="{35E1E8B5-FD80-4311-9995-5D885D673E40}"/>
+              </a:ext>
+            </a:extLst>
+          </p:cNvPr>
+          <p:cNvPicPr>
+            <a:picLocks noChangeAspect="1"/>
+          </p:cNvPicPr>
+          <p:nvPr/>
+        </p:nvPicPr>
+        <p:blipFill>
+          <a:blip r:embed="rId2"/>
+          <a:stretch>
+            <a:fillRect/>
+          </a:stretch>
+        </p:blipFill>
+        <p:spPr>
+          <a:xfrm>
+            <a:off x="9660478" y="6174241"/>
+            <a:ext cx="2424546" cy="582578"/>
+          </a:xfrm>
+          <a:prstGeom prst="rect">
+            <a:avLst/>
+          </a:prstGeom>
+        </p:spPr>
+      </p:pic>
+      <p:sp>
+        <p:nvSpPr>
+          <p:cNvPr id="7" name="Date Placeholder 6">
+            <a:extLst>
+              <a:ext uri="{FF2B5EF4-FFF2-40B4-BE49-F238E27FC236}">
+                <a16:creationId xmlns:a16="http://schemas.microsoft.com/office/drawing/2014/main" id="{9613CC4D-A8DF-41D3-88C0-B9E5A95A661C}"/>
+              </a:ext>
+            </a:extLst>
+          </p:cNvPr>
+          <p:cNvSpPr>
+            <a:spLocks noGrp="1"/>
+          </p:cNvSpPr>
+          <p:nvPr>
+            <p:ph type="dt" sz="half" idx="10"/>
+          </p:nvPr>
+        </p:nvSpPr>
+        <p:spPr/>
+        <p:txBody>
+          <a:bodyPr/>
+          <a:lstStyle/>
+          <a:p>
+            <a:r>
+              <a:rPr lang="en-US"/>
+              <a:t>9/14/2020</a:t>
+            </a:r>
+          </a:p>
+        </p:txBody>
+      </p:sp>
+      <p:sp>
+        <p:nvSpPr>
+          <p:cNvPr id="9" name="Slide Number Placeholder 8">
+            <a:extLst>
+              <a:ext uri="{FF2B5EF4-FFF2-40B4-BE49-F238E27FC236}">
+                <a16:creationId xmlns:a16="http://schemas.microsoft.com/office/drawing/2014/main" id="{D7C1D19D-8C51-4518-B3CB-E731A40F2318}"/>
+              </a:ext>
+            </a:extLst>
+          </p:cNvPr>
+          <p:cNvSpPr>
+            <a:spLocks noGrp="1"/>
+          </p:cNvSpPr>
+          <p:nvPr>
+            <p:ph type="sldNum" sz="quarter" idx="12"/>
+          </p:nvPr>
+        </p:nvSpPr>
+        <p:spPr>
+          <a:xfrm>
+            <a:off x="4149777" y="6284328"/>
+            <a:ext cx="2743200" cy="365125"/>
+          </a:xfrm>
+        </p:spPr>
+        <p:txBody>
+          <a:bodyPr/>
+          <a:lstStyle/>
+          <a:p>
+            <a:fld id="{330EA680-D336-4FF7-8B7A-9848BB0A1C32}" type="slidenum">
+              <a:rPr lang="en-US" smtClean="0"/>
+              <a:t>10</a:t>
+            </a:fld>
+            <a:endParaRPr lang="en-US"/>
           </a:p>
         </p:txBody>
       </p:sp>
@@ -3853,6 +5249,60 @@
       </p:grpSpPr>
       <p:sp>
         <p:nvSpPr>
+          <p:cNvPr id="4" name="Rectangle 3">
+            <a:extLst>
+              <a:ext uri="{FF2B5EF4-FFF2-40B4-BE49-F238E27FC236}">
+                <a16:creationId xmlns:a16="http://schemas.microsoft.com/office/drawing/2014/main" id="{536F8E42-A852-47F0-B0AC-404EF78AD78A}"/>
+              </a:ext>
+            </a:extLst>
+          </p:cNvPr>
+          <p:cNvSpPr/>
+          <p:nvPr/>
+        </p:nvSpPr>
+        <p:spPr>
+          <a:xfrm>
+            <a:off x="4996" y="-1250"/>
+            <a:ext cx="12191998" cy="1124260"/>
+          </a:xfrm>
+          <a:prstGeom prst="rect">
+            <a:avLst/>
+          </a:prstGeom>
+          <a:solidFill>
+            <a:srgbClr val="ED7D31"/>
+          </a:solidFill>
+          <a:ln>
+            <a:noFill/>
+          </a:ln>
+        </p:spPr>
+        <p:style>
+          <a:lnRef idx="2">
+            <a:schemeClr val="accent1">
+              <a:shade val="50000"/>
+            </a:schemeClr>
+          </a:lnRef>
+          <a:fillRef idx="1">
+            <a:schemeClr val="accent1"/>
+          </a:fillRef>
+          <a:effectRef idx="0">
+            <a:schemeClr val="accent1"/>
+          </a:effectRef>
+          <a:fontRef idx="minor">
+            <a:schemeClr val="lt1"/>
+          </a:fontRef>
+        </p:style>
+        <p:txBody>
+          <a:bodyPr rtlCol="0" anchor="ctr"/>
+          <a:lstStyle/>
+          <a:p>
+            <a:pPr algn="ctr"/>
+            <a:endParaRPr lang="en-US" dirty="0">
+              <a:cs typeface="Calibri"/>
+            </a:endParaRPr>
+          </a:p>
+        </p:txBody>
+      </p:sp>
+      <p:sp>
+        <p:nvSpPr>
           <p:cNvPr id="2" name="Title 1">
             <a:extLst>
               <a:ext uri="{FF2B5EF4-FFF2-40B4-BE49-F238E27FC236}">
@@ -3867,7 +5317,12 @@
             <p:ph type="title"/>
           </p:nvPr>
         </p:nvSpPr>
-        <p:spPr/>
+        <p:spPr>
+          <a:xfrm>
+            <a:off x="201118" y="-97072"/>
+            <a:ext cx="10515600" cy="1325563"/>
+          </a:xfrm>
+        </p:spPr>
         <p:txBody>
           <a:bodyPr/>
           <a:lstStyle/>
@@ -3876,7 +5331,7 @@
               <a:rPr lang="en-US" dirty="0">
                 <a:cs typeface="Calibri Light"/>
               </a:rPr>
-              <a:t>What does a block ​need</a:t>
+              <a:t>What does a block ​need?</a:t>
             </a:r>
             <a:endParaRPr lang="en-US" dirty="0"/>
           </a:p>
@@ -4086,6 +5541,98 @@
           </a:prstGeom>
         </p:spPr>
       </p:pic>
+      <p:pic>
+        <p:nvPicPr>
+          <p:cNvPr id="8" name="Picture 6" descr="A picture containing drawing&#10;&#10;Description automatically generated">
+            <a:extLst>
+              <a:ext uri="{FF2B5EF4-FFF2-40B4-BE49-F238E27FC236}">
+                <a16:creationId xmlns:a16="http://schemas.microsoft.com/office/drawing/2014/main" id="{390E1EC2-7D07-4153-B8EC-AE4779D40FB9}"/>
+              </a:ext>
+            </a:extLst>
+          </p:cNvPr>
+          <p:cNvPicPr>
+            <a:picLocks noChangeAspect="1"/>
+          </p:cNvPicPr>
+          <p:nvPr/>
+        </p:nvPicPr>
+        <p:blipFill>
+          <a:blip r:embed="rId3"/>
+          <a:stretch>
+            <a:fillRect/>
+          </a:stretch>
+        </p:blipFill>
+        <p:spPr>
+          <a:xfrm>
+            <a:off x="9660478" y="6174241"/>
+            <a:ext cx="2424546" cy="582578"/>
+          </a:xfrm>
+          <a:prstGeom prst="rect">
+            <a:avLst/>
+          </a:prstGeom>
+        </p:spPr>
+      </p:pic>
+      <p:sp>
+        <p:nvSpPr>
+          <p:cNvPr id="7" name="Date Placeholder 6">
+            <a:extLst>
+              <a:ext uri="{FF2B5EF4-FFF2-40B4-BE49-F238E27FC236}">
+                <a16:creationId xmlns:a16="http://schemas.microsoft.com/office/drawing/2014/main" id="{5B7F6290-2558-4B56-8C75-30E3C60044EF}"/>
+              </a:ext>
+            </a:extLst>
+          </p:cNvPr>
+          <p:cNvSpPr>
+            <a:spLocks noGrp="1"/>
+          </p:cNvSpPr>
+          <p:nvPr>
+            <p:ph type="dt" sz="half" idx="10"/>
+          </p:nvPr>
+        </p:nvSpPr>
+        <p:spPr/>
+        <p:txBody>
+          <a:bodyPr/>
+          <a:lstStyle/>
+          <a:p>
+            <a:r>
+              <a:rPr lang="en-US"/>
+              <a:t>9/14/2020</a:t>
+            </a:r>
+          </a:p>
+        </p:txBody>
+      </p:sp>
+      <p:sp>
+        <p:nvSpPr>
+          <p:cNvPr id="9" name="Slide Number Placeholder 8">
+            <a:extLst>
+              <a:ext uri="{FF2B5EF4-FFF2-40B4-BE49-F238E27FC236}">
+                <a16:creationId xmlns:a16="http://schemas.microsoft.com/office/drawing/2014/main" id="{79978551-D17F-4968-8B3A-F9AE06BAD844}"/>
+              </a:ext>
+            </a:extLst>
+          </p:cNvPr>
+          <p:cNvSpPr>
+            <a:spLocks noGrp="1"/>
+          </p:cNvSpPr>
+          <p:nvPr>
+            <p:ph type="sldNum" sz="quarter" idx="12"/>
+          </p:nvPr>
+        </p:nvSpPr>
+        <p:spPr>
+          <a:xfrm>
+            <a:off x="4087318" y="6282967"/>
+            <a:ext cx="2743200" cy="365125"/>
+          </a:xfrm>
+        </p:spPr>
+        <p:txBody>
+          <a:bodyPr/>
+          <a:lstStyle/>
+          <a:p>
+            <a:fld id="{330EA680-D336-4FF7-8B7A-9848BB0A1C32}" type="slidenum">
+              <a:rPr lang="en-US" smtClean="0"/>
+              <a:t>11</a:t>
+            </a:fld>
+            <a:endParaRPr lang="en-US"/>
+          </a:p>
+        </p:txBody>
+      </p:sp>
     </p:spTree>
     <p:extLst>
       <p:ext uri="{BB962C8B-B14F-4D97-AF65-F5344CB8AC3E}">
@@ -4118,6 +5665,60 @@
       </p:grpSpPr>
       <p:sp>
         <p:nvSpPr>
+          <p:cNvPr id="6" name="Rectangle 5">
+            <a:extLst>
+              <a:ext uri="{FF2B5EF4-FFF2-40B4-BE49-F238E27FC236}">
+                <a16:creationId xmlns:a16="http://schemas.microsoft.com/office/drawing/2014/main" id="{B6EE98EA-9E11-4F30-A3F5-34A6D822DB6F}"/>
+              </a:ext>
+            </a:extLst>
+          </p:cNvPr>
+          <p:cNvSpPr/>
+          <p:nvPr/>
+        </p:nvSpPr>
+        <p:spPr>
+          <a:xfrm>
+            <a:off x="4996" y="-1250"/>
+            <a:ext cx="12191998" cy="1124260"/>
+          </a:xfrm>
+          <a:prstGeom prst="rect">
+            <a:avLst/>
+          </a:prstGeom>
+          <a:solidFill>
+            <a:srgbClr val="ED7D31"/>
+          </a:solidFill>
+          <a:ln>
+            <a:noFill/>
+          </a:ln>
+        </p:spPr>
+        <p:style>
+          <a:lnRef idx="2">
+            <a:schemeClr val="accent1">
+              <a:shade val="50000"/>
+            </a:schemeClr>
+          </a:lnRef>
+          <a:fillRef idx="1">
+            <a:schemeClr val="accent1"/>
+          </a:fillRef>
+          <a:effectRef idx="0">
+            <a:schemeClr val="accent1"/>
+          </a:effectRef>
+          <a:fontRef idx="minor">
+            <a:schemeClr val="lt1"/>
+          </a:fontRef>
+        </p:style>
+        <p:txBody>
+          <a:bodyPr rtlCol="0" anchor="ctr"/>
+          <a:lstStyle/>
+          <a:p>
+            <a:pPr algn="ctr"/>
+            <a:endParaRPr lang="en-US" dirty="0">
+              <a:cs typeface="Calibri"/>
+            </a:endParaRPr>
+          </a:p>
+        </p:txBody>
+      </p:sp>
+      <p:sp>
+        <p:nvSpPr>
           <p:cNvPr id="2" name="Title 1">
             <a:extLst>
               <a:ext uri="{FF2B5EF4-FFF2-40B4-BE49-F238E27FC236}">
@@ -4132,7 +5733,12 @@
             <p:ph type="title"/>
           </p:nvPr>
         </p:nvSpPr>
-        <p:spPr/>
+        <p:spPr>
+          <a:xfrm>
+            <a:off x="76200" y="-97072"/>
+            <a:ext cx="10515600" cy="1325563"/>
+          </a:xfrm>
+        </p:spPr>
         <p:txBody>
           <a:bodyPr/>
           <a:lstStyle/>
@@ -4499,37 +6105,95 @@
           </a:p>
         </p:txBody>
       </p:sp>
-      <p:sp>
-        <p:nvSpPr>
-          <p:cNvPr id="4" name="Content Placeholder 3">
-            <a:extLst>
-              <a:ext uri="{FF2B5EF4-FFF2-40B4-BE49-F238E27FC236}">
-                <a16:creationId xmlns:a16="http://schemas.microsoft.com/office/drawing/2014/main" id="{AADC3B0C-E3E5-4811-9F1A-8781B0C941AE}"/>
-              </a:ext>
-            </a:extLst>
-          </p:cNvPr>
-          <p:cNvSpPr>
-            <a:spLocks noGrp="1"/>
-          </p:cNvSpPr>
-          <p:nvPr>
-            <p:ph sz="half" idx="2"/>
-          </p:nvPr>
-        </p:nvSpPr>
+      <p:pic>
+        <p:nvPicPr>
+          <p:cNvPr id="8" name="Picture 6" descr="A picture containing drawing&#10;&#10;Description automatically generated">
+            <a:extLst>
+              <a:ext uri="{FF2B5EF4-FFF2-40B4-BE49-F238E27FC236}">
+                <a16:creationId xmlns:a16="http://schemas.microsoft.com/office/drawing/2014/main" id="{FAD6E613-5185-46CE-8422-493C49F16C28}"/>
+              </a:ext>
+            </a:extLst>
+          </p:cNvPr>
+          <p:cNvPicPr>
+            <a:picLocks noChangeAspect="1"/>
+          </p:cNvPicPr>
+          <p:nvPr/>
+        </p:nvPicPr>
+        <p:blipFill>
+          <a:blip r:embed="rId3"/>
+          <a:stretch>
+            <a:fillRect/>
+          </a:stretch>
+        </p:blipFill>
         <p:spPr>
           <a:xfrm>
-            <a:off x="7041873" y="1643408"/>
-            <a:ext cx="4469296" cy="4931119"/>
+            <a:off x="9660478" y="6174241"/>
+            <a:ext cx="2424546" cy="582578"/>
+          </a:xfrm>
+          <a:prstGeom prst="rect">
+            <a:avLst/>
+          </a:prstGeom>
+        </p:spPr>
+      </p:pic>
+      <p:sp>
+        <p:nvSpPr>
+          <p:cNvPr id="5" name="Date Placeholder 4">
+            <a:extLst>
+              <a:ext uri="{FF2B5EF4-FFF2-40B4-BE49-F238E27FC236}">
+                <a16:creationId xmlns:a16="http://schemas.microsoft.com/office/drawing/2014/main" id="{403E9887-6944-49AB-8D7B-5760C57143FE}"/>
+              </a:ext>
+            </a:extLst>
+          </p:cNvPr>
+          <p:cNvSpPr>
+            <a:spLocks noGrp="1"/>
+          </p:cNvSpPr>
+          <p:nvPr>
+            <p:ph type="dt" sz="half" idx="10"/>
+          </p:nvPr>
+        </p:nvSpPr>
+        <p:spPr/>
+        <p:txBody>
+          <a:bodyPr/>
+          <a:lstStyle/>
+          <a:p>
+            <a:r>
+              <a:rPr lang="en-US"/>
+              <a:t>9/14/2020</a:t>
+            </a:r>
+          </a:p>
+        </p:txBody>
+      </p:sp>
+      <p:sp>
+        <p:nvSpPr>
+          <p:cNvPr id="7" name="Slide Number Placeholder 6">
+            <a:extLst>
+              <a:ext uri="{FF2B5EF4-FFF2-40B4-BE49-F238E27FC236}">
+                <a16:creationId xmlns:a16="http://schemas.microsoft.com/office/drawing/2014/main" id="{A1EE0E35-7539-41B0-8636-5D4D86EE64D8}"/>
+              </a:ext>
+            </a:extLst>
+          </p:cNvPr>
+          <p:cNvSpPr>
+            <a:spLocks noGrp="1"/>
+          </p:cNvSpPr>
+          <p:nvPr>
+            <p:ph type="sldNum" sz="quarter" idx="12"/>
+          </p:nvPr>
+        </p:nvSpPr>
+        <p:spPr>
+          <a:xfrm>
+            <a:off x="4724400" y="6282876"/>
+            <a:ext cx="2743200" cy="365125"/>
           </a:xfrm>
         </p:spPr>
         <p:txBody>
-          <a:bodyPr vert="horz" lIns="91440" tIns="45720" rIns="91440" bIns="45720" rtlCol="0" anchor="t">
-            <a:normAutofit fontScale="70000" lnSpcReduction="20000"/>
-          </a:bodyPr>
-          <a:lstStyle/>
-          <a:p>
-            <a:endParaRPr lang="en-US" dirty="0">
-              <a:cs typeface="Calibri"/>
-            </a:endParaRPr>
+          <a:bodyPr/>
+          <a:lstStyle/>
+          <a:p>
+            <a:fld id="{330EA680-D336-4FF7-8B7A-9848BB0A1C32}" type="slidenum">
+              <a:rPr lang="en-US" smtClean="0"/>
+              <a:t>12</a:t>
+            </a:fld>
+            <a:endParaRPr lang="en-US"/>
           </a:p>
         </p:txBody>
       </p:sp>
@@ -4565,6 +6229,60 @@
       </p:grpSpPr>
       <p:sp>
         <p:nvSpPr>
+          <p:cNvPr id="6" name="Rectangle 5">
+            <a:extLst>
+              <a:ext uri="{FF2B5EF4-FFF2-40B4-BE49-F238E27FC236}">
+                <a16:creationId xmlns:a16="http://schemas.microsoft.com/office/drawing/2014/main" id="{CED7E444-ACB0-4A2C-A19E-CD58BCB7A141}"/>
+              </a:ext>
+            </a:extLst>
+          </p:cNvPr>
+          <p:cNvSpPr/>
+          <p:nvPr/>
+        </p:nvSpPr>
+        <p:spPr>
+          <a:xfrm>
+            <a:off x="4996" y="-1250"/>
+            <a:ext cx="12191998" cy="1124260"/>
+          </a:xfrm>
+          <a:prstGeom prst="rect">
+            <a:avLst/>
+          </a:prstGeom>
+          <a:solidFill>
+            <a:srgbClr val="ED7D31"/>
+          </a:solidFill>
+          <a:ln>
+            <a:noFill/>
+          </a:ln>
+        </p:spPr>
+        <p:style>
+          <a:lnRef idx="2">
+            <a:schemeClr val="accent1">
+              <a:shade val="50000"/>
+            </a:schemeClr>
+          </a:lnRef>
+          <a:fillRef idx="1">
+            <a:schemeClr val="accent1"/>
+          </a:fillRef>
+          <a:effectRef idx="0">
+            <a:schemeClr val="accent1"/>
+          </a:effectRef>
+          <a:fontRef idx="minor">
+            <a:schemeClr val="lt1"/>
+          </a:fontRef>
+        </p:style>
+        <p:txBody>
+          <a:bodyPr rtlCol="0" anchor="ctr"/>
+          <a:lstStyle/>
+          <a:p>
+            <a:pPr algn="ctr"/>
+            <a:endParaRPr lang="en-US" dirty="0">
+              <a:cs typeface="Calibri"/>
+            </a:endParaRPr>
+          </a:p>
+        </p:txBody>
+      </p:sp>
+      <p:sp>
+        <p:nvSpPr>
           <p:cNvPr id="2" name="Title 1">
             <a:extLst>
               <a:ext uri="{FF2B5EF4-FFF2-40B4-BE49-F238E27FC236}">
@@ -4579,7 +6297,12 @@
             <p:ph type="title"/>
           </p:nvPr>
         </p:nvSpPr>
-        <p:spPr/>
+        <p:spPr>
+          <a:xfrm>
+            <a:off x="88692" y="-97072"/>
+            <a:ext cx="10515600" cy="1325563"/>
+          </a:xfrm>
+        </p:spPr>
         <p:txBody>
           <a:bodyPr/>
           <a:lstStyle/>
@@ -4862,6 +6585,98 @@
             <a:endParaRPr lang="en-US" dirty="0">
               <a:cs typeface="Calibri"/>
             </a:endParaRPr>
+          </a:p>
+        </p:txBody>
+      </p:sp>
+      <p:pic>
+        <p:nvPicPr>
+          <p:cNvPr id="8" name="Picture 6" descr="A picture containing drawing&#10;&#10;Description automatically generated">
+            <a:extLst>
+              <a:ext uri="{FF2B5EF4-FFF2-40B4-BE49-F238E27FC236}">
+                <a16:creationId xmlns:a16="http://schemas.microsoft.com/office/drawing/2014/main" id="{09F4E40C-DD84-47B6-B4DD-CDF5A7880FDB}"/>
+              </a:ext>
+            </a:extLst>
+          </p:cNvPr>
+          <p:cNvPicPr>
+            <a:picLocks noChangeAspect="1"/>
+          </p:cNvPicPr>
+          <p:nvPr/>
+        </p:nvPicPr>
+        <p:blipFill>
+          <a:blip r:embed="rId2"/>
+          <a:stretch>
+            <a:fillRect/>
+          </a:stretch>
+        </p:blipFill>
+        <p:spPr>
+          <a:xfrm>
+            <a:off x="9660478" y="6174241"/>
+            <a:ext cx="2424546" cy="582578"/>
+          </a:xfrm>
+          <a:prstGeom prst="rect">
+            <a:avLst/>
+          </a:prstGeom>
+        </p:spPr>
+      </p:pic>
+      <p:sp>
+        <p:nvSpPr>
+          <p:cNvPr id="7" name="Date Placeholder 6">
+            <a:extLst>
+              <a:ext uri="{FF2B5EF4-FFF2-40B4-BE49-F238E27FC236}">
+                <a16:creationId xmlns:a16="http://schemas.microsoft.com/office/drawing/2014/main" id="{8A7695B3-97E6-4A43-8DA7-565085F055BD}"/>
+              </a:ext>
+            </a:extLst>
+          </p:cNvPr>
+          <p:cNvSpPr>
+            <a:spLocks noGrp="1"/>
+          </p:cNvSpPr>
+          <p:nvPr>
+            <p:ph type="dt" sz="half" idx="10"/>
+          </p:nvPr>
+        </p:nvSpPr>
+        <p:spPr/>
+        <p:txBody>
+          <a:bodyPr/>
+          <a:lstStyle/>
+          <a:p>
+            <a:r>
+              <a:rPr lang="en-US"/>
+              <a:t>9/14/2020</a:t>
+            </a:r>
+          </a:p>
+        </p:txBody>
+      </p:sp>
+      <p:sp>
+        <p:nvSpPr>
+          <p:cNvPr id="9" name="Slide Number Placeholder 8">
+            <a:extLst>
+              <a:ext uri="{FF2B5EF4-FFF2-40B4-BE49-F238E27FC236}">
+                <a16:creationId xmlns:a16="http://schemas.microsoft.com/office/drawing/2014/main" id="{7746849A-5CC1-4F27-A3F1-93BE1142A7BD}"/>
+              </a:ext>
+            </a:extLst>
+          </p:cNvPr>
+          <p:cNvSpPr>
+            <a:spLocks noGrp="1"/>
+          </p:cNvSpPr>
+          <p:nvPr>
+            <p:ph type="sldNum" sz="quarter" idx="12"/>
+          </p:nvPr>
+        </p:nvSpPr>
+        <p:spPr>
+          <a:xfrm>
+            <a:off x="4648200" y="6282967"/>
+            <a:ext cx="2743200" cy="365125"/>
+          </a:xfrm>
+        </p:spPr>
+        <p:txBody>
+          <a:bodyPr/>
+          <a:lstStyle/>
+          <a:p>
+            <a:fld id="{330EA680-D336-4FF7-8B7A-9848BB0A1C32}" type="slidenum">
+              <a:rPr lang="en-US" smtClean="0"/>
+              <a:t>13</a:t>
+            </a:fld>
+            <a:endParaRPr lang="en-US"/>
           </a:p>
         </p:txBody>
       </p:sp>
@@ -4897,6 +6712,60 @@
       </p:grpSpPr>
       <p:sp>
         <p:nvSpPr>
+          <p:cNvPr id="6" name="Rectangle 5">
+            <a:extLst>
+              <a:ext uri="{FF2B5EF4-FFF2-40B4-BE49-F238E27FC236}">
+                <a16:creationId xmlns:a16="http://schemas.microsoft.com/office/drawing/2014/main" id="{45296B44-5D2B-4DDE-88DC-2279F48742C7}"/>
+              </a:ext>
+            </a:extLst>
+          </p:cNvPr>
+          <p:cNvSpPr/>
+          <p:nvPr/>
+        </p:nvSpPr>
+        <p:spPr>
+          <a:xfrm>
+            <a:off x="4996" y="-1250"/>
+            <a:ext cx="12191998" cy="1124260"/>
+          </a:xfrm>
+          <a:prstGeom prst="rect">
+            <a:avLst/>
+          </a:prstGeom>
+          <a:solidFill>
+            <a:srgbClr val="ED7D31"/>
+          </a:solidFill>
+          <a:ln>
+            <a:noFill/>
+          </a:ln>
+        </p:spPr>
+        <p:style>
+          <a:lnRef idx="2">
+            <a:schemeClr val="accent1">
+              <a:shade val="50000"/>
+            </a:schemeClr>
+          </a:lnRef>
+          <a:fillRef idx="1">
+            <a:schemeClr val="accent1"/>
+          </a:fillRef>
+          <a:effectRef idx="0">
+            <a:schemeClr val="accent1"/>
+          </a:effectRef>
+          <a:fontRef idx="minor">
+            <a:schemeClr val="lt1"/>
+          </a:fontRef>
+        </p:style>
+        <p:txBody>
+          <a:bodyPr rtlCol="0" anchor="ctr"/>
+          <a:lstStyle/>
+          <a:p>
+            <a:pPr algn="ctr"/>
+            <a:endParaRPr lang="en-US" dirty="0">
+              <a:cs typeface="Calibri"/>
+            </a:endParaRPr>
+          </a:p>
+        </p:txBody>
+      </p:sp>
+      <p:sp>
+        <p:nvSpPr>
           <p:cNvPr id="2" name="Title 1">
             <a:extLst>
               <a:ext uri="{FF2B5EF4-FFF2-40B4-BE49-F238E27FC236}">
@@ -4911,7 +6780,12 @@
             <p:ph type="title"/>
           </p:nvPr>
         </p:nvSpPr>
-        <p:spPr/>
+        <p:spPr>
+          <a:xfrm>
+            <a:off x="213610" y="-97072"/>
+            <a:ext cx="10515600" cy="1325563"/>
+          </a:xfrm>
+        </p:spPr>
         <p:txBody>
           <a:bodyPr/>
           <a:lstStyle/>
@@ -5244,6 +7118,98 @@
             <a:endParaRPr lang="en-US" sz="2000" dirty="0">
               <a:cs typeface="Calibri" panose="020F0502020204030204"/>
             </a:endParaRPr>
+          </a:p>
+        </p:txBody>
+      </p:sp>
+      <p:pic>
+        <p:nvPicPr>
+          <p:cNvPr id="8" name="Picture 6" descr="A picture containing drawing&#10;&#10;Description automatically generated">
+            <a:extLst>
+              <a:ext uri="{FF2B5EF4-FFF2-40B4-BE49-F238E27FC236}">
+                <a16:creationId xmlns:a16="http://schemas.microsoft.com/office/drawing/2014/main" id="{F05494F3-1855-413D-80CF-1FDE630B9547}"/>
+              </a:ext>
+            </a:extLst>
+          </p:cNvPr>
+          <p:cNvPicPr>
+            <a:picLocks noChangeAspect="1"/>
+          </p:cNvPicPr>
+          <p:nvPr/>
+        </p:nvPicPr>
+        <p:blipFill>
+          <a:blip r:embed="rId2"/>
+          <a:stretch>
+            <a:fillRect/>
+          </a:stretch>
+        </p:blipFill>
+        <p:spPr>
+          <a:xfrm>
+            <a:off x="9660478" y="6174241"/>
+            <a:ext cx="2424546" cy="582578"/>
+          </a:xfrm>
+          <a:prstGeom prst="rect">
+            <a:avLst/>
+          </a:prstGeom>
+        </p:spPr>
+      </p:pic>
+      <p:sp>
+        <p:nvSpPr>
+          <p:cNvPr id="7" name="Date Placeholder 6">
+            <a:extLst>
+              <a:ext uri="{FF2B5EF4-FFF2-40B4-BE49-F238E27FC236}">
+                <a16:creationId xmlns:a16="http://schemas.microsoft.com/office/drawing/2014/main" id="{A9173437-22FB-4ED4-93B8-D745D391FD2D}"/>
+              </a:ext>
+            </a:extLst>
+          </p:cNvPr>
+          <p:cNvSpPr>
+            <a:spLocks noGrp="1"/>
+          </p:cNvSpPr>
+          <p:nvPr>
+            <p:ph type="dt" sz="half" idx="10"/>
+          </p:nvPr>
+        </p:nvSpPr>
+        <p:spPr/>
+        <p:txBody>
+          <a:bodyPr/>
+          <a:lstStyle/>
+          <a:p>
+            <a:r>
+              <a:rPr lang="en-US"/>
+              <a:t>9/14/2020</a:t>
+            </a:r>
+          </a:p>
+        </p:txBody>
+      </p:sp>
+      <p:sp>
+        <p:nvSpPr>
+          <p:cNvPr id="9" name="Slide Number Placeholder 8">
+            <a:extLst>
+              <a:ext uri="{FF2B5EF4-FFF2-40B4-BE49-F238E27FC236}">
+                <a16:creationId xmlns:a16="http://schemas.microsoft.com/office/drawing/2014/main" id="{3F96331A-5B27-488B-B320-3A67584DC459}"/>
+              </a:ext>
+            </a:extLst>
+          </p:cNvPr>
+          <p:cNvSpPr>
+            <a:spLocks noGrp="1"/>
+          </p:cNvSpPr>
+          <p:nvPr>
+            <p:ph type="sldNum" sz="quarter" idx="12"/>
+          </p:nvPr>
+        </p:nvSpPr>
+        <p:spPr>
+          <a:xfrm>
+            <a:off x="4648200" y="6282967"/>
+            <a:ext cx="2743200" cy="365125"/>
+          </a:xfrm>
+        </p:spPr>
+        <p:txBody>
+          <a:bodyPr/>
+          <a:lstStyle/>
+          <a:p>
+            <a:fld id="{330EA680-D336-4FF7-8B7A-9848BB0A1C32}" type="slidenum">
+              <a:rPr lang="en-US" smtClean="0"/>
+              <a:t>14</a:t>
+            </a:fld>
+            <a:endParaRPr lang="en-US"/>
           </a:p>
         </p:txBody>
       </p:sp>
@@ -5338,6 +7304,191 @@
           </a:p>
         </p:txBody>
       </p:sp>
+      <p:sp>
+        <p:nvSpPr>
+          <p:cNvPr id="8" name="Rectangle 7">
+            <a:extLst>
+              <a:ext uri="{FF2B5EF4-FFF2-40B4-BE49-F238E27FC236}">
+                <a16:creationId xmlns:a16="http://schemas.microsoft.com/office/drawing/2014/main" id="{A9E4D3B7-CE26-4527-983B-AB155EA1D3F5}"/>
+              </a:ext>
+            </a:extLst>
+          </p:cNvPr>
+          <p:cNvSpPr/>
+          <p:nvPr/>
+        </p:nvSpPr>
+        <p:spPr>
+          <a:xfrm>
+            <a:off x="4996" y="-1250"/>
+            <a:ext cx="12191998" cy="1124260"/>
+          </a:xfrm>
+          <a:prstGeom prst="rect">
+            <a:avLst/>
+          </a:prstGeom>
+          <a:solidFill>
+            <a:schemeClr val="tx1">
+              <a:lumMod val="50000"/>
+              <a:lumOff val="50000"/>
+            </a:schemeClr>
+          </a:solidFill>
+          <a:ln>
+            <a:noFill/>
+          </a:ln>
+        </p:spPr>
+        <p:style>
+          <a:lnRef idx="2">
+            <a:schemeClr val="accent1">
+              <a:shade val="50000"/>
+            </a:schemeClr>
+          </a:lnRef>
+          <a:fillRef idx="1">
+            <a:schemeClr val="accent1"/>
+          </a:fillRef>
+          <a:effectRef idx="0">
+            <a:schemeClr val="accent1"/>
+          </a:effectRef>
+          <a:fontRef idx="minor">
+            <a:schemeClr val="lt1"/>
+          </a:fontRef>
+        </p:style>
+        <p:txBody>
+          <a:bodyPr rtlCol="0" anchor="ctr"/>
+          <a:lstStyle/>
+          <a:p>
+            <a:pPr algn="ctr"/>
+            <a:endParaRPr lang="en-US" dirty="0">
+              <a:cs typeface="Calibri"/>
+            </a:endParaRPr>
+          </a:p>
+        </p:txBody>
+      </p:sp>
+      <p:pic>
+        <p:nvPicPr>
+          <p:cNvPr id="10" name="Graphic 9">
+            <a:extLst>
+              <a:ext uri="{FF2B5EF4-FFF2-40B4-BE49-F238E27FC236}">
+                <a16:creationId xmlns:a16="http://schemas.microsoft.com/office/drawing/2014/main" id="{54E88CF0-DB7D-409F-9225-2119D3CBEF7C}"/>
+              </a:ext>
+            </a:extLst>
+          </p:cNvPr>
+          <p:cNvPicPr>
+            <a:picLocks noChangeAspect="1"/>
+          </p:cNvPicPr>
+          <p:nvPr/>
+        </p:nvPicPr>
+        <p:blipFill>
+          <a:blip r:embed="rId2">
+            <a:extLst>
+              <a:ext uri="{96DAC541-7B7A-43D3-8B79-37D633B846F1}">
+                <asvg:svgBlip xmlns:asvg="http://schemas.microsoft.com/office/drawing/2016/SVG/main" r:embed="rId3"/>
+              </a:ext>
+            </a:extLst>
+          </a:blip>
+          <a:stretch>
+            <a:fillRect/>
+          </a:stretch>
+        </p:blipFill>
+        <p:spPr>
+          <a:xfrm>
+            <a:off x="2497" y="3859"/>
+            <a:ext cx="1881265" cy="1116543"/>
+          </a:xfrm>
+          <a:prstGeom prst="rect">
+            <a:avLst/>
+          </a:prstGeom>
+        </p:spPr>
+      </p:pic>
+      <p:pic>
+        <p:nvPicPr>
+          <p:cNvPr id="12" name="Picture 6" descr="A picture containing drawing&#10;&#10;Description automatically generated">
+            <a:extLst>
+              <a:ext uri="{FF2B5EF4-FFF2-40B4-BE49-F238E27FC236}">
+                <a16:creationId xmlns:a16="http://schemas.microsoft.com/office/drawing/2014/main" id="{C0F20DD0-157E-4571-8A8F-AF58B013B9AF}"/>
+              </a:ext>
+            </a:extLst>
+          </p:cNvPr>
+          <p:cNvPicPr>
+            <a:picLocks noChangeAspect="1"/>
+          </p:cNvPicPr>
+          <p:nvPr/>
+        </p:nvPicPr>
+        <p:blipFill>
+          <a:blip r:embed="rId4"/>
+          <a:stretch>
+            <a:fillRect/>
+          </a:stretch>
+        </p:blipFill>
+        <p:spPr>
+          <a:xfrm>
+            <a:off x="9660478" y="6174241"/>
+            <a:ext cx="2424546" cy="582578"/>
+          </a:xfrm>
+          <a:prstGeom prst="rect">
+            <a:avLst/>
+          </a:prstGeom>
+        </p:spPr>
+      </p:pic>
+      <p:sp>
+        <p:nvSpPr>
+          <p:cNvPr id="5" name="Date Placeholder 4">
+            <a:extLst>
+              <a:ext uri="{FF2B5EF4-FFF2-40B4-BE49-F238E27FC236}">
+                <a16:creationId xmlns:a16="http://schemas.microsoft.com/office/drawing/2014/main" id="{94E7A7FC-A9BB-46EE-BA37-CDD274F23D16}"/>
+              </a:ext>
+            </a:extLst>
+          </p:cNvPr>
+          <p:cNvSpPr>
+            <a:spLocks noGrp="1"/>
+          </p:cNvSpPr>
+          <p:nvPr>
+            <p:ph type="dt" sz="half" idx="10"/>
+          </p:nvPr>
+        </p:nvSpPr>
+        <p:spPr/>
+        <p:txBody>
+          <a:bodyPr/>
+          <a:lstStyle/>
+          <a:p>
+            <a:r>
+              <a:rPr lang="en-US"/>
+              <a:t>9/14/2020</a:t>
+            </a:r>
+          </a:p>
+        </p:txBody>
+      </p:sp>
+      <p:sp>
+        <p:nvSpPr>
+          <p:cNvPr id="6" name="Slide Number Placeholder 5">
+            <a:extLst>
+              <a:ext uri="{FF2B5EF4-FFF2-40B4-BE49-F238E27FC236}">
+                <a16:creationId xmlns:a16="http://schemas.microsoft.com/office/drawing/2014/main" id="{4902D464-0A57-46F9-98CF-806C1975B5F2}"/>
+              </a:ext>
+            </a:extLst>
+          </p:cNvPr>
+          <p:cNvSpPr>
+            <a:spLocks noGrp="1"/>
+          </p:cNvSpPr>
+          <p:nvPr>
+            <p:ph type="sldNum" sz="quarter" idx="12"/>
+          </p:nvPr>
+        </p:nvSpPr>
+        <p:spPr>
+          <a:xfrm>
+            <a:off x="4724400" y="6282967"/>
+            <a:ext cx="2743200" cy="365125"/>
+          </a:xfrm>
+        </p:spPr>
+        <p:txBody>
+          <a:bodyPr/>
+          <a:lstStyle/>
+          <a:p>
+            <a:fld id="{330EA680-D336-4FF7-8B7A-9848BB0A1C32}" type="slidenum">
+              <a:rPr lang="en-US" smtClean="0"/>
+              <a:t>15</a:t>
+            </a:fld>
+            <a:endParaRPr lang="en-US" dirty="0"/>
+          </a:p>
+        </p:txBody>
+      </p:sp>
     </p:spTree>
     <p:extLst>
       <p:ext uri="{BB962C8B-B14F-4D97-AF65-F5344CB8AC3E}">
@@ -5370,6 +7521,60 @@
       </p:grpSpPr>
       <p:sp>
         <p:nvSpPr>
+          <p:cNvPr id="6" name="Rectangle 5">
+            <a:extLst>
+              <a:ext uri="{FF2B5EF4-FFF2-40B4-BE49-F238E27FC236}">
+                <a16:creationId xmlns:a16="http://schemas.microsoft.com/office/drawing/2014/main" id="{E607C3E1-50E3-4699-9E38-C89B2F8CA878}"/>
+              </a:ext>
+            </a:extLst>
+          </p:cNvPr>
+          <p:cNvSpPr/>
+          <p:nvPr/>
+        </p:nvSpPr>
+        <p:spPr>
+          <a:xfrm>
+            <a:off x="4996" y="-1250"/>
+            <a:ext cx="12191998" cy="1124260"/>
+          </a:xfrm>
+          <a:prstGeom prst="rect">
+            <a:avLst/>
+          </a:prstGeom>
+          <a:solidFill>
+            <a:srgbClr val="ED7D31"/>
+          </a:solidFill>
+          <a:ln>
+            <a:noFill/>
+          </a:ln>
+        </p:spPr>
+        <p:style>
+          <a:lnRef idx="2">
+            <a:schemeClr val="accent1">
+              <a:shade val="50000"/>
+            </a:schemeClr>
+          </a:lnRef>
+          <a:fillRef idx="1">
+            <a:schemeClr val="accent1"/>
+          </a:fillRef>
+          <a:effectRef idx="0">
+            <a:schemeClr val="accent1"/>
+          </a:effectRef>
+          <a:fontRef idx="minor">
+            <a:schemeClr val="lt1"/>
+          </a:fontRef>
+        </p:style>
+        <p:txBody>
+          <a:bodyPr rtlCol="0" anchor="ctr"/>
+          <a:lstStyle/>
+          <a:p>
+            <a:pPr algn="ctr"/>
+            <a:endParaRPr lang="en-US" dirty="0">
+              <a:cs typeface="Calibri"/>
+            </a:endParaRPr>
+          </a:p>
+        </p:txBody>
+      </p:sp>
+      <p:sp>
+        <p:nvSpPr>
           <p:cNvPr id="2" name="Title 1">
             <a:extLst>
               <a:ext uri="{FF2B5EF4-FFF2-40B4-BE49-F238E27FC236}">
@@ -5384,7 +7589,12 @@
             <p:ph type="title"/>
           </p:nvPr>
         </p:nvSpPr>
-        <p:spPr/>
+        <p:spPr>
+          <a:xfrm>
+            <a:off x="188626" y="-97072"/>
+            <a:ext cx="10515600" cy="1325563"/>
+          </a:xfrm>
+        </p:spPr>
         <p:txBody>
           <a:bodyPr/>
           <a:lstStyle/>
@@ -5524,7 +7734,7 @@
             <a:endParaRPr lang="en-US" dirty="0"/>
           </a:p>
           <a:p>
-            <a:endParaRPr lang="en-US"/>
+            <a:endParaRPr lang="en-US" dirty="0"/>
           </a:p>
           <a:p>
             <a:r>
@@ -5640,6 +7850,98 @@
             <a:endParaRPr lang="en-US" dirty="0">
               <a:cs typeface="Calibri"/>
             </a:endParaRPr>
+          </a:p>
+        </p:txBody>
+      </p:sp>
+      <p:pic>
+        <p:nvPicPr>
+          <p:cNvPr id="8" name="Picture 6" descr="A picture containing drawing&#10;&#10;Description automatically generated">
+            <a:extLst>
+              <a:ext uri="{FF2B5EF4-FFF2-40B4-BE49-F238E27FC236}">
+                <a16:creationId xmlns:a16="http://schemas.microsoft.com/office/drawing/2014/main" id="{20B8D9B8-E466-403B-8BC0-0DD4DF1687B2}"/>
+              </a:ext>
+            </a:extLst>
+          </p:cNvPr>
+          <p:cNvPicPr>
+            <a:picLocks noChangeAspect="1"/>
+          </p:cNvPicPr>
+          <p:nvPr/>
+        </p:nvPicPr>
+        <p:blipFill>
+          <a:blip r:embed="rId2"/>
+          <a:stretch>
+            <a:fillRect/>
+          </a:stretch>
+        </p:blipFill>
+        <p:spPr>
+          <a:xfrm>
+            <a:off x="9660478" y="6174241"/>
+            <a:ext cx="2424546" cy="582578"/>
+          </a:xfrm>
+          <a:prstGeom prst="rect">
+            <a:avLst/>
+          </a:prstGeom>
+        </p:spPr>
+      </p:pic>
+      <p:sp>
+        <p:nvSpPr>
+          <p:cNvPr id="7" name="Date Placeholder 6">
+            <a:extLst>
+              <a:ext uri="{FF2B5EF4-FFF2-40B4-BE49-F238E27FC236}">
+                <a16:creationId xmlns:a16="http://schemas.microsoft.com/office/drawing/2014/main" id="{71D7CE6D-569E-4C9C-B32E-2612CDFAE857}"/>
+              </a:ext>
+            </a:extLst>
+          </p:cNvPr>
+          <p:cNvSpPr>
+            <a:spLocks noGrp="1"/>
+          </p:cNvSpPr>
+          <p:nvPr>
+            <p:ph type="dt" sz="half" idx="10"/>
+          </p:nvPr>
+        </p:nvSpPr>
+        <p:spPr/>
+        <p:txBody>
+          <a:bodyPr/>
+          <a:lstStyle/>
+          <a:p>
+            <a:r>
+              <a:rPr lang="en-US"/>
+              <a:t>9/14/2020</a:t>
+            </a:r>
+          </a:p>
+        </p:txBody>
+      </p:sp>
+      <p:sp>
+        <p:nvSpPr>
+          <p:cNvPr id="9" name="Slide Number Placeholder 8">
+            <a:extLst>
+              <a:ext uri="{FF2B5EF4-FFF2-40B4-BE49-F238E27FC236}">
+                <a16:creationId xmlns:a16="http://schemas.microsoft.com/office/drawing/2014/main" id="{C19D6474-4DCF-49EC-B0FB-83DC1371BFC1}"/>
+              </a:ext>
+            </a:extLst>
+          </p:cNvPr>
+          <p:cNvSpPr>
+            <a:spLocks noGrp="1"/>
+          </p:cNvSpPr>
+          <p:nvPr>
+            <p:ph type="sldNum" sz="quarter" idx="12"/>
+          </p:nvPr>
+        </p:nvSpPr>
+        <p:spPr>
+          <a:xfrm>
+            <a:off x="4724400" y="6282967"/>
+            <a:ext cx="2743200" cy="365125"/>
+          </a:xfrm>
+        </p:spPr>
+        <p:txBody>
+          <a:bodyPr/>
+          <a:lstStyle/>
+          <a:p>
+            <a:fld id="{330EA680-D336-4FF7-8B7A-9848BB0A1C32}" type="slidenum">
+              <a:rPr lang="en-US" smtClean="0"/>
+              <a:t>16</a:t>
+            </a:fld>
+            <a:endParaRPr lang="en-US" dirty="0"/>
           </a:p>
         </p:txBody>
       </p:sp>
@@ -5675,6 +7977,60 @@
       </p:grpSpPr>
       <p:sp>
         <p:nvSpPr>
+          <p:cNvPr id="5" name="Rectangle 4">
+            <a:extLst>
+              <a:ext uri="{FF2B5EF4-FFF2-40B4-BE49-F238E27FC236}">
+                <a16:creationId xmlns:a16="http://schemas.microsoft.com/office/drawing/2014/main" id="{441EBF88-1F41-4F76-BE48-89394F2EDB58}"/>
+              </a:ext>
+            </a:extLst>
+          </p:cNvPr>
+          <p:cNvSpPr/>
+          <p:nvPr/>
+        </p:nvSpPr>
+        <p:spPr>
+          <a:xfrm>
+            <a:off x="4996" y="-1250"/>
+            <a:ext cx="12191998" cy="1124260"/>
+          </a:xfrm>
+          <a:prstGeom prst="rect">
+            <a:avLst/>
+          </a:prstGeom>
+          <a:solidFill>
+            <a:srgbClr val="ED7D31"/>
+          </a:solidFill>
+          <a:ln>
+            <a:noFill/>
+          </a:ln>
+        </p:spPr>
+        <p:style>
+          <a:lnRef idx="2">
+            <a:schemeClr val="accent1">
+              <a:shade val="50000"/>
+            </a:schemeClr>
+          </a:lnRef>
+          <a:fillRef idx="1">
+            <a:schemeClr val="accent1"/>
+          </a:fillRef>
+          <a:effectRef idx="0">
+            <a:schemeClr val="accent1"/>
+          </a:effectRef>
+          <a:fontRef idx="minor">
+            <a:schemeClr val="lt1"/>
+          </a:fontRef>
+        </p:style>
+        <p:txBody>
+          <a:bodyPr rtlCol="0" anchor="ctr"/>
+          <a:lstStyle/>
+          <a:p>
+            <a:pPr algn="ctr"/>
+            <a:endParaRPr lang="en-US" dirty="0">
+              <a:cs typeface="Calibri"/>
+            </a:endParaRPr>
+          </a:p>
+        </p:txBody>
+      </p:sp>
+      <p:sp>
+        <p:nvSpPr>
           <p:cNvPr id="2" name="Title 1">
             <a:extLst>
               <a:ext uri="{FF2B5EF4-FFF2-40B4-BE49-F238E27FC236}">
@@ -5689,7 +8045,12 @@
             <p:ph type="title"/>
           </p:nvPr>
         </p:nvSpPr>
-        <p:spPr/>
+        <p:spPr>
+          <a:xfrm>
+            <a:off x="113675" y="-97072"/>
+            <a:ext cx="10515600" cy="1325563"/>
+          </a:xfrm>
+        </p:spPr>
         <p:txBody>
           <a:bodyPr/>
           <a:lstStyle/>
@@ -5848,6 +8209,98 @@
               <a:rPr lang="en-US" dirty="0"/>
               <a:t>      # Connect takes 2 tuples of the block instance and the number</a:t>
             </a:r>
+          </a:p>
+        </p:txBody>
+      </p:sp>
+      <p:pic>
+        <p:nvPicPr>
+          <p:cNvPr id="7" name="Picture 6" descr="A picture containing drawing&#10;&#10;Description automatically generated">
+            <a:extLst>
+              <a:ext uri="{FF2B5EF4-FFF2-40B4-BE49-F238E27FC236}">
+                <a16:creationId xmlns:a16="http://schemas.microsoft.com/office/drawing/2014/main" id="{9ED18C7C-5704-4F68-9FA9-4C73548574DA}"/>
+              </a:ext>
+            </a:extLst>
+          </p:cNvPr>
+          <p:cNvPicPr>
+            <a:picLocks noChangeAspect="1"/>
+          </p:cNvPicPr>
+          <p:nvPr/>
+        </p:nvPicPr>
+        <p:blipFill>
+          <a:blip r:embed="rId2"/>
+          <a:stretch>
+            <a:fillRect/>
+          </a:stretch>
+        </p:blipFill>
+        <p:spPr>
+          <a:xfrm>
+            <a:off x="9660478" y="6174241"/>
+            <a:ext cx="2424546" cy="582578"/>
+          </a:xfrm>
+          <a:prstGeom prst="rect">
+            <a:avLst/>
+          </a:prstGeom>
+        </p:spPr>
+      </p:pic>
+      <p:sp>
+        <p:nvSpPr>
+          <p:cNvPr id="6" name="Date Placeholder 5">
+            <a:extLst>
+              <a:ext uri="{FF2B5EF4-FFF2-40B4-BE49-F238E27FC236}">
+                <a16:creationId xmlns:a16="http://schemas.microsoft.com/office/drawing/2014/main" id="{A18A7428-3142-48BF-A2F9-D44424BEF632}"/>
+              </a:ext>
+            </a:extLst>
+          </p:cNvPr>
+          <p:cNvSpPr>
+            <a:spLocks noGrp="1"/>
+          </p:cNvSpPr>
+          <p:nvPr>
+            <p:ph type="dt" sz="half" idx="10"/>
+          </p:nvPr>
+        </p:nvSpPr>
+        <p:spPr/>
+        <p:txBody>
+          <a:bodyPr/>
+          <a:lstStyle/>
+          <a:p>
+            <a:r>
+              <a:rPr lang="en-US"/>
+              <a:t>9/14/2020</a:t>
+            </a:r>
+          </a:p>
+        </p:txBody>
+      </p:sp>
+      <p:sp>
+        <p:nvSpPr>
+          <p:cNvPr id="8" name="Slide Number Placeholder 7">
+            <a:extLst>
+              <a:ext uri="{FF2B5EF4-FFF2-40B4-BE49-F238E27FC236}">
+                <a16:creationId xmlns:a16="http://schemas.microsoft.com/office/drawing/2014/main" id="{F7DBA039-1F7F-4144-9BE2-6E076B54B401}"/>
+              </a:ext>
+            </a:extLst>
+          </p:cNvPr>
+          <p:cNvSpPr>
+            <a:spLocks noGrp="1"/>
+          </p:cNvSpPr>
+          <p:nvPr>
+            <p:ph type="sldNum" sz="quarter" idx="12"/>
+          </p:nvPr>
+        </p:nvSpPr>
+        <p:spPr>
+          <a:xfrm>
+            <a:off x="4665133" y="6284328"/>
+            <a:ext cx="2743200" cy="365125"/>
+          </a:xfrm>
+        </p:spPr>
+        <p:txBody>
+          <a:bodyPr/>
+          <a:lstStyle/>
+          <a:p>
+            <a:fld id="{330EA680-D336-4FF7-8B7A-9848BB0A1C32}" type="slidenum">
+              <a:rPr lang="en-US" smtClean="0"/>
+              <a:t>17</a:t>
+            </a:fld>
+            <a:endParaRPr lang="en-US"/>
           </a:p>
         </p:txBody>
       </p:sp>
@@ -5883,6 +8336,60 @@
       </p:grpSpPr>
       <p:sp>
         <p:nvSpPr>
+          <p:cNvPr id="6" name="Rectangle 5">
+            <a:extLst>
+              <a:ext uri="{FF2B5EF4-FFF2-40B4-BE49-F238E27FC236}">
+                <a16:creationId xmlns:a16="http://schemas.microsoft.com/office/drawing/2014/main" id="{8007E955-A10C-4CBC-8C99-002B60CDDA3D}"/>
+              </a:ext>
+            </a:extLst>
+          </p:cNvPr>
+          <p:cNvSpPr/>
+          <p:nvPr/>
+        </p:nvSpPr>
+        <p:spPr>
+          <a:xfrm>
+            <a:off x="4996" y="-1250"/>
+            <a:ext cx="12191998" cy="1124260"/>
+          </a:xfrm>
+          <a:prstGeom prst="rect">
+            <a:avLst/>
+          </a:prstGeom>
+          <a:solidFill>
+            <a:srgbClr val="ED7D31"/>
+          </a:solidFill>
+          <a:ln>
+            <a:noFill/>
+          </a:ln>
+        </p:spPr>
+        <p:style>
+          <a:lnRef idx="2">
+            <a:schemeClr val="accent1">
+              <a:shade val="50000"/>
+            </a:schemeClr>
+          </a:lnRef>
+          <a:fillRef idx="1">
+            <a:schemeClr val="accent1"/>
+          </a:fillRef>
+          <a:effectRef idx="0">
+            <a:schemeClr val="accent1"/>
+          </a:effectRef>
+          <a:fontRef idx="minor">
+            <a:schemeClr val="lt1"/>
+          </a:fontRef>
+        </p:style>
+        <p:txBody>
+          <a:bodyPr rtlCol="0" anchor="ctr"/>
+          <a:lstStyle/>
+          <a:p>
+            <a:pPr algn="ctr"/>
+            <a:endParaRPr lang="en-US" dirty="0">
+              <a:cs typeface="Calibri"/>
+            </a:endParaRPr>
+          </a:p>
+        </p:txBody>
+      </p:sp>
+      <p:sp>
+        <p:nvSpPr>
           <p:cNvPr id="2" name="Title 1">
             <a:extLst>
               <a:ext uri="{FF2B5EF4-FFF2-40B4-BE49-F238E27FC236}">
@@ -5897,7 +8404,12 @@
             <p:ph type="title"/>
           </p:nvPr>
         </p:nvSpPr>
-        <p:spPr/>
+        <p:spPr>
+          <a:xfrm>
+            <a:off x="151151" y="-97072"/>
+            <a:ext cx="10515600" cy="1325563"/>
+          </a:xfrm>
+        </p:spPr>
         <p:txBody>
           <a:bodyPr/>
           <a:lstStyle/>
@@ -5977,7 +8489,7 @@
             <a:pPr lvl="1"/>
             <a:r>
               <a:rPr lang="en-US" dirty="0"/>
-              <a:t>int 8</a:t>
+              <a:t>int 8 / byte</a:t>
             </a:r>
             <a:endParaRPr lang="en-US" dirty="0">
               <a:cs typeface="Calibri"/>
@@ -6047,6 +8559,98 @@
           </a:p>
           <a:p>
             <a:endParaRPr lang="en-US" dirty="0"/>
+          </a:p>
+        </p:txBody>
+      </p:sp>
+      <p:pic>
+        <p:nvPicPr>
+          <p:cNvPr id="8" name="Picture 6" descr="A picture containing drawing&#10;&#10;Description automatically generated">
+            <a:extLst>
+              <a:ext uri="{FF2B5EF4-FFF2-40B4-BE49-F238E27FC236}">
+                <a16:creationId xmlns:a16="http://schemas.microsoft.com/office/drawing/2014/main" id="{BCACAA59-8A67-40BE-830E-E741AB09AC3F}"/>
+              </a:ext>
+            </a:extLst>
+          </p:cNvPr>
+          <p:cNvPicPr>
+            <a:picLocks noChangeAspect="1"/>
+          </p:cNvPicPr>
+          <p:nvPr/>
+        </p:nvPicPr>
+        <p:blipFill>
+          <a:blip r:embed="rId2"/>
+          <a:stretch>
+            <a:fillRect/>
+          </a:stretch>
+        </p:blipFill>
+        <p:spPr>
+          <a:xfrm>
+            <a:off x="9660478" y="6174241"/>
+            <a:ext cx="2424546" cy="582578"/>
+          </a:xfrm>
+          <a:prstGeom prst="rect">
+            <a:avLst/>
+          </a:prstGeom>
+        </p:spPr>
+      </p:pic>
+      <p:sp>
+        <p:nvSpPr>
+          <p:cNvPr id="7" name="Date Placeholder 6">
+            <a:extLst>
+              <a:ext uri="{FF2B5EF4-FFF2-40B4-BE49-F238E27FC236}">
+                <a16:creationId xmlns:a16="http://schemas.microsoft.com/office/drawing/2014/main" id="{F836CE31-0CF5-4E6A-A2A3-CFD050E2503B}"/>
+              </a:ext>
+            </a:extLst>
+          </p:cNvPr>
+          <p:cNvSpPr>
+            <a:spLocks noGrp="1"/>
+          </p:cNvSpPr>
+          <p:nvPr>
+            <p:ph type="dt" sz="half" idx="10"/>
+          </p:nvPr>
+        </p:nvSpPr>
+        <p:spPr/>
+        <p:txBody>
+          <a:bodyPr/>
+          <a:lstStyle/>
+          <a:p>
+            <a:r>
+              <a:rPr lang="en-US"/>
+              <a:t>9/14/2020</a:t>
+            </a:r>
+          </a:p>
+        </p:txBody>
+      </p:sp>
+      <p:sp>
+        <p:nvSpPr>
+          <p:cNvPr id="9" name="Slide Number Placeholder 8">
+            <a:extLst>
+              <a:ext uri="{FF2B5EF4-FFF2-40B4-BE49-F238E27FC236}">
+                <a16:creationId xmlns:a16="http://schemas.microsoft.com/office/drawing/2014/main" id="{9ACE2E5B-22C5-49AA-A56E-C8EB4B4C2F11}"/>
+              </a:ext>
+            </a:extLst>
+          </p:cNvPr>
+          <p:cNvSpPr>
+            <a:spLocks noGrp="1"/>
+          </p:cNvSpPr>
+          <p:nvPr>
+            <p:ph type="sldNum" sz="quarter" idx="12"/>
+          </p:nvPr>
+        </p:nvSpPr>
+        <p:spPr>
+          <a:xfrm>
+            <a:off x="4724400" y="6356349"/>
+            <a:ext cx="2743200" cy="365125"/>
+          </a:xfrm>
+        </p:spPr>
+        <p:txBody>
+          <a:bodyPr/>
+          <a:lstStyle/>
+          <a:p>
+            <a:fld id="{330EA680-D336-4FF7-8B7A-9848BB0A1C32}" type="slidenum">
+              <a:rPr lang="en-US" smtClean="0"/>
+              <a:t>18</a:t>
+            </a:fld>
+            <a:endParaRPr lang="en-US"/>
           </a:p>
         </p:txBody>
       </p:sp>
@@ -6082,6 +8686,60 @@
       </p:grpSpPr>
       <p:sp>
         <p:nvSpPr>
+          <p:cNvPr id="6" name="Rectangle 5">
+            <a:extLst>
+              <a:ext uri="{FF2B5EF4-FFF2-40B4-BE49-F238E27FC236}">
+                <a16:creationId xmlns:a16="http://schemas.microsoft.com/office/drawing/2014/main" id="{A2620901-59E8-4031-9C7B-F074D875BEB8}"/>
+              </a:ext>
+            </a:extLst>
+          </p:cNvPr>
+          <p:cNvSpPr/>
+          <p:nvPr/>
+        </p:nvSpPr>
+        <p:spPr>
+          <a:xfrm>
+            <a:off x="4996" y="-1250"/>
+            <a:ext cx="12191998" cy="1124260"/>
+          </a:xfrm>
+          <a:prstGeom prst="rect">
+            <a:avLst/>
+          </a:prstGeom>
+          <a:solidFill>
+            <a:srgbClr val="ED7D31"/>
+          </a:solidFill>
+          <a:ln>
+            <a:noFill/>
+          </a:ln>
+        </p:spPr>
+        <p:style>
+          <a:lnRef idx="2">
+            <a:schemeClr val="accent1">
+              <a:shade val="50000"/>
+            </a:schemeClr>
+          </a:lnRef>
+          <a:fillRef idx="1">
+            <a:schemeClr val="accent1"/>
+          </a:fillRef>
+          <a:effectRef idx="0">
+            <a:schemeClr val="accent1"/>
+          </a:effectRef>
+          <a:fontRef idx="minor">
+            <a:schemeClr val="lt1"/>
+          </a:fontRef>
+        </p:style>
+        <p:txBody>
+          <a:bodyPr rtlCol="0" anchor="ctr"/>
+          <a:lstStyle/>
+          <a:p>
+            <a:pPr algn="ctr"/>
+            <a:endParaRPr lang="en-US" dirty="0">
+              <a:cs typeface="Calibri"/>
+            </a:endParaRPr>
+          </a:p>
+        </p:txBody>
+      </p:sp>
+      <p:sp>
+        <p:nvSpPr>
           <p:cNvPr id="2" name="Title 1">
             <a:extLst>
               <a:ext uri="{FF2B5EF4-FFF2-40B4-BE49-F238E27FC236}">
@@ -6096,7 +8754,12 @@
             <p:ph type="title"/>
           </p:nvPr>
         </p:nvSpPr>
-        <p:spPr/>
+        <p:spPr>
+          <a:xfrm>
+            <a:off x="113675" y="-97072"/>
+            <a:ext cx="10515600" cy="1325563"/>
+          </a:xfrm>
+        </p:spPr>
         <p:txBody>
           <a:bodyPr/>
           <a:lstStyle/>
@@ -6246,6 +8909,98 @@
             <a:endParaRPr lang="en-US" dirty="0">
               <a:cs typeface="Calibri"/>
             </a:endParaRPr>
+          </a:p>
+        </p:txBody>
+      </p:sp>
+      <p:pic>
+        <p:nvPicPr>
+          <p:cNvPr id="8" name="Picture 6" descr="A picture containing drawing&#10;&#10;Description automatically generated">
+            <a:extLst>
+              <a:ext uri="{FF2B5EF4-FFF2-40B4-BE49-F238E27FC236}">
+                <a16:creationId xmlns:a16="http://schemas.microsoft.com/office/drawing/2014/main" id="{94F882D2-3989-4157-9265-6515B9383028}"/>
+              </a:ext>
+            </a:extLst>
+          </p:cNvPr>
+          <p:cNvPicPr>
+            <a:picLocks noChangeAspect="1"/>
+          </p:cNvPicPr>
+          <p:nvPr/>
+        </p:nvPicPr>
+        <p:blipFill>
+          <a:blip r:embed="rId2"/>
+          <a:stretch>
+            <a:fillRect/>
+          </a:stretch>
+        </p:blipFill>
+        <p:spPr>
+          <a:xfrm>
+            <a:off x="9660478" y="6174241"/>
+            <a:ext cx="2424546" cy="582578"/>
+          </a:xfrm>
+          <a:prstGeom prst="rect">
+            <a:avLst/>
+          </a:prstGeom>
+        </p:spPr>
+      </p:pic>
+      <p:sp>
+        <p:nvSpPr>
+          <p:cNvPr id="7" name="Date Placeholder 6">
+            <a:extLst>
+              <a:ext uri="{FF2B5EF4-FFF2-40B4-BE49-F238E27FC236}">
+                <a16:creationId xmlns:a16="http://schemas.microsoft.com/office/drawing/2014/main" id="{CFB6BF5D-C959-442A-B1E8-C9ECCC1DC82E}"/>
+              </a:ext>
+            </a:extLst>
+          </p:cNvPr>
+          <p:cNvSpPr>
+            <a:spLocks noGrp="1"/>
+          </p:cNvSpPr>
+          <p:nvPr>
+            <p:ph type="dt" sz="half" idx="10"/>
+          </p:nvPr>
+        </p:nvSpPr>
+        <p:spPr/>
+        <p:txBody>
+          <a:bodyPr/>
+          <a:lstStyle/>
+          <a:p>
+            <a:r>
+              <a:rPr lang="en-US"/>
+              <a:t>9/14/2020</a:t>
+            </a:r>
+          </a:p>
+        </p:txBody>
+      </p:sp>
+      <p:sp>
+        <p:nvSpPr>
+          <p:cNvPr id="9" name="Slide Number Placeholder 8">
+            <a:extLst>
+              <a:ext uri="{FF2B5EF4-FFF2-40B4-BE49-F238E27FC236}">
+                <a16:creationId xmlns:a16="http://schemas.microsoft.com/office/drawing/2014/main" id="{58DA2AD3-3676-464D-81A9-0250D2105DC0}"/>
+              </a:ext>
+            </a:extLst>
+          </p:cNvPr>
+          <p:cNvSpPr>
+            <a:spLocks noGrp="1"/>
+          </p:cNvSpPr>
+          <p:nvPr>
+            <p:ph type="sldNum" sz="quarter" idx="12"/>
+          </p:nvPr>
+        </p:nvSpPr>
+        <p:spPr>
+          <a:xfrm>
+            <a:off x="4648200" y="6284328"/>
+            <a:ext cx="2743200" cy="365125"/>
+          </a:xfrm>
+        </p:spPr>
+        <p:txBody>
+          <a:bodyPr/>
+          <a:lstStyle/>
+          <a:p>
+            <a:fld id="{330EA680-D336-4FF7-8B7A-9848BB0A1C32}" type="slidenum">
+              <a:rPr lang="en-US" smtClean="0"/>
+              <a:t>19</a:t>
+            </a:fld>
+            <a:endParaRPr lang="en-US"/>
           </a:p>
         </p:txBody>
       </p:sp>
@@ -6281,32 +9036,55 @@
       </p:grpSpPr>
       <p:sp>
         <p:nvSpPr>
-          <p:cNvPr id="2" name="Title 1">
-            <a:extLst>
-              <a:ext uri="{FF2B5EF4-FFF2-40B4-BE49-F238E27FC236}">
-                <a16:creationId xmlns:a16="http://schemas.microsoft.com/office/drawing/2014/main" id="{2C9771A8-37BB-474E-BDEC-B3145635CC6F}"/>
-              </a:ext>
-            </a:extLst>
-          </p:cNvPr>
-          <p:cNvSpPr>
-            <a:spLocks noGrp="1"/>
-          </p:cNvSpPr>
-          <p:nvPr>
-            <p:ph type="title"/>
-          </p:nvPr>
-        </p:nvSpPr>
-        <p:spPr/>
-        <p:txBody>
-          <a:bodyPr/>
-          <a:lstStyle/>
-          <a:p>
-            <a:r>
-              <a:rPr lang="en-US" dirty="0">
-                <a:cs typeface="Calibri Light"/>
-              </a:rPr>
-              <a:t>Outline</a:t>
-            </a:r>
-            <a:endParaRPr lang="en-US" dirty="0"/>
+          <p:cNvPr id="5" name="Rectangle 4">
+            <a:extLst>
+              <a:ext uri="{FF2B5EF4-FFF2-40B4-BE49-F238E27FC236}">
+                <a16:creationId xmlns:a16="http://schemas.microsoft.com/office/drawing/2014/main" id="{49F05B81-BF4B-4FDD-A2AB-621029F37580}"/>
+              </a:ext>
+            </a:extLst>
+          </p:cNvPr>
+          <p:cNvSpPr/>
+          <p:nvPr/>
+        </p:nvSpPr>
+        <p:spPr>
+          <a:xfrm>
+            <a:off x="4996" y="-26234"/>
+            <a:ext cx="12191998" cy="1124260"/>
+          </a:xfrm>
+          <a:prstGeom prst="rect">
+            <a:avLst/>
+          </a:prstGeom>
+          <a:solidFill>
+            <a:srgbClr val="ED7D31"/>
+          </a:solidFill>
+          <a:ln>
+            <a:noFill/>
+          </a:ln>
+        </p:spPr>
+        <p:style>
+          <a:lnRef idx="2">
+            <a:schemeClr val="accent1">
+              <a:shade val="50000"/>
+            </a:schemeClr>
+          </a:lnRef>
+          <a:fillRef idx="1">
+            <a:schemeClr val="accent1"/>
+          </a:fillRef>
+          <a:effectRef idx="0">
+            <a:schemeClr val="accent1"/>
+          </a:effectRef>
+          <a:fontRef idx="minor">
+            <a:schemeClr val="lt1"/>
+          </a:fontRef>
+        </p:style>
+        <p:txBody>
+          <a:bodyPr rtlCol="0" anchor="ctr"/>
+          <a:lstStyle/>
+          <a:p>
+            <a:pPr algn="ctr"/>
+            <a:endParaRPr lang="en-US" dirty="0">
+              <a:cs typeface="Calibri"/>
+            </a:endParaRPr>
           </a:p>
         </p:txBody>
       </p:sp>
@@ -6390,6 +9168,154 @@
               </a:rPr>
               <a:t>Packaging and deploying </a:t>
             </a:r>
+          </a:p>
+        </p:txBody>
+      </p:sp>
+      <p:sp>
+        <p:nvSpPr>
+          <p:cNvPr id="9" name="Title 1">
+            <a:extLst>
+              <a:ext uri="{FF2B5EF4-FFF2-40B4-BE49-F238E27FC236}">
+                <a16:creationId xmlns:a16="http://schemas.microsoft.com/office/drawing/2014/main" id="{92E162DA-6B8C-4D00-8002-BA6EDA876629}"/>
+              </a:ext>
+            </a:extLst>
+          </p:cNvPr>
+          <p:cNvSpPr txBox="1">
+            <a:spLocks/>
+          </p:cNvSpPr>
+          <p:nvPr/>
+        </p:nvSpPr>
+        <p:spPr>
+          <a:xfrm>
+            <a:off x="326036" y="-47104"/>
+            <a:ext cx="10515600" cy="1325563"/>
+          </a:xfrm>
+          <a:prstGeom prst="rect">
+            <a:avLst/>
+          </a:prstGeom>
+        </p:spPr>
+        <p:txBody>
+          <a:bodyPr vert="horz" lIns="91440" tIns="45720" rIns="91440" bIns="45720" rtlCol="0" anchor="ctr">
+            <a:normAutofit/>
+          </a:bodyPr>
+          <a:lstStyle>
+            <a:lvl1pPr algn="l" defTabSz="914400" rtl="0" eaLnBrk="1" latinLnBrk="0" hangingPunct="1">
+              <a:lnSpc>
+                <a:spcPct val="90000"/>
+              </a:lnSpc>
+              <a:spcBef>
+                <a:spcPct val="0"/>
+              </a:spcBef>
+              <a:buNone/>
+              <a:defRPr sz="4400" kern="1200">
+                <a:solidFill>
+                  <a:schemeClr val="tx1"/>
+                </a:solidFill>
+                <a:latin typeface="+mj-lt"/>
+                <a:ea typeface="+mj-ea"/>
+                <a:cs typeface="+mj-cs"/>
+              </a:defRPr>
+            </a:lvl1pPr>
+          </a:lstStyle>
+          <a:p>
+            <a:r>
+              <a:rPr lang="en-US" dirty="0">
+                <a:cs typeface="Calibri Light"/>
+              </a:rPr>
+              <a:t>Outline</a:t>
+            </a:r>
+          </a:p>
+        </p:txBody>
+      </p:sp>
+      <p:pic>
+        <p:nvPicPr>
+          <p:cNvPr id="13" name="Picture 6" descr="A picture containing drawing&#10;&#10;Description automatically generated">
+            <a:extLst>
+              <a:ext uri="{FF2B5EF4-FFF2-40B4-BE49-F238E27FC236}">
+                <a16:creationId xmlns:a16="http://schemas.microsoft.com/office/drawing/2014/main" id="{6E548ED3-98C4-455A-85AC-9E4FC288658E}"/>
+              </a:ext>
+            </a:extLst>
+          </p:cNvPr>
+          <p:cNvPicPr>
+            <a:picLocks noChangeAspect="1"/>
+          </p:cNvPicPr>
+          <p:nvPr/>
+        </p:nvPicPr>
+        <p:blipFill>
+          <a:blip r:embed="rId2"/>
+          <a:stretch>
+            <a:fillRect/>
+          </a:stretch>
+        </p:blipFill>
+        <p:spPr>
+          <a:xfrm>
+            <a:off x="9660478" y="6174241"/>
+            <a:ext cx="2424546" cy="582578"/>
+          </a:xfrm>
+          <a:prstGeom prst="rect">
+            <a:avLst/>
+          </a:prstGeom>
+        </p:spPr>
+      </p:pic>
+      <p:sp>
+        <p:nvSpPr>
+          <p:cNvPr id="4" name="Date Placeholder 3">
+            <a:extLst>
+              <a:ext uri="{FF2B5EF4-FFF2-40B4-BE49-F238E27FC236}">
+                <a16:creationId xmlns:a16="http://schemas.microsoft.com/office/drawing/2014/main" id="{8ABBA62B-31B1-4D76-8472-C93266CB4080}"/>
+              </a:ext>
+            </a:extLst>
+          </p:cNvPr>
+          <p:cNvSpPr>
+            <a:spLocks noGrp="1"/>
+          </p:cNvSpPr>
+          <p:nvPr>
+            <p:ph type="dt" sz="half" idx="10"/>
+          </p:nvPr>
+        </p:nvSpPr>
+        <p:spPr/>
+        <p:txBody>
+          <a:bodyPr/>
+          <a:lstStyle/>
+          <a:p>
+            <a:r>
+              <a:rPr lang="en-US"/>
+              <a:t>9/14/2020</a:t>
+            </a:r>
+          </a:p>
+        </p:txBody>
+      </p:sp>
+      <p:sp>
+        <p:nvSpPr>
+          <p:cNvPr id="6" name="Slide Number Placeholder 5">
+            <a:extLst>
+              <a:ext uri="{FF2B5EF4-FFF2-40B4-BE49-F238E27FC236}">
+                <a16:creationId xmlns:a16="http://schemas.microsoft.com/office/drawing/2014/main" id="{CF99406C-9128-40EE-B2A3-5EFD3C3F2B61}"/>
+              </a:ext>
+            </a:extLst>
+          </p:cNvPr>
+          <p:cNvSpPr>
+            <a:spLocks noGrp="1"/>
+          </p:cNvSpPr>
+          <p:nvPr>
+            <p:ph type="sldNum" sz="quarter" idx="12"/>
+          </p:nvPr>
+        </p:nvSpPr>
+        <p:spPr>
+          <a:xfrm>
+            <a:off x="4724400" y="6368411"/>
+            <a:ext cx="2743200" cy="365125"/>
+          </a:xfrm>
+        </p:spPr>
+        <p:txBody>
+          <a:bodyPr/>
+          <a:lstStyle/>
+          <a:p>
+            <a:fld id="{330EA680-D336-4FF7-8B7A-9848BB0A1C32}" type="slidenum">
+              <a:rPr lang="en-US" smtClean="0"/>
+              <a:t>2</a:t>
+            </a:fld>
+            <a:endParaRPr lang="en-US"/>
           </a:p>
         </p:txBody>
       </p:sp>
@@ -6551,6 +9477,152 @@
           </a:p>
         </p:txBody>
       </p:sp>
+      <p:sp>
+        <p:nvSpPr>
+          <p:cNvPr id="5" name="Rectangle 4">
+            <a:extLst>
+              <a:ext uri="{FF2B5EF4-FFF2-40B4-BE49-F238E27FC236}">
+                <a16:creationId xmlns:a16="http://schemas.microsoft.com/office/drawing/2014/main" id="{088D5FB6-5A7D-43F1-8A1F-EBA0C99A28C0}"/>
+              </a:ext>
+            </a:extLst>
+          </p:cNvPr>
+          <p:cNvSpPr/>
+          <p:nvPr/>
+        </p:nvSpPr>
+        <p:spPr>
+          <a:xfrm>
+            <a:off x="4996" y="-1250"/>
+            <a:ext cx="12191998" cy="1124260"/>
+          </a:xfrm>
+          <a:prstGeom prst="rect">
+            <a:avLst/>
+          </a:prstGeom>
+          <a:solidFill>
+            <a:srgbClr val="ED7D31"/>
+          </a:solidFill>
+          <a:ln>
+            <a:noFill/>
+          </a:ln>
+        </p:spPr>
+        <p:style>
+          <a:lnRef idx="2">
+            <a:schemeClr val="accent1">
+              <a:shade val="50000"/>
+            </a:schemeClr>
+          </a:lnRef>
+          <a:fillRef idx="1">
+            <a:schemeClr val="accent1"/>
+          </a:fillRef>
+          <a:effectRef idx="0">
+            <a:schemeClr val="accent1"/>
+          </a:effectRef>
+          <a:fontRef idx="minor">
+            <a:schemeClr val="lt1"/>
+          </a:fontRef>
+        </p:style>
+        <p:txBody>
+          <a:bodyPr rtlCol="0" anchor="ctr"/>
+          <a:lstStyle/>
+          <a:p>
+            <a:pPr algn="ctr"/>
+            <a:endParaRPr lang="en-US" dirty="0">
+              <a:cs typeface="Calibri"/>
+            </a:endParaRPr>
+          </a:p>
+        </p:txBody>
+      </p:sp>
+      <p:pic>
+        <p:nvPicPr>
+          <p:cNvPr id="7" name="Picture 6" descr="A picture containing drawing&#10;&#10;Description automatically generated">
+            <a:extLst>
+              <a:ext uri="{FF2B5EF4-FFF2-40B4-BE49-F238E27FC236}">
+                <a16:creationId xmlns:a16="http://schemas.microsoft.com/office/drawing/2014/main" id="{435D4738-5185-4AAF-8289-24384DC0FFCC}"/>
+              </a:ext>
+            </a:extLst>
+          </p:cNvPr>
+          <p:cNvPicPr>
+            <a:picLocks noChangeAspect="1"/>
+          </p:cNvPicPr>
+          <p:nvPr/>
+        </p:nvPicPr>
+        <p:blipFill>
+          <a:blip r:embed="rId2"/>
+          <a:stretch>
+            <a:fillRect/>
+          </a:stretch>
+        </p:blipFill>
+        <p:spPr>
+          <a:xfrm>
+            <a:off x="9660478" y="6174241"/>
+            <a:ext cx="2424546" cy="582578"/>
+          </a:xfrm>
+          <a:prstGeom prst="rect">
+            <a:avLst/>
+          </a:prstGeom>
+        </p:spPr>
+      </p:pic>
+      <p:sp>
+        <p:nvSpPr>
+          <p:cNvPr id="6" name="Date Placeholder 5">
+            <a:extLst>
+              <a:ext uri="{FF2B5EF4-FFF2-40B4-BE49-F238E27FC236}">
+                <a16:creationId xmlns:a16="http://schemas.microsoft.com/office/drawing/2014/main" id="{7B19CD04-A786-4F32-8D88-7339CF6EAA21}"/>
+              </a:ext>
+            </a:extLst>
+          </p:cNvPr>
+          <p:cNvSpPr>
+            <a:spLocks noGrp="1"/>
+          </p:cNvSpPr>
+          <p:nvPr>
+            <p:ph type="dt" sz="half" idx="10"/>
+          </p:nvPr>
+        </p:nvSpPr>
+        <p:spPr/>
+        <p:txBody>
+          <a:bodyPr/>
+          <a:lstStyle/>
+          <a:p>
+            <a:r>
+              <a:rPr lang="en-US"/>
+              <a:t>9/14/2020</a:t>
+            </a:r>
+          </a:p>
+        </p:txBody>
+      </p:sp>
+      <p:sp>
+        <p:nvSpPr>
+          <p:cNvPr id="8" name="Slide Number Placeholder 7">
+            <a:extLst>
+              <a:ext uri="{FF2B5EF4-FFF2-40B4-BE49-F238E27FC236}">
+                <a16:creationId xmlns:a16="http://schemas.microsoft.com/office/drawing/2014/main" id="{BE598FF3-0D06-4941-8FDE-C0DA241B5691}"/>
+              </a:ext>
+            </a:extLst>
+          </p:cNvPr>
+          <p:cNvSpPr>
+            <a:spLocks noGrp="1"/>
+          </p:cNvSpPr>
+          <p:nvPr>
+            <p:ph type="sldNum" sz="quarter" idx="12"/>
+          </p:nvPr>
+        </p:nvSpPr>
+        <p:spPr>
+          <a:xfrm>
+            <a:off x="4724400" y="6356350"/>
+            <a:ext cx="2743200" cy="365125"/>
+          </a:xfrm>
+        </p:spPr>
+        <p:txBody>
+          <a:bodyPr/>
+          <a:lstStyle/>
+          <a:p>
+            <a:fld id="{330EA680-D336-4FF7-8B7A-9848BB0A1C32}" type="slidenum">
+              <a:rPr lang="en-US" smtClean="0"/>
+              <a:t>20</a:t>
+            </a:fld>
+            <a:endParaRPr lang="en-US"/>
+          </a:p>
+        </p:txBody>
+      </p:sp>
     </p:spTree>
     <p:extLst>
       <p:ext uri="{BB962C8B-B14F-4D97-AF65-F5344CB8AC3E}">
@@ -6583,6 +9655,63 @@
       </p:grpSpPr>
       <p:sp>
         <p:nvSpPr>
+          <p:cNvPr id="7" name="Rectangle 6">
+            <a:extLst>
+              <a:ext uri="{FF2B5EF4-FFF2-40B4-BE49-F238E27FC236}">
+                <a16:creationId xmlns:a16="http://schemas.microsoft.com/office/drawing/2014/main" id="{69F6D302-2769-4C19-A516-969F5199FE09}"/>
+              </a:ext>
+            </a:extLst>
+          </p:cNvPr>
+          <p:cNvSpPr/>
+          <p:nvPr/>
+        </p:nvSpPr>
+        <p:spPr>
+          <a:xfrm>
+            <a:off x="4996" y="-1250"/>
+            <a:ext cx="12191998" cy="1124260"/>
+          </a:xfrm>
+          <a:prstGeom prst="rect">
+            <a:avLst/>
+          </a:prstGeom>
+          <a:solidFill>
+            <a:schemeClr val="tx1">
+              <a:lumMod val="50000"/>
+              <a:lumOff val="50000"/>
+            </a:schemeClr>
+          </a:solidFill>
+          <a:ln>
+            <a:noFill/>
+          </a:ln>
+        </p:spPr>
+        <p:style>
+          <a:lnRef idx="2">
+            <a:schemeClr val="accent1">
+              <a:shade val="50000"/>
+            </a:schemeClr>
+          </a:lnRef>
+          <a:fillRef idx="1">
+            <a:schemeClr val="accent1"/>
+          </a:fillRef>
+          <a:effectRef idx="0">
+            <a:schemeClr val="accent1"/>
+          </a:effectRef>
+          <a:fontRef idx="minor">
+            <a:schemeClr val="lt1"/>
+          </a:fontRef>
+        </p:style>
+        <p:txBody>
+          <a:bodyPr rtlCol="0" anchor="ctr"/>
+          <a:lstStyle/>
+          <a:p>
+            <a:pPr algn="ctr"/>
+            <a:endParaRPr lang="en-US" dirty="0">
+              <a:cs typeface="Calibri"/>
+            </a:endParaRPr>
+          </a:p>
+        </p:txBody>
+      </p:sp>
+      <p:sp>
+        <p:nvSpPr>
           <p:cNvPr id="2" name="Title 1">
             <a:extLst>
               <a:ext uri="{FF2B5EF4-FFF2-40B4-BE49-F238E27FC236}">
@@ -6646,7 +9775,44 @@
               </a:rPr>
               <a:t>Thank you for your time</a:t>
             </a:r>
-            <a:endParaRPr lang="en-US">
+          </a:p>
+          <a:p>
+            <a:r>
+              <a:rPr lang="en-US" dirty="0">
+                <a:solidFill>
+                  <a:schemeClr val="bg1">
+                    <a:lumMod val="50000"/>
+                  </a:schemeClr>
+                </a:solidFill>
+                <a:cs typeface="Calibri"/>
+              </a:rPr>
+              <a:t>And thanks to the following people for helping</a:t>
+            </a:r>
+          </a:p>
+          <a:p>
+            <a:r>
+              <a:rPr lang="en-US" dirty="0">
+                <a:solidFill>
+                  <a:schemeClr val="bg1">
+                    <a:lumMod val="50000"/>
+                  </a:schemeClr>
+                </a:solidFill>
+                <a:cs typeface="Calibri"/>
+              </a:rPr>
+              <a:t>Richard Gutierrez, Marissa Navarro, Derek </a:t>
+            </a:r>
+            <a:r>
+              <a:rPr lang="en-US" dirty="0" err="1">
+                <a:solidFill>
+                  <a:schemeClr val="bg1">
+                    <a:lumMod val="50000"/>
+                  </a:schemeClr>
+                </a:solidFill>
+                <a:cs typeface="Calibri"/>
+              </a:rPr>
+              <a:t>Kozel</a:t>
+            </a:r>
+            <a:endParaRPr lang="en-US" dirty="0">
               <a:solidFill>
                 <a:schemeClr val="bg1">
                   <a:lumMod val="50000"/>
@@ -6654,6 +9820,144 @@
               </a:solidFill>
               <a:cs typeface="Calibri"/>
             </a:endParaRPr>
+          </a:p>
+          <a:p>
+            <a:endParaRPr lang="en-US" dirty="0">
+              <a:solidFill>
+                <a:schemeClr val="bg1">
+                  <a:lumMod val="50000"/>
+                </a:schemeClr>
+              </a:solidFill>
+              <a:cs typeface="Calibri"/>
+            </a:endParaRPr>
+          </a:p>
+        </p:txBody>
+      </p:sp>
+      <p:pic>
+        <p:nvPicPr>
+          <p:cNvPr id="5" name="Graphic 4">
+            <a:extLst>
+              <a:ext uri="{FF2B5EF4-FFF2-40B4-BE49-F238E27FC236}">
+                <a16:creationId xmlns:a16="http://schemas.microsoft.com/office/drawing/2014/main" id="{626B2F58-C1AF-4028-AB2F-13CABECB4084}"/>
+              </a:ext>
+            </a:extLst>
+          </p:cNvPr>
+          <p:cNvPicPr>
+            <a:picLocks noChangeAspect="1"/>
+          </p:cNvPicPr>
+          <p:nvPr/>
+        </p:nvPicPr>
+        <p:blipFill>
+          <a:blip r:embed="rId2">
+            <a:extLst>
+              <a:ext uri="{96DAC541-7B7A-43D3-8B79-37D633B846F1}">
+                <asvg:svgBlip xmlns:asvg="http://schemas.microsoft.com/office/drawing/2016/SVG/main" r:embed="rId3"/>
+              </a:ext>
+            </a:extLst>
+          </a:blip>
+          <a:stretch>
+            <a:fillRect/>
+          </a:stretch>
+        </p:blipFill>
+        <p:spPr>
+          <a:xfrm>
+            <a:off x="2497" y="3859"/>
+            <a:ext cx="1881265" cy="1116543"/>
+          </a:xfrm>
+          <a:prstGeom prst="rect">
+            <a:avLst/>
+          </a:prstGeom>
+        </p:spPr>
+      </p:pic>
+      <p:pic>
+        <p:nvPicPr>
+          <p:cNvPr id="9" name="Picture 6" descr="A picture containing drawing&#10;&#10;Description automatically generated">
+            <a:extLst>
+              <a:ext uri="{FF2B5EF4-FFF2-40B4-BE49-F238E27FC236}">
+                <a16:creationId xmlns:a16="http://schemas.microsoft.com/office/drawing/2014/main" id="{3727D41B-572D-4ED7-96BF-3D313766C02B}"/>
+              </a:ext>
+            </a:extLst>
+          </p:cNvPr>
+          <p:cNvPicPr>
+            <a:picLocks noChangeAspect="1"/>
+          </p:cNvPicPr>
+          <p:nvPr/>
+        </p:nvPicPr>
+        <p:blipFill>
+          <a:blip r:embed="rId4"/>
+          <a:stretch>
+            <a:fillRect/>
+          </a:stretch>
+        </p:blipFill>
+        <p:spPr>
+          <a:xfrm>
+            <a:off x="9660478" y="6174241"/>
+            <a:ext cx="2424546" cy="582578"/>
+          </a:xfrm>
+          <a:prstGeom prst="rect">
+            <a:avLst/>
+          </a:prstGeom>
+        </p:spPr>
+      </p:pic>
+      <p:sp>
+        <p:nvSpPr>
+          <p:cNvPr id="6" name="Date Placeholder 5">
+            <a:extLst>
+              <a:ext uri="{FF2B5EF4-FFF2-40B4-BE49-F238E27FC236}">
+                <a16:creationId xmlns:a16="http://schemas.microsoft.com/office/drawing/2014/main" id="{AAEA3C85-3D12-4DBB-A7E3-0842A1C8E94F}"/>
+              </a:ext>
+            </a:extLst>
+          </p:cNvPr>
+          <p:cNvSpPr>
+            <a:spLocks noGrp="1"/>
+          </p:cNvSpPr>
+          <p:nvPr>
+            <p:ph type="dt" sz="half" idx="10"/>
+          </p:nvPr>
+        </p:nvSpPr>
+        <p:spPr/>
+        <p:txBody>
+          <a:bodyPr/>
+          <a:lstStyle/>
+          <a:p>
+            <a:r>
+              <a:rPr lang="en-US"/>
+              <a:t>9/14/2020</a:t>
+            </a:r>
+          </a:p>
+        </p:txBody>
+      </p:sp>
+      <p:sp>
+        <p:nvSpPr>
+          <p:cNvPr id="8" name="Slide Number Placeholder 7">
+            <a:extLst>
+              <a:ext uri="{FF2B5EF4-FFF2-40B4-BE49-F238E27FC236}">
+                <a16:creationId xmlns:a16="http://schemas.microsoft.com/office/drawing/2014/main" id="{AF0D4807-0A9E-46B6-AD82-E524E8AB11C5}"/>
+              </a:ext>
+            </a:extLst>
+          </p:cNvPr>
+          <p:cNvSpPr>
+            <a:spLocks noGrp="1"/>
+          </p:cNvSpPr>
+          <p:nvPr>
+            <p:ph type="sldNum" sz="quarter" idx="12"/>
+          </p:nvPr>
+        </p:nvSpPr>
+        <p:spPr>
+          <a:xfrm>
+            <a:off x="4724400" y="6356349"/>
+            <a:ext cx="2743200" cy="365125"/>
+          </a:xfrm>
+        </p:spPr>
+        <p:txBody>
+          <a:bodyPr/>
+          <a:lstStyle/>
+          <a:p>
+            <a:fld id="{330EA680-D336-4FF7-8B7A-9848BB0A1C32}" type="slidenum">
+              <a:rPr lang="en-US" smtClean="0"/>
+              <a:t>21</a:t>
+            </a:fld>
+            <a:endParaRPr lang="en-US"/>
           </a:p>
         </p:txBody>
       </p:sp>
@@ -6924,6 +10228,63 @@
           </a:p>
         </p:txBody>
       </p:sp>
+      <p:sp>
+        <p:nvSpPr>
+          <p:cNvPr id="6" name="Date Placeholder 5">
+            <a:extLst>
+              <a:ext uri="{FF2B5EF4-FFF2-40B4-BE49-F238E27FC236}">
+                <a16:creationId xmlns:a16="http://schemas.microsoft.com/office/drawing/2014/main" id="{4A31E78B-34E0-495B-9493-7FB27DD5E23E}"/>
+              </a:ext>
+            </a:extLst>
+          </p:cNvPr>
+          <p:cNvSpPr>
+            <a:spLocks noGrp="1"/>
+          </p:cNvSpPr>
+          <p:nvPr>
+            <p:ph type="dt" sz="half" idx="10"/>
+          </p:nvPr>
+        </p:nvSpPr>
+        <p:spPr/>
+        <p:txBody>
+          <a:bodyPr/>
+          <a:lstStyle/>
+          <a:p>
+            <a:r>
+              <a:rPr lang="en-US"/>
+              <a:t>9/14/2020</a:t>
+            </a:r>
+          </a:p>
+        </p:txBody>
+      </p:sp>
+      <p:sp>
+        <p:nvSpPr>
+          <p:cNvPr id="7" name="Slide Number Placeholder 6">
+            <a:extLst>
+              <a:ext uri="{FF2B5EF4-FFF2-40B4-BE49-F238E27FC236}">
+                <a16:creationId xmlns:a16="http://schemas.microsoft.com/office/drawing/2014/main" id="{1F1D5D0E-1D6B-4FDC-A846-B52A7E40A326}"/>
+              </a:ext>
+            </a:extLst>
+          </p:cNvPr>
+          <p:cNvSpPr>
+            <a:spLocks noGrp="1"/>
+          </p:cNvSpPr>
+          <p:nvPr>
+            <p:ph type="sldNum" sz="quarter" idx="12"/>
+          </p:nvPr>
+        </p:nvSpPr>
+        <p:spPr/>
+        <p:txBody>
+          <a:bodyPr/>
+          <a:lstStyle/>
+          <a:p>
+            <a:fld id="{330EA680-D336-4FF7-8B7A-9848BB0A1C32}" type="slidenum">
+              <a:rPr lang="en-US" smtClean="0"/>
+              <a:t>22</a:t>
+            </a:fld>
+            <a:endParaRPr lang="en-US"/>
+          </a:p>
+        </p:txBody>
+      </p:sp>
     </p:spTree>
     <p:extLst>
       <p:ext uri="{BB962C8B-B14F-4D97-AF65-F5344CB8AC3E}">
@@ -7017,6 +10378,63 @@
           </a:p>
         </p:txBody>
       </p:sp>
+      <p:sp>
+        <p:nvSpPr>
+          <p:cNvPr id="5" name="Date Placeholder 4">
+            <a:extLst>
+              <a:ext uri="{FF2B5EF4-FFF2-40B4-BE49-F238E27FC236}">
+                <a16:creationId xmlns:a16="http://schemas.microsoft.com/office/drawing/2014/main" id="{D78AC148-875E-45F7-A814-1E0A76DACB91}"/>
+              </a:ext>
+            </a:extLst>
+          </p:cNvPr>
+          <p:cNvSpPr>
+            <a:spLocks noGrp="1"/>
+          </p:cNvSpPr>
+          <p:nvPr>
+            <p:ph type="dt" sz="half" idx="10"/>
+          </p:nvPr>
+        </p:nvSpPr>
+        <p:spPr/>
+        <p:txBody>
+          <a:bodyPr/>
+          <a:lstStyle/>
+          <a:p>
+            <a:r>
+              <a:rPr lang="en-US"/>
+              <a:t>9/14/2020</a:t>
+            </a:r>
+          </a:p>
+        </p:txBody>
+      </p:sp>
+      <p:sp>
+        <p:nvSpPr>
+          <p:cNvPr id="6" name="Slide Number Placeholder 5">
+            <a:extLst>
+              <a:ext uri="{FF2B5EF4-FFF2-40B4-BE49-F238E27FC236}">
+                <a16:creationId xmlns:a16="http://schemas.microsoft.com/office/drawing/2014/main" id="{C1E82F65-F598-41A3-AAF3-6F3A11F8362C}"/>
+              </a:ext>
+            </a:extLst>
+          </p:cNvPr>
+          <p:cNvSpPr>
+            <a:spLocks noGrp="1"/>
+          </p:cNvSpPr>
+          <p:nvPr>
+            <p:ph type="sldNum" sz="quarter" idx="12"/>
+          </p:nvPr>
+        </p:nvSpPr>
+        <p:spPr/>
+        <p:txBody>
+          <a:bodyPr/>
+          <a:lstStyle/>
+          <a:p>
+            <a:fld id="{330EA680-D336-4FF7-8B7A-9848BB0A1C32}" type="slidenum">
+              <a:rPr lang="en-US" smtClean="0"/>
+              <a:t>23</a:t>
+            </a:fld>
+            <a:endParaRPr lang="en-US"/>
+          </a:p>
+        </p:txBody>
+      </p:sp>
     </p:spTree>
     <p:extLst>
       <p:ext uri="{BB962C8B-B14F-4D97-AF65-F5344CB8AC3E}">
@@ -7202,6 +10620,63 @@
           </a:p>
         </p:txBody>
       </p:sp>
+      <p:sp>
+        <p:nvSpPr>
+          <p:cNvPr id="6" name="Date Placeholder 5">
+            <a:extLst>
+              <a:ext uri="{FF2B5EF4-FFF2-40B4-BE49-F238E27FC236}">
+                <a16:creationId xmlns:a16="http://schemas.microsoft.com/office/drawing/2014/main" id="{2BB4DBDF-B5E2-4868-9D54-B19B1FDE7394}"/>
+              </a:ext>
+            </a:extLst>
+          </p:cNvPr>
+          <p:cNvSpPr>
+            <a:spLocks noGrp="1"/>
+          </p:cNvSpPr>
+          <p:nvPr>
+            <p:ph type="dt" sz="half" idx="10"/>
+          </p:nvPr>
+        </p:nvSpPr>
+        <p:spPr/>
+        <p:txBody>
+          <a:bodyPr/>
+          <a:lstStyle/>
+          <a:p>
+            <a:r>
+              <a:rPr lang="en-US"/>
+              <a:t>9/14/2020</a:t>
+            </a:r>
+          </a:p>
+        </p:txBody>
+      </p:sp>
+      <p:sp>
+        <p:nvSpPr>
+          <p:cNvPr id="7" name="Slide Number Placeholder 6">
+            <a:extLst>
+              <a:ext uri="{FF2B5EF4-FFF2-40B4-BE49-F238E27FC236}">
+                <a16:creationId xmlns:a16="http://schemas.microsoft.com/office/drawing/2014/main" id="{1CEAFFDA-72AB-4BC3-971B-085F822C8332}"/>
+              </a:ext>
+            </a:extLst>
+          </p:cNvPr>
+          <p:cNvSpPr>
+            <a:spLocks noGrp="1"/>
+          </p:cNvSpPr>
+          <p:nvPr>
+            <p:ph type="sldNum" sz="quarter" idx="12"/>
+          </p:nvPr>
+        </p:nvSpPr>
+        <p:spPr/>
+        <p:txBody>
+          <a:bodyPr/>
+          <a:lstStyle/>
+          <a:p>
+            <a:fld id="{330EA680-D336-4FF7-8B7A-9848BB0A1C32}" type="slidenum">
+              <a:rPr lang="en-US" smtClean="0"/>
+              <a:t>24</a:t>
+            </a:fld>
+            <a:endParaRPr lang="en-US"/>
+          </a:p>
+        </p:txBody>
+      </p:sp>
     </p:spTree>
     <p:extLst>
       <p:ext uri="{BB962C8B-B14F-4D97-AF65-F5344CB8AC3E}">
@@ -7425,6 +10900,63 @@
           </a:p>
         </p:txBody>
       </p:sp>
+      <p:sp>
+        <p:nvSpPr>
+          <p:cNvPr id="6" name="Date Placeholder 5">
+            <a:extLst>
+              <a:ext uri="{FF2B5EF4-FFF2-40B4-BE49-F238E27FC236}">
+                <a16:creationId xmlns:a16="http://schemas.microsoft.com/office/drawing/2014/main" id="{ABC579CC-0F89-41BF-9783-FF1A91A6566F}"/>
+              </a:ext>
+            </a:extLst>
+          </p:cNvPr>
+          <p:cNvSpPr>
+            <a:spLocks noGrp="1"/>
+          </p:cNvSpPr>
+          <p:nvPr>
+            <p:ph type="dt" sz="half" idx="10"/>
+          </p:nvPr>
+        </p:nvSpPr>
+        <p:spPr/>
+        <p:txBody>
+          <a:bodyPr/>
+          <a:lstStyle/>
+          <a:p>
+            <a:r>
+              <a:rPr lang="en-US"/>
+              <a:t>9/14/2020</a:t>
+            </a:r>
+          </a:p>
+        </p:txBody>
+      </p:sp>
+      <p:sp>
+        <p:nvSpPr>
+          <p:cNvPr id="7" name="Slide Number Placeholder 6">
+            <a:extLst>
+              <a:ext uri="{FF2B5EF4-FFF2-40B4-BE49-F238E27FC236}">
+                <a16:creationId xmlns:a16="http://schemas.microsoft.com/office/drawing/2014/main" id="{190AD4B0-5E27-47D3-9BD2-2F7A59A5B5B4}"/>
+              </a:ext>
+            </a:extLst>
+          </p:cNvPr>
+          <p:cNvSpPr>
+            <a:spLocks noGrp="1"/>
+          </p:cNvSpPr>
+          <p:nvPr>
+            <p:ph type="sldNum" sz="quarter" idx="12"/>
+          </p:nvPr>
+        </p:nvSpPr>
+        <p:spPr/>
+        <p:txBody>
+          <a:bodyPr/>
+          <a:lstStyle/>
+          <a:p>
+            <a:fld id="{330EA680-D336-4FF7-8B7A-9848BB0A1C32}" type="slidenum">
+              <a:rPr lang="en-US" smtClean="0"/>
+              <a:t>25</a:t>
+            </a:fld>
+            <a:endParaRPr lang="en-US"/>
+          </a:p>
+        </p:txBody>
+      </p:sp>
     </p:spTree>
     <p:extLst>
       <p:ext uri="{BB962C8B-B14F-4D97-AF65-F5344CB8AC3E}">
@@ -7618,6 +11150,63 @@
           </a:p>
         </p:txBody>
       </p:sp>
+      <p:sp>
+        <p:nvSpPr>
+          <p:cNvPr id="6" name="Date Placeholder 5">
+            <a:extLst>
+              <a:ext uri="{FF2B5EF4-FFF2-40B4-BE49-F238E27FC236}">
+                <a16:creationId xmlns:a16="http://schemas.microsoft.com/office/drawing/2014/main" id="{C305CE21-28FD-4ADF-BDD7-337E243F9C92}"/>
+              </a:ext>
+            </a:extLst>
+          </p:cNvPr>
+          <p:cNvSpPr>
+            <a:spLocks noGrp="1"/>
+          </p:cNvSpPr>
+          <p:nvPr>
+            <p:ph type="dt" sz="half" idx="10"/>
+          </p:nvPr>
+        </p:nvSpPr>
+        <p:spPr/>
+        <p:txBody>
+          <a:bodyPr/>
+          <a:lstStyle/>
+          <a:p>
+            <a:r>
+              <a:rPr lang="en-US"/>
+              <a:t>9/14/2020</a:t>
+            </a:r>
+          </a:p>
+        </p:txBody>
+      </p:sp>
+      <p:sp>
+        <p:nvSpPr>
+          <p:cNvPr id="7" name="Slide Number Placeholder 6">
+            <a:extLst>
+              <a:ext uri="{FF2B5EF4-FFF2-40B4-BE49-F238E27FC236}">
+                <a16:creationId xmlns:a16="http://schemas.microsoft.com/office/drawing/2014/main" id="{4C906D36-8DFB-4012-937D-C8708F4CB639}"/>
+              </a:ext>
+            </a:extLst>
+          </p:cNvPr>
+          <p:cNvSpPr>
+            <a:spLocks noGrp="1"/>
+          </p:cNvSpPr>
+          <p:nvPr>
+            <p:ph type="sldNum" sz="quarter" idx="12"/>
+          </p:nvPr>
+        </p:nvSpPr>
+        <p:spPr/>
+        <p:txBody>
+          <a:bodyPr/>
+          <a:lstStyle/>
+          <a:p>
+            <a:fld id="{330EA680-D336-4FF7-8B7A-9848BB0A1C32}" type="slidenum">
+              <a:rPr lang="en-US" smtClean="0"/>
+              <a:t>26</a:t>
+            </a:fld>
+            <a:endParaRPr lang="en-US"/>
+          </a:p>
+        </p:txBody>
+      </p:sp>
     </p:spTree>
     <p:extLst>
       <p:ext uri="{BB962C8B-B14F-4D97-AF65-F5344CB8AC3E}">
@@ -7791,6 +11380,63 @@
           </a:p>
         </p:txBody>
       </p:sp>
+      <p:sp>
+        <p:nvSpPr>
+          <p:cNvPr id="6" name="Date Placeholder 5">
+            <a:extLst>
+              <a:ext uri="{FF2B5EF4-FFF2-40B4-BE49-F238E27FC236}">
+                <a16:creationId xmlns:a16="http://schemas.microsoft.com/office/drawing/2014/main" id="{070D115C-CF2B-450C-BE48-6135DD531B4C}"/>
+              </a:ext>
+            </a:extLst>
+          </p:cNvPr>
+          <p:cNvSpPr>
+            <a:spLocks noGrp="1"/>
+          </p:cNvSpPr>
+          <p:nvPr>
+            <p:ph type="dt" sz="half" idx="10"/>
+          </p:nvPr>
+        </p:nvSpPr>
+        <p:spPr/>
+        <p:txBody>
+          <a:bodyPr/>
+          <a:lstStyle/>
+          <a:p>
+            <a:r>
+              <a:rPr lang="en-US"/>
+              <a:t>9/14/2020</a:t>
+            </a:r>
+          </a:p>
+        </p:txBody>
+      </p:sp>
+      <p:sp>
+        <p:nvSpPr>
+          <p:cNvPr id="7" name="Slide Number Placeholder 6">
+            <a:extLst>
+              <a:ext uri="{FF2B5EF4-FFF2-40B4-BE49-F238E27FC236}">
+                <a16:creationId xmlns:a16="http://schemas.microsoft.com/office/drawing/2014/main" id="{3112DCFA-E061-4C50-877F-D5DB31373B1D}"/>
+              </a:ext>
+            </a:extLst>
+          </p:cNvPr>
+          <p:cNvSpPr>
+            <a:spLocks noGrp="1"/>
+          </p:cNvSpPr>
+          <p:nvPr>
+            <p:ph type="sldNum" sz="quarter" idx="12"/>
+          </p:nvPr>
+        </p:nvSpPr>
+        <p:spPr/>
+        <p:txBody>
+          <a:bodyPr/>
+          <a:lstStyle/>
+          <a:p>
+            <a:fld id="{330EA680-D336-4FF7-8B7A-9848BB0A1C32}" type="slidenum">
+              <a:rPr lang="en-US" smtClean="0"/>
+              <a:t>27</a:t>
+            </a:fld>
+            <a:endParaRPr lang="en-US"/>
+          </a:p>
+        </p:txBody>
+      </p:sp>
     </p:spTree>
     <p:extLst>
       <p:ext uri="{BB962C8B-B14F-4D97-AF65-F5344CB8AC3E}">
@@ -7935,6 +11581,63 @@
           </a:p>
         </p:txBody>
       </p:sp>
+      <p:sp>
+        <p:nvSpPr>
+          <p:cNvPr id="5" name="Date Placeholder 4">
+            <a:extLst>
+              <a:ext uri="{FF2B5EF4-FFF2-40B4-BE49-F238E27FC236}">
+                <a16:creationId xmlns:a16="http://schemas.microsoft.com/office/drawing/2014/main" id="{E218BEB9-A910-435A-9118-D15E02095A42}"/>
+              </a:ext>
+            </a:extLst>
+          </p:cNvPr>
+          <p:cNvSpPr>
+            <a:spLocks noGrp="1"/>
+          </p:cNvSpPr>
+          <p:nvPr>
+            <p:ph type="dt" sz="half" idx="10"/>
+          </p:nvPr>
+        </p:nvSpPr>
+        <p:spPr/>
+        <p:txBody>
+          <a:bodyPr/>
+          <a:lstStyle/>
+          <a:p>
+            <a:r>
+              <a:rPr lang="en-US"/>
+              <a:t>9/14/2020</a:t>
+            </a:r>
+          </a:p>
+        </p:txBody>
+      </p:sp>
+      <p:sp>
+        <p:nvSpPr>
+          <p:cNvPr id="6" name="Slide Number Placeholder 5">
+            <a:extLst>
+              <a:ext uri="{FF2B5EF4-FFF2-40B4-BE49-F238E27FC236}">
+                <a16:creationId xmlns:a16="http://schemas.microsoft.com/office/drawing/2014/main" id="{88A055F2-EA71-4181-A98A-669C45DB523B}"/>
+              </a:ext>
+            </a:extLst>
+          </p:cNvPr>
+          <p:cNvSpPr>
+            <a:spLocks noGrp="1"/>
+          </p:cNvSpPr>
+          <p:nvPr>
+            <p:ph type="sldNum" sz="quarter" idx="12"/>
+          </p:nvPr>
+        </p:nvSpPr>
+        <p:spPr/>
+        <p:txBody>
+          <a:bodyPr/>
+          <a:lstStyle/>
+          <a:p>
+            <a:fld id="{330EA680-D336-4FF7-8B7A-9848BB0A1C32}" type="slidenum">
+              <a:rPr lang="en-US" smtClean="0"/>
+              <a:t>28</a:t>
+            </a:fld>
+            <a:endParaRPr lang="en-US"/>
+          </a:p>
+        </p:txBody>
+      </p:sp>
     </p:spTree>
     <p:extLst>
       <p:ext uri="{BB962C8B-B14F-4D97-AF65-F5344CB8AC3E}">
@@ -7967,6 +11670,60 @@
       </p:grpSpPr>
       <p:sp>
         <p:nvSpPr>
+          <p:cNvPr id="5" name="Rectangle 4">
+            <a:extLst>
+              <a:ext uri="{FF2B5EF4-FFF2-40B4-BE49-F238E27FC236}">
+                <a16:creationId xmlns:a16="http://schemas.microsoft.com/office/drawing/2014/main" id="{804FCE45-4D43-4B9B-9CB7-981BD3CD0AD0}"/>
+              </a:ext>
+            </a:extLst>
+          </p:cNvPr>
+          <p:cNvSpPr/>
+          <p:nvPr/>
+        </p:nvSpPr>
+        <p:spPr>
+          <a:xfrm>
+            <a:off x="4996" y="-1250"/>
+            <a:ext cx="12191998" cy="1124260"/>
+          </a:xfrm>
+          <a:prstGeom prst="rect">
+            <a:avLst/>
+          </a:prstGeom>
+          <a:solidFill>
+            <a:srgbClr val="ED7D31"/>
+          </a:solidFill>
+          <a:ln>
+            <a:noFill/>
+          </a:ln>
+        </p:spPr>
+        <p:style>
+          <a:lnRef idx="2">
+            <a:schemeClr val="accent1">
+              <a:shade val="50000"/>
+            </a:schemeClr>
+          </a:lnRef>
+          <a:fillRef idx="1">
+            <a:schemeClr val="accent1"/>
+          </a:fillRef>
+          <a:effectRef idx="0">
+            <a:schemeClr val="accent1"/>
+          </a:effectRef>
+          <a:fontRef idx="minor">
+            <a:schemeClr val="lt1"/>
+          </a:fontRef>
+        </p:style>
+        <p:txBody>
+          <a:bodyPr rtlCol="0" anchor="ctr"/>
+          <a:lstStyle/>
+          <a:p>
+            <a:pPr algn="ctr"/>
+            <a:endParaRPr lang="en-US" dirty="0">
+              <a:cs typeface="Calibri"/>
+            </a:endParaRPr>
+          </a:p>
+        </p:txBody>
+      </p:sp>
+      <p:sp>
+        <p:nvSpPr>
           <p:cNvPr id="2" name="Title 1">
             <a:extLst>
               <a:ext uri="{FF2B5EF4-FFF2-40B4-BE49-F238E27FC236}">
@@ -7981,7 +11738,12 @@
             <p:ph type="title"/>
           </p:nvPr>
         </p:nvSpPr>
-        <p:spPr/>
+        <p:spPr>
+          <a:xfrm>
+            <a:off x="326036" y="-47104"/>
+            <a:ext cx="10515600" cy="1325563"/>
+          </a:xfrm>
+        </p:spPr>
         <p:txBody>
           <a:bodyPr/>
           <a:lstStyle/>
@@ -8147,6 +11909,98 @@
             <a:endParaRPr lang="en-US" dirty="0">
               <a:cs typeface="Calibri"/>
             </a:endParaRPr>
+          </a:p>
+        </p:txBody>
+      </p:sp>
+      <p:pic>
+        <p:nvPicPr>
+          <p:cNvPr id="9" name="Picture 6" descr="A picture containing drawing&#10;&#10;Description automatically generated">
+            <a:extLst>
+              <a:ext uri="{FF2B5EF4-FFF2-40B4-BE49-F238E27FC236}">
+                <a16:creationId xmlns:a16="http://schemas.microsoft.com/office/drawing/2014/main" id="{9A701DD4-B1AD-4CB9-8029-1936721575F8}"/>
+              </a:ext>
+            </a:extLst>
+          </p:cNvPr>
+          <p:cNvPicPr>
+            <a:picLocks noChangeAspect="1"/>
+          </p:cNvPicPr>
+          <p:nvPr/>
+        </p:nvPicPr>
+        <p:blipFill>
+          <a:blip r:embed="rId2"/>
+          <a:stretch>
+            <a:fillRect/>
+          </a:stretch>
+        </p:blipFill>
+        <p:spPr>
+          <a:xfrm>
+            <a:off x="9660478" y="6174241"/>
+            <a:ext cx="2424546" cy="582578"/>
+          </a:xfrm>
+          <a:prstGeom prst="rect">
+            <a:avLst/>
+          </a:prstGeom>
+        </p:spPr>
+      </p:pic>
+      <p:sp>
+        <p:nvSpPr>
+          <p:cNvPr id="6" name="Date Placeholder 5">
+            <a:extLst>
+              <a:ext uri="{FF2B5EF4-FFF2-40B4-BE49-F238E27FC236}">
+                <a16:creationId xmlns:a16="http://schemas.microsoft.com/office/drawing/2014/main" id="{FB5DF951-7CBF-4097-9ABB-B30B99949D1C}"/>
+              </a:ext>
+            </a:extLst>
+          </p:cNvPr>
+          <p:cNvSpPr>
+            <a:spLocks noGrp="1"/>
+          </p:cNvSpPr>
+          <p:nvPr>
+            <p:ph type="dt" sz="half" idx="10"/>
+          </p:nvPr>
+        </p:nvSpPr>
+        <p:spPr/>
+        <p:txBody>
+          <a:bodyPr/>
+          <a:lstStyle/>
+          <a:p>
+            <a:r>
+              <a:rPr lang="en-US"/>
+              <a:t>9/14/2020</a:t>
+            </a:r>
+          </a:p>
+        </p:txBody>
+      </p:sp>
+      <p:sp>
+        <p:nvSpPr>
+          <p:cNvPr id="7" name="Slide Number Placeholder 6">
+            <a:extLst>
+              <a:ext uri="{FF2B5EF4-FFF2-40B4-BE49-F238E27FC236}">
+                <a16:creationId xmlns:a16="http://schemas.microsoft.com/office/drawing/2014/main" id="{92C88EA2-5CDB-4E3C-8D31-D1BF946C07F6}"/>
+              </a:ext>
+            </a:extLst>
+          </p:cNvPr>
+          <p:cNvSpPr>
+            <a:spLocks noGrp="1"/>
+          </p:cNvSpPr>
+          <p:nvPr>
+            <p:ph type="sldNum" sz="quarter" idx="12"/>
+          </p:nvPr>
+        </p:nvSpPr>
+        <p:spPr>
+          <a:xfrm>
+            <a:off x="4381314" y="6378747"/>
+            <a:ext cx="2743200" cy="365125"/>
+          </a:xfrm>
+        </p:spPr>
+        <p:txBody>
+          <a:bodyPr/>
+          <a:lstStyle/>
+          <a:p>
+            <a:fld id="{330EA680-D336-4FF7-8B7A-9848BB0A1C32}" type="slidenum">
+              <a:rPr lang="en-US" smtClean="0"/>
+              <a:t>3</a:t>
+            </a:fld>
+            <a:endParaRPr lang="en-US"/>
           </a:p>
         </p:txBody>
       </p:sp>
@@ -8182,6 +12036,60 @@
       </p:grpSpPr>
       <p:sp>
         <p:nvSpPr>
+          <p:cNvPr id="6" name="Rectangle 5">
+            <a:extLst>
+              <a:ext uri="{FF2B5EF4-FFF2-40B4-BE49-F238E27FC236}">
+                <a16:creationId xmlns:a16="http://schemas.microsoft.com/office/drawing/2014/main" id="{0B1B432A-54EC-4F8E-B89E-074073D5DB5D}"/>
+              </a:ext>
+            </a:extLst>
+          </p:cNvPr>
+          <p:cNvSpPr/>
+          <p:nvPr/>
+        </p:nvSpPr>
+        <p:spPr>
+          <a:xfrm>
+            <a:off x="4996" y="-1250"/>
+            <a:ext cx="12191998" cy="1124260"/>
+          </a:xfrm>
+          <a:prstGeom prst="rect">
+            <a:avLst/>
+          </a:prstGeom>
+          <a:solidFill>
+            <a:srgbClr val="ED7D31"/>
+          </a:solidFill>
+          <a:ln>
+            <a:noFill/>
+          </a:ln>
+        </p:spPr>
+        <p:style>
+          <a:lnRef idx="2">
+            <a:schemeClr val="accent1">
+              <a:shade val="50000"/>
+            </a:schemeClr>
+          </a:lnRef>
+          <a:fillRef idx="1">
+            <a:schemeClr val="accent1"/>
+          </a:fillRef>
+          <a:effectRef idx="0">
+            <a:schemeClr val="accent1"/>
+          </a:effectRef>
+          <a:fontRef idx="minor">
+            <a:schemeClr val="lt1"/>
+          </a:fontRef>
+        </p:style>
+        <p:txBody>
+          <a:bodyPr rtlCol="0" anchor="ctr"/>
+          <a:lstStyle/>
+          <a:p>
+            <a:pPr algn="ctr"/>
+            <a:endParaRPr lang="en-US" dirty="0">
+              <a:cs typeface="Calibri"/>
+            </a:endParaRPr>
+          </a:p>
+        </p:txBody>
+      </p:sp>
+      <p:sp>
+        <p:nvSpPr>
           <p:cNvPr id="2" name="Title 1">
             <a:extLst>
               <a:ext uri="{FF2B5EF4-FFF2-40B4-BE49-F238E27FC236}">
@@ -8196,7 +12104,12 @@
             <p:ph type="title"/>
           </p:nvPr>
         </p:nvSpPr>
-        <p:spPr/>
+        <p:spPr>
+          <a:xfrm>
+            <a:off x="388495" y="-47104"/>
+            <a:ext cx="10515600" cy="1325563"/>
+          </a:xfrm>
+        </p:spPr>
         <p:txBody>
           <a:bodyPr/>
           <a:lstStyle/>
@@ -8524,6 +12437,98 @@
           </a:prstGeom>
         </p:spPr>
       </p:pic>
+      <p:pic>
+        <p:nvPicPr>
+          <p:cNvPr id="10" name="Picture 6" descr="A picture containing drawing&#10;&#10;Description automatically generated">
+            <a:extLst>
+              <a:ext uri="{FF2B5EF4-FFF2-40B4-BE49-F238E27FC236}">
+                <a16:creationId xmlns:a16="http://schemas.microsoft.com/office/drawing/2014/main" id="{1D6D5B8A-7A13-4C80-9D99-718913BBE3F5}"/>
+              </a:ext>
+            </a:extLst>
+          </p:cNvPr>
+          <p:cNvPicPr>
+            <a:picLocks noChangeAspect="1"/>
+          </p:cNvPicPr>
+          <p:nvPr/>
+        </p:nvPicPr>
+        <p:blipFill>
+          <a:blip r:embed="rId14"/>
+          <a:stretch>
+            <a:fillRect/>
+          </a:stretch>
+        </p:blipFill>
+        <p:spPr>
+          <a:xfrm>
+            <a:off x="9660478" y="6174241"/>
+            <a:ext cx="2424546" cy="582578"/>
+          </a:xfrm>
+          <a:prstGeom prst="rect">
+            <a:avLst/>
+          </a:prstGeom>
+        </p:spPr>
+      </p:pic>
+      <p:sp>
+        <p:nvSpPr>
+          <p:cNvPr id="7" name="Date Placeholder 6">
+            <a:extLst>
+              <a:ext uri="{FF2B5EF4-FFF2-40B4-BE49-F238E27FC236}">
+                <a16:creationId xmlns:a16="http://schemas.microsoft.com/office/drawing/2014/main" id="{7BE5BECB-68A1-4EF8-AE34-8699100448A8}"/>
+              </a:ext>
+            </a:extLst>
+          </p:cNvPr>
+          <p:cNvSpPr>
+            <a:spLocks noGrp="1"/>
+          </p:cNvSpPr>
+          <p:nvPr>
+            <p:ph type="dt" sz="half" idx="10"/>
+          </p:nvPr>
+        </p:nvSpPr>
+        <p:spPr/>
+        <p:txBody>
+          <a:bodyPr/>
+          <a:lstStyle/>
+          <a:p>
+            <a:r>
+              <a:rPr lang="en-US"/>
+              <a:t>9/14/2020</a:t>
+            </a:r>
+          </a:p>
+        </p:txBody>
+      </p:sp>
+      <p:sp>
+        <p:nvSpPr>
+          <p:cNvPr id="8" name="Slide Number Placeholder 7">
+            <a:extLst>
+              <a:ext uri="{FF2B5EF4-FFF2-40B4-BE49-F238E27FC236}">
+                <a16:creationId xmlns:a16="http://schemas.microsoft.com/office/drawing/2014/main" id="{0418211D-6C2C-4726-B5DA-D682ADDC6603}"/>
+              </a:ext>
+            </a:extLst>
+          </p:cNvPr>
+          <p:cNvSpPr>
+            <a:spLocks noGrp="1"/>
+          </p:cNvSpPr>
+          <p:nvPr>
+            <p:ph type="sldNum" sz="quarter" idx="12"/>
+          </p:nvPr>
+        </p:nvSpPr>
+        <p:spPr>
+          <a:xfrm>
+            <a:off x="4274695" y="6362700"/>
+            <a:ext cx="2743200" cy="365125"/>
+          </a:xfrm>
+        </p:spPr>
+        <p:txBody>
+          <a:bodyPr/>
+          <a:lstStyle/>
+          <a:p>
+            <a:fld id="{330EA680-D336-4FF7-8B7A-9848BB0A1C32}" type="slidenum">
+              <a:rPr lang="en-US" smtClean="0"/>
+              <a:t>4</a:t>
+            </a:fld>
+            <a:endParaRPr lang="en-US" dirty="0"/>
+          </a:p>
+        </p:txBody>
+      </p:sp>
     </p:spTree>
     <p:extLst>
       <p:ext uri="{BB962C8B-B14F-4D97-AF65-F5344CB8AC3E}">
@@ -8556,6 +12561,60 @@
       </p:grpSpPr>
       <p:sp>
         <p:nvSpPr>
+          <p:cNvPr id="4" name="Rectangle 3">
+            <a:extLst>
+              <a:ext uri="{FF2B5EF4-FFF2-40B4-BE49-F238E27FC236}">
+                <a16:creationId xmlns:a16="http://schemas.microsoft.com/office/drawing/2014/main" id="{8699049F-03D1-47BE-BD7C-4657CE8571FA}"/>
+              </a:ext>
+            </a:extLst>
+          </p:cNvPr>
+          <p:cNvSpPr/>
+          <p:nvPr/>
+        </p:nvSpPr>
+        <p:spPr>
+          <a:xfrm>
+            <a:off x="4996" y="-1250"/>
+            <a:ext cx="12191998" cy="1124260"/>
+          </a:xfrm>
+          <a:prstGeom prst="rect">
+            <a:avLst/>
+          </a:prstGeom>
+          <a:solidFill>
+            <a:srgbClr val="ED7D31"/>
+          </a:solidFill>
+          <a:ln>
+            <a:noFill/>
+          </a:ln>
+        </p:spPr>
+        <p:style>
+          <a:lnRef idx="2">
+            <a:schemeClr val="accent1">
+              <a:shade val="50000"/>
+            </a:schemeClr>
+          </a:lnRef>
+          <a:fillRef idx="1">
+            <a:schemeClr val="accent1"/>
+          </a:fillRef>
+          <a:effectRef idx="0">
+            <a:schemeClr val="accent1"/>
+          </a:effectRef>
+          <a:fontRef idx="minor">
+            <a:schemeClr val="lt1"/>
+          </a:fontRef>
+        </p:style>
+        <p:txBody>
+          <a:bodyPr rtlCol="0" anchor="ctr"/>
+          <a:lstStyle/>
+          <a:p>
+            <a:pPr algn="ctr"/>
+            <a:endParaRPr lang="en-US" dirty="0">
+              <a:cs typeface="Calibri"/>
+            </a:endParaRPr>
+          </a:p>
+        </p:txBody>
+      </p:sp>
+      <p:sp>
+        <p:nvSpPr>
           <p:cNvPr id="2" name="Title 1">
             <a:extLst>
               <a:ext uri="{FF2B5EF4-FFF2-40B4-BE49-F238E27FC236}">
@@ -8570,40 +12629,44 @@
             <p:ph type="title"/>
           </p:nvPr>
         </p:nvSpPr>
-        <p:spPr/>
+        <p:spPr>
+          <a:xfrm>
+            <a:off x="351020" y="2863"/>
+            <a:ext cx="10515600" cy="1325563"/>
+          </a:xfrm>
+        </p:spPr>
         <p:txBody>
           <a:bodyPr/>
           <a:lstStyle/>
           <a:p>
-            <a:pPr marL="285750" indent="-285750">
+            <a:pPr>
               <a:spcBef>
                 <a:spcPts val="1000"/>
               </a:spcBef>
-              <a:buFont typeface="Arial"/>
-              <a:buChar char="•"/>
             </a:pPr>
             <a:r>
               <a:rPr lang="en-US" dirty="0">
-                <a:latin typeface="Calibri"/>
+                <a:latin typeface="Calibri Light"/>
                 <a:cs typeface="Calibri"/>
               </a:rPr>
               <a:t>Graphical interface / </a:t>
             </a:r>
             <a:r>
               <a:rPr lang="en-US" dirty="0" err="1">
-                <a:latin typeface="Calibri"/>
+                <a:latin typeface="Calibri Light"/>
                 <a:cs typeface="Calibri"/>
               </a:rPr>
               <a:t>GNURadio</a:t>
             </a:r>
             <a:r>
               <a:rPr lang="en-US" dirty="0">
-                <a:latin typeface="Calibri"/>
+                <a:latin typeface="Calibri Light"/>
                 <a:cs typeface="Calibri"/>
               </a:rPr>
               <a:t> Companion</a:t>
             </a:r>
-            <a:endParaRPr lang="en-US" dirty="0">
+            <a:endParaRPr lang="en-US">
+              <a:latin typeface="Calibri Light"/>
               <a:ea typeface="+mj-lt"/>
               <a:cs typeface="+mj-lt"/>
             </a:endParaRPr>
@@ -8779,6 +12842,98 @@
           </a:prstGeom>
         </p:spPr>
       </p:pic>
+      <p:pic>
+        <p:nvPicPr>
+          <p:cNvPr id="8" name="Picture 6" descr="A picture containing drawing&#10;&#10;Description automatically generated">
+            <a:extLst>
+              <a:ext uri="{FF2B5EF4-FFF2-40B4-BE49-F238E27FC236}">
+                <a16:creationId xmlns:a16="http://schemas.microsoft.com/office/drawing/2014/main" id="{81BB0B72-B828-4DA9-8FC4-2CAE1FF3161B}"/>
+              </a:ext>
+            </a:extLst>
+          </p:cNvPr>
+          <p:cNvPicPr>
+            <a:picLocks noChangeAspect="1"/>
+          </p:cNvPicPr>
+          <p:nvPr/>
+        </p:nvPicPr>
+        <p:blipFill>
+          <a:blip r:embed="rId3"/>
+          <a:stretch>
+            <a:fillRect/>
+          </a:stretch>
+        </p:blipFill>
+        <p:spPr>
+          <a:xfrm>
+            <a:off x="9660478" y="6174241"/>
+            <a:ext cx="2424546" cy="582578"/>
+          </a:xfrm>
+          <a:prstGeom prst="rect">
+            <a:avLst/>
+          </a:prstGeom>
+        </p:spPr>
+      </p:pic>
+      <p:sp>
+        <p:nvSpPr>
+          <p:cNvPr id="7" name="Date Placeholder 6">
+            <a:extLst>
+              <a:ext uri="{FF2B5EF4-FFF2-40B4-BE49-F238E27FC236}">
+                <a16:creationId xmlns:a16="http://schemas.microsoft.com/office/drawing/2014/main" id="{D6626C82-E769-4C8D-8A49-DD4DFACBFB9B}"/>
+              </a:ext>
+            </a:extLst>
+          </p:cNvPr>
+          <p:cNvSpPr>
+            <a:spLocks noGrp="1"/>
+          </p:cNvSpPr>
+          <p:nvPr>
+            <p:ph type="dt" sz="half" idx="10"/>
+          </p:nvPr>
+        </p:nvSpPr>
+        <p:spPr/>
+        <p:txBody>
+          <a:bodyPr/>
+          <a:lstStyle/>
+          <a:p>
+            <a:r>
+              <a:rPr lang="en-US"/>
+              <a:t>9/14/2020</a:t>
+            </a:r>
+          </a:p>
+        </p:txBody>
+      </p:sp>
+      <p:sp>
+        <p:nvSpPr>
+          <p:cNvPr id="9" name="Slide Number Placeholder 8">
+            <a:extLst>
+              <a:ext uri="{FF2B5EF4-FFF2-40B4-BE49-F238E27FC236}">
+                <a16:creationId xmlns:a16="http://schemas.microsoft.com/office/drawing/2014/main" id="{053488C1-31C0-4DB3-AAD7-B7377A2E433D}"/>
+              </a:ext>
+            </a:extLst>
+          </p:cNvPr>
+          <p:cNvSpPr>
+            <a:spLocks noGrp="1"/>
+          </p:cNvSpPr>
+          <p:nvPr>
+            <p:ph type="sldNum" sz="quarter" idx="12"/>
+          </p:nvPr>
+        </p:nvSpPr>
+        <p:spPr>
+          <a:xfrm>
+            <a:off x="4237220" y="6309037"/>
+            <a:ext cx="2743200" cy="365125"/>
+          </a:xfrm>
+        </p:spPr>
+        <p:txBody>
+          <a:bodyPr/>
+          <a:lstStyle/>
+          <a:p>
+            <a:fld id="{330EA680-D336-4FF7-8B7A-9848BB0A1C32}" type="slidenum">
+              <a:rPr lang="en-US" smtClean="0"/>
+              <a:t>5</a:t>
+            </a:fld>
+            <a:endParaRPr lang="en-US"/>
+          </a:p>
+        </p:txBody>
+      </p:sp>
     </p:spTree>
     <p:extLst>
       <p:ext uri="{BB962C8B-B14F-4D97-AF65-F5344CB8AC3E}">
@@ -8811,6 +12966,60 @@
       </p:grpSpPr>
       <p:sp>
         <p:nvSpPr>
+          <p:cNvPr id="6" name="Rectangle 5">
+            <a:extLst>
+              <a:ext uri="{FF2B5EF4-FFF2-40B4-BE49-F238E27FC236}">
+                <a16:creationId xmlns:a16="http://schemas.microsoft.com/office/drawing/2014/main" id="{4FF594AB-9518-4C3E-B78C-18D793EE968E}"/>
+              </a:ext>
+            </a:extLst>
+          </p:cNvPr>
+          <p:cNvSpPr/>
+          <p:nvPr/>
+        </p:nvSpPr>
+        <p:spPr>
+          <a:xfrm>
+            <a:off x="4996" y="-1250"/>
+            <a:ext cx="12191998" cy="1124260"/>
+          </a:xfrm>
+          <a:prstGeom prst="rect">
+            <a:avLst/>
+          </a:prstGeom>
+          <a:solidFill>
+            <a:srgbClr val="ED7D31"/>
+          </a:solidFill>
+          <a:ln>
+            <a:noFill/>
+          </a:ln>
+        </p:spPr>
+        <p:style>
+          <a:lnRef idx="2">
+            <a:schemeClr val="accent1">
+              <a:shade val="50000"/>
+            </a:schemeClr>
+          </a:lnRef>
+          <a:fillRef idx="1">
+            <a:schemeClr val="accent1"/>
+          </a:fillRef>
+          <a:effectRef idx="0">
+            <a:schemeClr val="accent1"/>
+          </a:effectRef>
+          <a:fontRef idx="minor">
+            <a:schemeClr val="lt1"/>
+          </a:fontRef>
+        </p:style>
+        <p:txBody>
+          <a:bodyPr rtlCol="0" anchor="ctr"/>
+          <a:lstStyle/>
+          <a:p>
+            <a:pPr algn="ctr"/>
+            <a:endParaRPr lang="en-US" dirty="0">
+              <a:cs typeface="Calibri"/>
+            </a:endParaRPr>
+          </a:p>
+        </p:txBody>
+      </p:sp>
+      <p:sp>
+        <p:nvSpPr>
           <p:cNvPr id="2" name="Title 1">
             <a:extLst>
               <a:ext uri="{FF2B5EF4-FFF2-40B4-BE49-F238E27FC236}">
@@ -8825,7 +13034,12 @@
             <p:ph type="title"/>
           </p:nvPr>
         </p:nvSpPr>
-        <p:spPr/>
+        <p:spPr>
+          <a:xfrm>
+            <a:off x="338528" y="-47104"/>
+            <a:ext cx="10515600" cy="1325563"/>
+          </a:xfrm>
+        </p:spPr>
         <p:txBody>
           <a:bodyPr/>
           <a:lstStyle/>
@@ -9064,6 +13278,93 @@
             <a:endParaRPr lang="en-US" dirty="0">
               <a:cs typeface="Calibri"/>
             </a:endParaRPr>
+          </a:p>
+        </p:txBody>
+      </p:sp>
+      <p:pic>
+        <p:nvPicPr>
+          <p:cNvPr id="8" name="Picture 6" descr="A picture containing drawing&#10;&#10;Description automatically generated">
+            <a:extLst>
+              <a:ext uri="{FF2B5EF4-FFF2-40B4-BE49-F238E27FC236}">
+                <a16:creationId xmlns:a16="http://schemas.microsoft.com/office/drawing/2014/main" id="{72A9941B-7A2E-4F83-A40C-C2210FE60DFC}"/>
+              </a:ext>
+            </a:extLst>
+          </p:cNvPr>
+          <p:cNvPicPr>
+            <a:picLocks noChangeAspect="1"/>
+          </p:cNvPicPr>
+          <p:nvPr/>
+        </p:nvPicPr>
+        <p:blipFill>
+          <a:blip r:embed="rId2"/>
+          <a:stretch>
+            <a:fillRect/>
+          </a:stretch>
+        </p:blipFill>
+        <p:spPr>
+          <a:xfrm>
+            <a:off x="9660478" y="6174241"/>
+            <a:ext cx="2424546" cy="582578"/>
+          </a:xfrm>
+          <a:prstGeom prst="rect">
+            <a:avLst/>
+          </a:prstGeom>
+        </p:spPr>
+      </p:pic>
+      <p:sp>
+        <p:nvSpPr>
+          <p:cNvPr id="7" name="Date Placeholder 6">
+            <a:extLst>
+              <a:ext uri="{FF2B5EF4-FFF2-40B4-BE49-F238E27FC236}">
+                <a16:creationId xmlns:a16="http://schemas.microsoft.com/office/drawing/2014/main" id="{9D39370B-6529-44C4-9F1F-13A91B9DDFC0}"/>
+              </a:ext>
+            </a:extLst>
+          </p:cNvPr>
+          <p:cNvSpPr>
+            <a:spLocks noGrp="1"/>
+          </p:cNvSpPr>
+          <p:nvPr>
+            <p:ph type="dt" sz="half" idx="10"/>
+          </p:nvPr>
+        </p:nvSpPr>
+        <p:spPr/>
+        <p:txBody>
+          <a:bodyPr/>
+          <a:lstStyle/>
+          <a:p>
+            <a:r>
+              <a:rPr lang="en-US"/>
+              <a:t>9/14/2020</a:t>
+            </a:r>
+          </a:p>
+        </p:txBody>
+      </p:sp>
+      <p:sp>
+        <p:nvSpPr>
+          <p:cNvPr id="9" name="Slide Number Placeholder 8">
+            <a:extLst>
+              <a:ext uri="{FF2B5EF4-FFF2-40B4-BE49-F238E27FC236}">
+                <a16:creationId xmlns:a16="http://schemas.microsoft.com/office/drawing/2014/main" id="{E41DA642-0952-48CD-85B2-2E861BAF0D59}"/>
+              </a:ext>
+            </a:extLst>
+          </p:cNvPr>
+          <p:cNvSpPr>
+            <a:spLocks noGrp="1"/>
+          </p:cNvSpPr>
+          <p:nvPr>
+            <p:ph type="sldNum" sz="quarter" idx="12"/>
+          </p:nvPr>
+        </p:nvSpPr>
+        <p:spPr/>
+        <p:txBody>
+          <a:bodyPr/>
+          <a:lstStyle/>
+          <a:p>
+            <a:fld id="{330EA680-D336-4FF7-8B7A-9848BB0A1C32}" type="slidenum">
+              <a:rPr lang="en-US" smtClean="0"/>
+              <a:t>6</a:t>
+            </a:fld>
+            <a:endParaRPr lang="en-US"/>
           </a:p>
         </p:txBody>
       </p:sp>
@@ -9156,6 +13457,191 @@
           </a:p>
         </p:txBody>
       </p:sp>
+      <p:sp>
+        <p:nvSpPr>
+          <p:cNvPr id="7" name="Rectangle 6">
+            <a:extLst>
+              <a:ext uri="{FF2B5EF4-FFF2-40B4-BE49-F238E27FC236}">
+                <a16:creationId xmlns:a16="http://schemas.microsoft.com/office/drawing/2014/main" id="{F2DC6FE2-2797-4968-A1E1-DBE10A0DFC98}"/>
+              </a:ext>
+            </a:extLst>
+          </p:cNvPr>
+          <p:cNvSpPr/>
+          <p:nvPr/>
+        </p:nvSpPr>
+        <p:spPr>
+          <a:xfrm>
+            <a:off x="4996" y="-1250"/>
+            <a:ext cx="12191998" cy="1124260"/>
+          </a:xfrm>
+          <a:prstGeom prst="rect">
+            <a:avLst/>
+          </a:prstGeom>
+          <a:solidFill>
+            <a:schemeClr val="tx1">
+              <a:lumMod val="50000"/>
+              <a:lumOff val="50000"/>
+            </a:schemeClr>
+          </a:solidFill>
+          <a:ln>
+            <a:noFill/>
+          </a:ln>
+        </p:spPr>
+        <p:style>
+          <a:lnRef idx="2">
+            <a:schemeClr val="accent1">
+              <a:shade val="50000"/>
+            </a:schemeClr>
+          </a:lnRef>
+          <a:fillRef idx="1">
+            <a:schemeClr val="accent1"/>
+          </a:fillRef>
+          <a:effectRef idx="0">
+            <a:schemeClr val="accent1"/>
+          </a:effectRef>
+          <a:fontRef idx="minor">
+            <a:schemeClr val="lt1"/>
+          </a:fontRef>
+        </p:style>
+        <p:txBody>
+          <a:bodyPr rtlCol="0" anchor="ctr"/>
+          <a:lstStyle/>
+          <a:p>
+            <a:pPr algn="ctr"/>
+            <a:endParaRPr lang="en-US" dirty="0">
+              <a:cs typeface="Calibri"/>
+            </a:endParaRPr>
+          </a:p>
+        </p:txBody>
+      </p:sp>
+      <p:pic>
+        <p:nvPicPr>
+          <p:cNvPr id="9" name="Graphic 9">
+            <a:extLst>
+              <a:ext uri="{FF2B5EF4-FFF2-40B4-BE49-F238E27FC236}">
+                <a16:creationId xmlns:a16="http://schemas.microsoft.com/office/drawing/2014/main" id="{79E6F845-C912-4FCB-BACD-6E5FA63BE444}"/>
+              </a:ext>
+            </a:extLst>
+          </p:cNvPr>
+          <p:cNvPicPr>
+            <a:picLocks noChangeAspect="1"/>
+          </p:cNvPicPr>
+          <p:nvPr/>
+        </p:nvPicPr>
+        <p:blipFill>
+          <a:blip r:embed="rId2">
+            <a:extLst>
+              <a:ext uri="{96DAC541-7B7A-43D3-8B79-37D633B846F1}">
+                <asvg:svgBlip xmlns:asvg="http://schemas.microsoft.com/office/drawing/2016/SVG/main" r:embed="rId3"/>
+              </a:ext>
+            </a:extLst>
+          </a:blip>
+          <a:stretch>
+            <a:fillRect/>
+          </a:stretch>
+        </p:blipFill>
+        <p:spPr>
+          <a:xfrm>
+            <a:off x="2497" y="3859"/>
+            <a:ext cx="1881265" cy="1116543"/>
+          </a:xfrm>
+          <a:prstGeom prst="rect">
+            <a:avLst/>
+          </a:prstGeom>
+        </p:spPr>
+      </p:pic>
+      <p:pic>
+        <p:nvPicPr>
+          <p:cNvPr id="11" name="Picture 6" descr="A picture containing drawing&#10;&#10;Description automatically generated">
+            <a:extLst>
+              <a:ext uri="{FF2B5EF4-FFF2-40B4-BE49-F238E27FC236}">
+                <a16:creationId xmlns:a16="http://schemas.microsoft.com/office/drawing/2014/main" id="{A267CEA4-DDED-4B18-AC5D-7BBAB0692831}"/>
+              </a:ext>
+            </a:extLst>
+          </p:cNvPr>
+          <p:cNvPicPr>
+            <a:picLocks noChangeAspect="1"/>
+          </p:cNvPicPr>
+          <p:nvPr/>
+        </p:nvPicPr>
+        <p:blipFill>
+          <a:blip r:embed="rId4"/>
+          <a:stretch>
+            <a:fillRect/>
+          </a:stretch>
+        </p:blipFill>
+        <p:spPr>
+          <a:xfrm>
+            <a:off x="9660478" y="6174241"/>
+            <a:ext cx="2424546" cy="582578"/>
+          </a:xfrm>
+          <a:prstGeom prst="rect">
+            <a:avLst/>
+          </a:prstGeom>
+        </p:spPr>
+      </p:pic>
+      <p:sp>
+        <p:nvSpPr>
+          <p:cNvPr id="5" name="Date Placeholder 4">
+            <a:extLst>
+              <a:ext uri="{FF2B5EF4-FFF2-40B4-BE49-F238E27FC236}">
+                <a16:creationId xmlns:a16="http://schemas.microsoft.com/office/drawing/2014/main" id="{4114E9FE-609A-44F2-B180-04A278E21898}"/>
+              </a:ext>
+            </a:extLst>
+          </p:cNvPr>
+          <p:cNvSpPr>
+            <a:spLocks noGrp="1"/>
+          </p:cNvSpPr>
+          <p:nvPr>
+            <p:ph type="dt" sz="half" idx="10"/>
+          </p:nvPr>
+        </p:nvSpPr>
+        <p:spPr/>
+        <p:txBody>
+          <a:bodyPr/>
+          <a:lstStyle/>
+          <a:p>
+            <a:r>
+              <a:rPr lang="en-US"/>
+              <a:t>9/14/2020</a:t>
+            </a:r>
+          </a:p>
+        </p:txBody>
+      </p:sp>
+      <p:sp>
+        <p:nvSpPr>
+          <p:cNvPr id="6" name="Slide Number Placeholder 5">
+            <a:extLst>
+              <a:ext uri="{FF2B5EF4-FFF2-40B4-BE49-F238E27FC236}">
+                <a16:creationId xmlns:a16="http://schemas.microsoft.com/office/drawing/2014/main" id="{5DC1399C-0059-4BB1-A14E-ED41EBDCA825}"/>
+              </a:ext>
+            </a:extLst>
+          </p:cNvPr>
+          <p:cNvSpPr>
+            <a:spLocks noGrp="1"/>
+          </p:cNvSpPr>
+          <p:nvPr>
+            <p:ph type="sldNum" sz="quarter" idx="12"/>
+          </p:nvPr>
+        </p:nvSpPr>
+        <p:spPr>
+          <a:xfrm>
+            <a:off x="4718050" y="6282967"/>
+            <a:ext cx="2743200" cy="365125"/>
+          </a:xfrm>
+        </p:spPr>
+        <p:txBody>
+          <a:bodyPr/>
+          <a:lstStyle/>
+          <a:p>
+            <a:fld id="{330EA680-D336-4FF7-8B7A-9848BB0A1C32}" type="slidenum">
+              <a:rPr lang="en-US" smtClean="0"/>
+              <a:t>7</a:t>
+            </a:fld>
+            <a:endParaRPr lang="en-US"/>
+          </a:p>
+        </p:txBody>
+      </p:sp>
     </p:spTree>
     <p:extLst>
       <p:ext uri="{BB962C8B-B14F-4D97-AF65-F5344CB8AC3E}">
@@ -9188,6 +13674,60 @@
       </p:grpSpPr>
       <p:sp>
         <p:nvSpPr>
+          <p:cNvPr id="3" name="Rectangle 2">
+            <a:extLst>
+              <a:ext uri="{FF2B5EF4-FFF2-40B4-BE49-F238E27FC236}">
+                <a16:creationId xmlns:a16="http://schemas.microsoft.com/office/drawing/2014/main" id="{C854DE20-CC57-47C4-A989-55E0642A1654}"/>
+              </a:ext>
+            </a:extLst>
+          </p:cNvPr>
+          <p:cNvSpPr/>
+          <p:nvPr/>
+        </p:nvSpPr>
+        <p:spPr>
+          <a:xfrm>
+            <a:off x="4996" y="11242"/>
+            <a:ext cx="12191998" cy="1124260"/>
+          </a:xfrm>
+          <a:prstGeom prst="rect">
+            <a:avLst/>
+          </a:prstGeom>
+          <a:solidFill>
+            <a:srgbClr val="ED7D31"/>
+          </a:solidFill>
+          <a:ln>
+            <a:noFill/>
+          </a:ln>
+        </p:spPr>
+        <p:style>
+          <a:lnRef idx="2">
+            <a:schemeClr val="accent1">
+              <a:shade val="50000"/>
+            </a:schemeClr>
+          </a:lnRef>
+          <a:fillRef idx="1">
+            <a:schemeClr val="accent1"/>
+          </a:fillRef>
+          <a:effectRef idx="0">
+            <a:schemeClr val="accent1"/>
+          </a:effectRef>
+          <a:fontRef idx="minor">
+            <a:schemeClr val="lt1"/>
+          </a:fontRef>
+        </p:style>
+        <p:txBody>
+          <a:bodyPr rtlCol="0" anchor="ctr"/>
+          <a:lstStyle/>
+          <a:p>
+            <a:pPr algn="ctr"/>
+            <a:endParaRPr lang="en-US" dirty="0">
+              <a:cs typeface="Calibri"/>
+            </a:endParaRPr>
+          </a:p>
+        </p:txBody>
+      </p:sp>
+      <p:sp>
+        <p:nvSpPr>
           <p:cNvPr id="2" name="Title 1">
             <a:extLst>
               <a:ext uri="{FF2B5EF4-FFF2-40B4-BE49-F238E27FC236}">
@@ -9202,7 +13742,12 @@
             <p:ph type="title"/>
           </p:nvPr>
         </p:nvSpPr>
-        <p:spPr/>
+        <p:spPr>
+          <a:xfrm>
+            <a:off x="76200" y="-84580"/>
+            <a:ext cx="10515600" cy="1325563"/>
+          </a:xfrm>
+        </p:spPr>
         <p:txBody>
           <a:bodyPr/>
           <a:lstStyle/>
@@ -9211,7 +13756,7 @@
               <a:rPr lang="en-US" dirty="0">
                 <a:cs typeface="Calibri Light"/>
               </a:rPr>
-              <a:t>What is a block</a:t>
+              <a:t>What is a block?</a:t>
             </a:r>
             <a:endParaRPr lang="en-US" dirty="0"/>
           </a:p>
@@ -9427,10 +13972,10 @@
       </p:sp>
       <p:sp>
         <p:nvSpPr>
-          <p:cNvPr id="10" name="Rectangle: Rounded Corners 9">
-            <a:extLst>
-              <a:ext uri="{FF2B5EF4-FFF2-40B4-BE49-F238E27FC236}">
-                <a16:creationId xmlns:a16="http://schemas.microsoft.com/office/drawing/2014/main" id="{F67CB8E4-4BDB-41DF-A9F5-5B3F40568FDC}"/>
+          <p:cNvPr id="12" name="Rectangle: Rounded Corners 11">
+            <a:extLst>
+              <a:ext uri="{FF2B5EF4-FFF2-40B4-BE49-F238E27FC236}">
+                <a16:creationId xmlns:a16="http://schemas.microsoft.com/office/drawing/2014/main" id="{68804974-A6F1-4F29-AA18-33A8E7D66EBD}"/>
               </a:ext>
             </a:extLst>
           </p:cNvPr>
@@ -9439,59 +13984,7 @@
         </p:nvSpPr>
         <p:spPr>
           <a:xfrm>
-            <a:off x="8987168" y="631574"/>
-            <a:ext cx="2875984" cy="401372"/>
-          </a:xfrm>
-          <a:prstGeom prst="roundRect">
-            <a:avLst/>
-          </a:prstGeom>
-        </p:spPr>
-        <p:style>
-          <a:lnRef idx="2">
-            <a:schemeClr val="accent1">
-              <a:shade val="50000"/>
-            </a:schemeClr>
-          </a:lnRef>
-          <a:fillRef idx="1">
-            <a:schemeClr val="accent1"/>
-          </a:fillRef>
-          <a:effectRef idx="0">
-            <a:schemeClr val="accent1"/>
-          </a:effectRef>
-          <a:fontRef idx="minor">
-            <a:schemeClr val="lt1"/>
-          </a:fontRef>
-        </p:style>
-        <p:txBody>
-          <a:bodyPr rtlCol="0" anchor="ctr"/>
-          <a:lstStyle/>
-          <a:p>
-            <a:pPr algn="ctr"/>
-            <a:r>
-              <a:rPr lang="en-US" dirty="0">
-                <a:cs typeface="Calibri"/>
-              </a:rPr>
-              <a:t>User space/code</a:t>
-            </a:r>
-            <a:endParaRPr lang="en-US" dirty="0"/>
-          </a:p>
-        </p:txBody>
-      </p:sp>
-      <p:sp>
-        <p:nvSpPr>
-          <p:cNvPr id="12" name="Rectangle: Rounded Corners 11">
-            <a:extLst>
-              <a:ext uri="{FF2B5EF4-FFF2-40B4-BE49-F238E27FC236}">
-                <a16:creationId xmlns:a16="http://schemas.microsoft.com/office/drawing/2014/main" id="{68804974-A6F1-4F29-AA18-33A8E7D66EBD}"/>
-              </a:ext>
-            </a:extLst>
-          </p:cNvPr>
-          <p:cNvSpPr/>
-          <p:nvPr/>
-        </p:nvSpPr>
-        <p:spPr>
-          <a:xfrm>
-            <a:off x="8987167" y="1129514"/>
+            <a:off x="8987167" y="1616694"/>
             <a:ext cx="2875984" cy="401372"/>
           </a:xfrm>
           <a:prstGeom prst="roundRect">
@@ -9626,7 +14119,7 @@
         </p:nvSpPr>
         <p:spPr>
           <a:xfrm>
-            <a:off x="8987168" y="631574"/>
+            <a:off x="8987168" y="1181213"/>
             <a:ext cx="2875984" cy="401372"/>
           </a:xfrm>
           <a:prstGeom prst="roundRect">
@@ -10019,6 +14512,98 @@
           </a:p>
         </p:txBody>
       </p:sp>
+      <p:pic>
+        <p:nvPicPr>
+          <p:cNvPr id="4" name="Picture 6" descr="A picture containing drawing&#10;&#10;Description automatically generated">
+            <a:extLst>
+              <a:ext uri="{FF2B5EF4-FFF2-40B4-BE49-F238E27FC236}">
+                <a16:creationId xmlns:a16="http://schemas.microsoft.com/office/drawing/2014/main" id="{C199F655-1941-4EB0-B9A1-94C6E27FEE4E}"/>
+              </a:ext>
+            </a:extLst>
+          </p:cNvPr>
+          <p:cNvPicPr>
+            <a:picLocks noChangeAspect="1"/>
+          </p:cNvPicPr>
+          <p:nvPr/>
+        </p:nvPicPr>
+        <p:blipFill>
+          <a:blip r:embed="rId2"/>
+          <a:stretch>
+            <a:fillRect/>
+          </a:stretch>
+        </p:blipFill>
+        <p:spPr>
+          <a:xfrm>
+            <a:off x="9660478" y="6174241"/>
+            <a:ext cx="2424546" cy="582578"/>
+          </a:xfrm>
+          <a:prstGeom prst="rect">
+            <a:avLst/>
+          </a:prstGeom>
+        </p:spPr>
+      </p:pic>
+      <p:sp>
+        <p:nvSpPr>
+          <p:cNvPr id="10" name="Date Placeholder 9">
+            <a:extLst>
+              <a:ext uri="{FF2B5EF4-FFF2-40B4-BE49-F238E27FC236}">
+                <a16:creationId xmlns:a16="http://schemas.microsoft.com/office/drawing/2014/main" id="{698E4EE3-A9EC-416E-8075-302F443FBC7F}"/>
+              </a:ext>
+            </a:extLst>
+          </p:cNvPr>
+          <p:cNvSpPr>
+            <a:spLocks noGrp="1"/>
+          </p:cNvSpPr>
+          <p:nvPr>
+            <p:ph type="dt" sz="half" idx="10"/>
+          </p:nvPr>
+        </p:nvSpPr>
+        <p:spPr/>
+        <p:txBody>
+          <a:bodyPr/>
+          <a:lstStyle/>
+          <a:p>
+            <a:r>
+              <a:rPr lang="en-US"/>
+              <a:t>9/14/2020</a:t>
+            </a:r>
+          </a:p>
+        </p:txBody>
+      </p:sp>
+      <p:sp>
+        <p:nvSpPr>
+          <p:cNvPr id="11" name="Slide Number Placeholder 10">
+            <a:extLst>
+              <a:ext uri="{FF2B5EF4-FFF2-40B4-BE49-F238E27FC236}">
+                <a16:creationId xmlns:a16="http://schemas.microsoft.com/office/drawing/2014/main" id="{005EF413-92B6-4BC8-8F3B-47F4AC48D8A5}"/>
+              </a:ext>
+            </a:extLst>
+          </p:cNvPr>
+          <p:cNvSpPr>
+            <a:spLocks noGrp="1"/>
+          </p:cNvSpPr>
+          <p:nvPr>
+            <p:ph type="sldNum" sz="quarter" idx="12"/>
+          </p:nvPr>
+        </p:nvSpPr>
+        <p:spPr>
+          <a:xfrm>
+            <a:off x="4724400" y="6391694"/>
+            <a:ext cx="2743200" cy="365125"/>
+          </a:xfrm>
+        </p:spPr>
+        <p:txBody>
+          <a:bodyPr/>
+          <a:lstStyle/>
+          <a:p>
+            <a:fld id="{330EA680-D336-4FF7-8B7A-9848BB0A1C32}" type="slidenum">
+              <a:rPr lang="en-US" smtClean="0"/>
+              <a:t>8</a:t>
+            </a:fld>
+            <a:endParaRPr lang="en-US"/>
+          </a:p>
+        </p:txBody>
+      </p:sp>
     </p:spTree>
     <p:extLst>
       <p:ext uri="{BB962C8B-B14F-4D97-AF65-F5344CB8AC3E}">
@@ -10051,32 +14636,55 @@
       </p:grpSpPr>
       <p:sp>
         <p:nvSpPr>
-          <p:cNvPr id="2" name="Title 1">
-            <a:extLst>
-              <a:ext uri="{FF2B5EF4-FFF2-40B4-BE49-F238E27FC236}">
-                <a16:creationId xmlns:a16="http://schemas.microsoft.com/office/drawing/2014/main" id="{634B3566-F5BE-41D3-944B-273E1AA0DAB8}"/>
-              </a:ext>
-            </a:extLst>
-          </p:cNvPr>
-          <p:cNvSpPr>
-            <a:spLocks noGrp="1"/>
-          </p:cNvSpPr>
-          <p:nvPr>
-            <p:ph type="title"/>
-          </p:nvPr>
-        </p:nvSpPr>
-        <p:spPr/>
-        <p:txBody>
-          <a:bodyPr/>
-          <a:lstStyle/>
-          <a:p>
-            <a:r>
-              <a:rPr lang="en-US" dirty="0">
-                <a:cs typeface="Calibri Light"/>
-              </a:rPr>
-              <a:t>What is a block</a:t>
-            </a:r>
-            <a:endParaRPr lang="en-US" dirty="0"/>
+          <p:cNvPr id="4" name="Rectangle 3">
+            <a:extLst>
+              <a:ext uri="{FF2B5EF4-FFF2-40B4-BE49-F238E27FC236}">
+                <a16:creationId xmlns:a16="http://schemas.microsoft.com/office/drawing/2014/main" id="{16569995-FE1D-4AB0-A11D-23D5B0FF9BB3}"/>
+              </a:ext>
+            </a:extLst>
+          </p:cNvPr>
+          <p:cNvSpPr/>
+          <p:nvPr/>
+        </p:nvSpPr>
+        <p:spPr>
+          <a:xfrm>
+            <a:off x="4996" y="-1250"/>
+            <a:ext cx="12191998" cy="1124260"/>
+          </a:xfrm>
+          <a:prstGeom prst="rect">
+            <a:avLst/>
+          </a:prstGeom>
+          <a:solidFill>
+            <a:srgbClr val="ED7D31"/>
+          </a:solidFill>
+          <a:ln>
+            <a:noFill/>
+          </a:ln>
+        </p:spPr>
+        <p:style>
+          <a:lnRef idx="2">
+            <a:schemeClr val="accent1">
+              <a:shade val="50000"/>
+            </a:schemeClr>
+          </a:lnRef>
+          <a:fillRef idx="1">
+            <a:schemeClr val="accent1"/>
+          </a:fillRef>
+          <a:effectRef idx="0">
+            <a:schemeClr val="accent1"/>
+          </a:effectRef>
+          <a:fontRef idx="minor">
+            <a:schemeClr val="lt1"/>
+          </a:fontRef>
+        </p:style>
+        <p:txBody>
+          <a:bodyPr rtlCol="0" anchor="ctr"/>
+          <a:lstStyle/>
+          <a:p>
+            <a:pPr algn="ctr"/>
+            <a:endParaRPr lang="en-US" dirty="0">
+              <a:cs typeface="Calibri"/>
+            </a:endParaRPr>
           </a:p>
         </p:txBody>
       </p:sp>
@@ -10285,121 +14893,6 @@
               <a:t>User defined methods</a:t>
             </a:r>
             <a:endParaRPr lang="en-US" dirty="0"/>
-          </a:p>
-        </p:txBody>
-      </p:sp>
-      <p:sp>
-        <p:nvSpPr>
-          <p:cNvPr id="10" name="Rectangle: Rounded Corners 9">
-            <a:extLst>
-              <a:ext uri="{FF2B5EF4-FFF2-40B4-BE49-F238E27FC236}">
-                <a16:creationId xmlns:a16="http://schemas.microsoft.com/office/drawing/2014/main" id="{F67CB8E4-4BDB-41DF-A9F5-5B3F40568FDC}"/>
-              </a:ext>
-            </a:extLst>
-          </p:cNvPr>
-          <p:cNvSpPr/>
-          <p:nvPr/>
-        </p:nvSpPr>
-        <p:spPr>
-          <a:xfrm>
-            <a:off x="8987168" y="631574"/>
-            <a:ext cx="2875984" cy="401372"/>
-          </a:xfrm>
-          <a:prstGeom prst="roundRect">
-            <a:avLst/>
-          </a:prstGeom>
-        </p:spPr>
-        <p:style>
-          <a:lnRef idx="2">
-            <a:schemeClr val="accent1">
-              <a:shade val="50000"/>
-            </a:schemeClr>
-          </a:lnRef>
-          <a:fillRef idx="1">
-            <a:schemeClr val="accent1"/>
-          </a:fillRef>
-          <a:effectRef idx="0">
-            <a:schemeClr val="accent1"/>
-          </a:effectRef>
-          <a:fontRef idx="minor">
-            <a:schemeClr val="lt1"/>
-          </a:fontRef>
-        </p:style>
-        <p:txBody>
-          <a:bodyPr rtlCol="0" anchor="ctr"/>
-          <a:lstStyle/>
-          <a:p>
-            <a:pPr algn="ctr"/>
-            <a:r>
-              <a:rPr lang="en-US" dirty="0">
-                <a:cs typeface="Calibri"/>
-              </a:rPr>
-              <a:t>User space/code</a:t>
-            </a:r>
-            <a:endParaRPr lang="en-US" dirty="0"/>
-          </a:p>
-        </p:txBody>
-      </p:sp>
-      <p:sp>
-        <p:nvSpPr>
-          <p:cNvPr id="12" name="Rectangle: Rounded Corners 11">
-            <a:extLst>
-              <a:ext uri="{FF2B5EF4-FFF2-40B4-BE49-F238E27FC236}">
-                <a16:creationId xmlns:a16="http://schemas.microsoft.com/office/drawing/2014/main" id="{68804974-A6F1-4F29-AA18-33A8E7D66EBD}"/>
-              </a:ext>
-            </a:extLst>
-          </p:cNvPr>
-          <p:cNvSpPr/>
-          <p:nvPr/>
-        </p:nvSpPr>
-        <p:spPr>
-          <a:xfrm>
-            <a:off x="8987167" y="1129514"/>
-            <a:ext cx="2875984" cy="401372"/>
-          </a:xfrm>
-          <a:prstGeom prst="roundRect">
-            <a:avLst/>
-          </a:prstGeom>
-          <a:solidFill>
-            <a:schemeClr val="bg1">
-              <a:lumMod val="65000"/>
-            </a:schemeClr>
-          </a:solidFill>
-        </p:spPr>
-        <p:style>
-          <a:lnRef idx="2">
-            <a:schemeClr val="accent1">
-              <a:shade val="50000"/>
-            </a:schemeClr>
-          </a:lnRef>
-          <a:fillRef idx="1">
-            <a:schemeClr val="accent1"/>
-          </a:fillRef>
-          <a:effectRef idx="0">
-            <a:schemeClr val="accent1"/>
-          </a:effectRef>
-          <a:fontRef idx="minor">
-            <a:schemeClr val="lt1"/>
-          </a:fontRef>
-        </p:style>
-        <p:txBody>
-          <a:bodyPr rtlCol="0" anchor="ctr"/>
-          <a:lstStyle/>
-          <a:p>
-            <a:pPr algn="ctr"/>
-            <a:r>
-              <a:rPr lang="en-US" dirty="0" err="1">
-                <a:cs typeface="Calibri"/>
-              </a:rPr>
-              <a:t>GNURadio</a:t>
-            </a:r>
-            <a:r>
-              <a:rPr lang="en-US" dirty="0">
-                <a:cs typeface="Calibri"/>
-              </a:rPr>
-              <a:t> Scheduler </a:t>
-            </a:r>
-            <a:endParaRPr lang="en-US"/>
           </a:p>
         </p:txBody>
       </p:sp>
@@ -10477,10 +14970,10 @@
       </p:sp>
       <p:sp>
         <p:nvSpPr>
-          <p:cNvPr id="15" name="Rectangle: Rounded Corners 14">
-            <a:extLst>
-              <a:ext uri="{FF2B5EF4-FFF2-40B4-BE49-F238E27FC236}">
-                <a16:creationId xmlns:a16="http://schemas.microsoft.com/office/drawing/2014/main" id="{F721A761-841D-4C34-9092-9A057A1802F2}"/>
+          <p:cNvPr id="16" name="Rectangle: Rounded Corners 15">
+            <a:extLst>
+              <a:ext uri="{FF2B5EF4-FFF2-40B4-BE49-F238E27FC236}">
+                <a16:creationId xmlns:a16="http://schemas.microsoft.com/office/drawing/2014/main" id="{5B691619-7261-4E77-8A13-C57A4616B5CF}"/>
               </a:ext>
             </a:extLst>
           </p:cNvPr>
@@ -10489,7 +14982,410 @@
         </p:nvSpPr>
         <p:spPr>
           <a:xfrm>
-            <a:off x="8987168" y="631574"/>
+            <a:off x="8729709" y="4161482"/>
+            <a:ext cx="2053627" cy="1714121"/>
+          </a:xfrm>
+          <a:prstGeom prst="roundRect">
+            <a:avLst/>
+          </a:prstGeom>
+          <a:solidFill>
+            <a:schemeClr val="bg1">
+              <a:lumMod val="65000"/>
+            </a:schemeClr>
+          </a:solidFill>
+        </p:spPr>
+        <p:style>
+          <a:lnRef idx="2">
+            <a:schemeClr val="accent1">
+              <a:shade val="50000"/>
+            </a:schemeClr>
+          </a:lnRef>
+          <a:fillRef idx="1">
+            <a:schemeClr val="accent1"/>
+          </a:fillRef>
+          <a:effectRef idx="0">
+            <a:schemeClr val="accent1"/>
+          </a:effectRef>
+          <a:fontRef idx="minor">
+            <a:schemeClr val="lt1"/>
+          </a:fontRef>
+        </p:style>
+        <p:txBody>
+          <a:bodyPr rtlCol="0" anchor="ctr"/>
+          <a:lstStyle/>
+          <a:p>
+            <a:pPr algn="ctr"/>
+            <a:r>
+              <a:rPr lang="en-US" dirty="0">
+                <a:cs typeface="Calibri"/>
+              </a:rPr>
+              <a:t>Output</a:t>
+            </a:r>
+            <a:endParaRPr lang="en-US" dirty="0"/>
+          </a:p>
+          <a:p>
+            <a:pPr algn="ctr"/>
+            <a:endParaRPr lang="en-US" dirty="0">
+              <a:cs typeface="Calibri"/>
+            </a:endParaRPr>
+          </a:p>
+          <a:p>
+            <a:pPr algn="ctr"/>
+            <a:r>
+              <a:rPr lang="en-US" dirty="0">
+                <a:cs typeface="Calibri"/>
+              </a:rPr>
+              <a:t>Circular ring FIFO </a:t>
+            </a:r>
+            <a:endParaRPr lang="en-US" dirty="0"/>
+          </a:p>
+        </p:txBody>
+      </p:sp>
+      <p:sp>
+        <p:nvSpPr>
+          <p:cNvPr id="17" name="Arrow: Right 16">
+            <a:extLst>
+              <a:ext uri="{FF2B5EF4-FFF2-40B4-BE49-F238E27FC236}">
+                <a16:creationId xmlns:a16="http://schemas.microsoft.com/office/drawing/2014/main" id="{A17B0C48-D24A-4B9B-AE83-8D59FDC6B79B}"/>
+              </a:ext>
+            </a:extLst>
+          </p:cNvPr>
+          <p:cNvSpPr/>
+          <p:nvPr/>
+        </p:nvSpPr>
+        <p:spPr>
+          <a:xfrm>
+            <a:off x="3612204" y="4775756"/>
+            <a:ext cx="978408" cy="484632"/>
+          </a:xfrm>
+          <a:prstGeom prst="rightArrow">
+            <a:avLst/>
+          </a:prstGeom>
+          <a:solidFill>
+            <a:schemeClr val="tx1"/>
+          </a:solidFill>
+        </p:spPr>
+        <p:style>
+          <a:lnRef idx="2">
+            <a:schemeClr val="accent1">
+              <a:shade val="50000"/>
+            </a:schemeClr>
+          </a:lnRef>
+          <a:fillRef idx="1">
+            <a:schemeClr val="accent1"/>
+          </a:fillRef>
+          <a:effectRef idx="0">
+            <a:schemeClr val="accent1"/>
+          </a:effectRef>
+          <a:fontRef idx="minor">
+            <a:schemeClr val="lt1"/>
+          </a:fontRef>
+        </p:style>
+        <p:txBody>
+          <a:bodyPr rtlCol="0" anchor="ctr"/>
+          <a:lstStyle/>
+          <a:p>
+            <a:pPr algn="ctr"/>
+            <a:endParaRPr lang="en-US"/>
+          </a:p>
+        </p:txBody>
+      </p:sp>
+      <p:sp>
+        <p:nvSpPr>
+          <p:cNvPr id="18" name="Arrow: Right 17">
+            <a:extLst>
+              <a:ext uri="{FF2B5EF4-FFF2-40B4-BE49-F238E27FC236}">
+                <a16:creationId xmlns:a16="http://schemas.microsoft.com/office/drawing/2014/main" id="{149D1F30-6665-4647-8C89-4A4AD6ABFC6D}"/>
+              </a:ext>
+            </a:extLst>
+          </p:cNvPr>
+          <p:cNvSpPr/>
+          <p:nvPr/>
+        </p:nvSpPr>
+        <p:spPr>
+          <a:xfrm>
+            <a:off x="7754164" y="4775755"/>
+            <a:ext cx="978408" cy="484632"/>
+          </a:xfrm>
+          <a:prstGeom prst="rightArrow">
+            <a:avLst/>
+          </a:prstGeom>
+          <a:solidFill>
+            <a:schemeClr val="tx1"/>
+          </a:solidFill>
+        </p:spPr>
+        <p:style>
+          <a:lnRef idx="2">
+            <a:schemeClr val="accent1">
+              <a:shade val="50000"/>
+            </a:schemeClr>
+          </a:lnRef>
+          <a:fillRef idx="1">
+            <a:schemeClr val="accent1"/>
+          </a:fillRef>
+          <a:effectRef idx="0">
+            <a:schemeClr val="accent1"/>
+          </a:effectRef>
+          <a:fontRef idx="minor">
+            <a:schemeClr val="lt1"/>
+          </a:fontRef>
+        </p:style>
+        <p:txBody>
+          <a:bodyPr rtlCol="0" anchor="ctr"/>
+          <a:lstStyle/>
+          <a:p>
+            <a:pPr algn="ctr"/>
+            <a:endParaRPr lang="en-US"/>
+          </a:p>
+        </p:txBody>
+      </p:sp>
+      <p:sp>
+        <p:nvSpPr>
+          <p:cNvPr id="19" name="Rectangle 18">
+            <a:extLst>
+              <a:ext uri="{FF2B5EF4-FFF2-40B4-BE49-F238E27FC236}">
+                <a16:creationId xmlns:a16="http://schemas.microsoft.com/office/drawing/2014/main" id="{2D0064BA-2E95-4A79-A062-2BEBDBC330FD}"/>
+              </a:ext>
+            </a:extLst>
+          </p:cNvPr>
+          <p:cNvSpPr/>
+          <p:nvPr/>
+        </p:nvSpPr>
+        <p:spPr>
+          <a:xfrm>
+            <a:off x="3387221" y="1768914"/>
+            <a:ext cx="5509035" cy="4384895"/>
+          </a:xfrm>
+          <a:prstGeom prst="rect">
+            <a:avLst/>
+          </a:prstGeom>
+          <a:noFill/>
+        </p:spPr>
+        <p:style>
+          <a:lnRef idx="2">
+            <a:schemeClr val="accent1">
+              <a:shade val="50000"/>
+            </a:schemeClr>
+          </a:lnRef>
+          <a:fillRef idx="1">
+            <a:schemeClr val="accent1"/>
+          </a:fillRef>
+          <a:effectRef idx="0">
+            <a:schemeClr val="accent1"/>
+          </a:effectRef>
+          <a:fontRef idx="minor">
+            <a:schemeClr val="lt1"/>
+          </a:fontRef>
+        </p:style>
+        <p:txBody>
+          <a:bodyPr rtlCol="0" anchor="ctr"/>
+          <a:lstStyle/>
+          <a:p>
+            <a:pPr algn="ctr"/>
+            <a:endParaRPr lang="en-US"/>
+          </a:p>
+        </p:txBody>
+      </p:sp>
+      <p:sp>
+        <p:nvSpPr>
+          <p:cNvPr id="20" name="TextBox 19">
+            <a:extLst>
+              <a:ext uri="{FF2B5EF4-FFF2-40B4-BE49-F238E27FC236}">
+                <a16:creationId xmlns:a16="http://schemas.microsoft.com/office/drawing/2014/main" id="{5ABBDFDE-EA1A-4FFC-83AA-C6D74484DC44}"/>
+              </a:ext>
+            </a:extLst>
+          </p:cNvPr>
+          <p:cNvSpPr txBox="1"/>
+          <p:nvPr/>
+        </p:nvSpPr>
+        <p:spPr>
+          <a:xfrm>
+            <a:off x="3419192" y="1827291"/>
+            <a:ext cx="2743200" cy="369332"/>
+          </a:xfrm>
+          <a:prstGeom prst="rect">
+            <a:avLst/>
+          </a:prstGeom>
+          <a:noFill/>
+        </p:spPr>
+        <p:txBody>
+          <a:bodyPr rot="0" spcFirstLastPara="0" vertOverflow="overflow" horzOverflow="overflow" vert="horz" wrap="square" lIns="91440" tIns="45720" rIns="91440" bIns="45720" numCol="1" spcCol="0" rtlCol="0" fromWordArt="0" anchor="t" anchorCtr="0" forceAA="0" compatLnSpc="1">
+            <a:prstTxWarp prst="textNoShape">
+              <a:avLst/>
+            </a:prstTxWarp>
+            <a:spAutoFit/>
+          </a:bodyPr>
+          <a:lstStyle/>
+          <a:p>
+            <a:r>
+              <a:rPr lang="en-US" dirty="0"/>
+              <a:t>GNURadio Block</a:t>
+            </a:r>
+          </a:p>
+        </p:txBody>
+      </p:sp>
+      <p:sp>
+        <p:nvSpPr>
+          <p:cNvPr id="3" name="TextBox 2">
+            <a:extLst>
+              <a:ext uri="{FF2B5EF4-FFF2-40B4-BE49-F238E27FC236}">
+                <a16:creationId xmlns:a16="http://schemas.microsoft.com/office/drawing/2014/main" id="{3C0484DD-69DA-47B4-951E-B61E6D55F4A2}"/>
+              </a:ext>
+            </a:extLst>
+          </p:cNvPr>
+          <p:cNvSpPr txBox="1"/>
+          <p:nvPr/>
+        </p:nvSpPr>
+        <p:spPr>
+          <a:xfrm rot="2160000">
+            <a:off x="4014450" y="3753818"/>
+            <a:ext cx="4705473" cy="923330"/>
+          </a:xfrm>
+          <a:prstGeom prst="rect">
+            <a:avLst/>
+          </a:prstGeom>
+          <a:noFill/>
+        </p:spPr>
+        <p:txBody>
+          <a:bodyPr rot="0" spcFirstLastPara="0" vertOverflow="overflow" horzOverflow="overflow" vert="horz" wrap="square" lIns="91440" tIns="45720" rIns="91440" bIns="45720" numCol="1" spcCol="0" rtlCol="0" fromWordArt="0" anchor="t" anchorCtr="0" forceAA="0" compatLnSpc="1">
+            <a:prstTxWarp prst="textNoShape">
+              <a:avLst/>
+            </a:prstTxWarp>
+            <a:spAutoFit/>
+          </a:bodyPr>
+          <a:lstStyle/>
+          <a:p>
+            <a:r>
+              <a:rPr lang="en-US" sz="5400" dirty="0">
+                <a:solidFill>
+                  <a:srgbClr val="FF0000"/>
+                </a:solidFill>
+              </a:rPr>
+              <a:t>Your Code Here</a:t>
+            </a:r>
+            <a:endParaRPr lang="en-US" sz="5400">
+              <a:solidFill>
+                <a:srgbClr val="FF0000"/>
+              </a:solidFill>
+              <a:cs typeface="Calibri"/>
+            </a:endParaRPr>
+          </a:p>
+        </p:txBody>
+      </p:sp>
+      <p:sp>
+        <p:nvSpPr>
+          <p:cNvPr id="13" name="Title 1">
+            <a:extLst>
+              <a:ext uri="{FF2B5EF4-FFF2-40B4-BE49-F238E27FC236}">
+                <a16:creationId xmlns:a16="http://schemas.microsoft.com/office/drawing/2014/main" id="{CD491A43-17E0-42C9-874B-54C85C5FC8A4}"/>
+              </a:ext>
+            </a:extLst>
+          </p:cNvPr>
+          <p:cNvSpPr>
+            <a:spLocks noGrp="1"/>
+          </p:cNvSpPr>
+          <p:nvPr>
+            <p:ph type="title"/>
+          </p:nvPr>
+        </p:nvSpPr>
+        <p:spPr>
+          <a:xfrm>
+            <a:off x="76200" y="-84580"/>
+            <a:ext cx="10515600" cy="1325563"/>
+          </a:xfrm>
+        </p:spPr>
+        <p:txBody>
+          <a:bodyPr/>
+          <a:lstStyle/>
+          <a:p>
+            <a:r>
+              <a:rPr lang="en-US" dirty="0">
+                <a:cs typeface="Calibri Light"/>
+              </a:rPr>
+              <a:t>What is a block?</a:t>
+            </a:r>
+            <a:endParaRPr lang="en-US" dirty="0"/>
+          </a:p>
+        </p:txBody>
+      </p:sp>
+      <p:sp>
+        <p:nvSpPr>
+          <p:cNvPr id="24" name="Rectangle: Rounded Corners 23">
+            <a:extLst>
+              <a:ext uri="{FF2B5EF4-FFF2-40B4-BE49-F238E27FC236}">
+                <a16:creationId xmlns:a16="http://schemas.microsoft.com/office/drawing/2014/main" id="{B033546E-71BF-4C7A-B9B8-485BBA9AACC2}"/>
+              </a:ext>
+            </a:extLst>
+          </p:cNvPr>
+          <p:cNvSpPr/>
+          <p:nvPr/>
+        </p:nvSpPr>
+        <p:spPr>
+          <a:xfrm>
+            <a:off x="8987167" y="1616694"/>
+            <a:ext cx="2875984" cy="401372"/>
+          </a:xfrm>
+          <a:prstGeom prst="roundRect">
+            <a:avLst/>
+          </a:prstGeom>
+          <a:solidFill>
+            <a:schemeClr val="bg1">
+              <a:lumMod val="65000"/>
+            </a:schemeClr>
+          </a:solidFill>
+        </p:spPr>
+        <p:style>
+          <a:lnRef idx="2">
+            <a:schemeClr val="accent1">
+              <a:shade val="50000"/>
+            </a:schemeClr>
+          </a:lnRef>
+          <a:fillRef idx="1">
+            <a:schemeClr val="accent1"/>
+          </a:fillRef>
+          <a:effectRef idx="0">
+            <a:schemeClr val="accent1"/>
+          </a:effectRef>
+          <a:fontRef idx="minor">
+            <a:schemeClr val="lt1"/>
+          </a:fontRef>
+        </p:style>
+        <p:txBody>
+          <a:bodyPr rtlCol="0" anchor="ctr"/>
+          <a:lstStyle/>
+          <a:p>
+            <a:pPr algn="ctr"/>
+            <a:r>
+              <a:rPr lang="en-US" dirty="0" err="1">
+                <a:cs typeface="Calibri"/>
+              </a:rPr>
+              <a:t>GNURadio</a:t>
+            </a:r>
+            <a:r>
+              <a:rPr lang="en-US" dirty="0">
+                <a:cs typeface="Calibri"/>
+              </a:rPr>
+              <a:t> Scheduler </a:t>
+            </a:r>
+            <a:endParaRPr lang="en-US"/>
+          </a:p>
+        </p:txBody>
+      </p:sp>
+      <p:sp>
+        <p:nvSpPr>
+          <p:cNvPr id="26" name="Rectangle: Rounded Corners 25">
+            <a:extLst>
+              <a:ext uri="{FF2B5EF4-FFF2-40B4-BE49-F238E27FC236}">
+                <a16:creationId xmlns:a16="http://schemas.microsoft.com/office/drawing/2014/main" id="{6A7704CB-A09F-440E-B39E-607DAA02E8ED}"/>
+              </a:ext>
+            </a:extLst>
+          </p:cNvPr>
+          <p:cNvSpPr/>
+          <p:nvPr/>
+        </p:nvSpPr>
+        <p:spPr>
+          <a:xfrm>
+            <a:off x="8987168" y="1181213"/>
             <a:ext cx="2875984" cy="401372"/>
           </a:xfrm>
           <a:prstGeom prst="roundRect">
@@ -10626,307 +15522,95 @@
           </a:p>
         </p:txBody>
       </p:sp>
-      <p:sp>
-        <p:nvSpPr>
-          <p:cNvPr id="16" name="Rectangle: Rounded Corners 15">
-            <a:extLst>
-              <a:ext uri="{FF2B5EF4-FFF2-40B4-BE49-F238E27FC236}">
-                <a16:creationId xmlns:a16="http://schemas.microsoft.com/office/drawing/2014/main" id="{5B691619-7261-4E77-8A13-C57A4616B5CF}"/>
-              </a:ext>
-            </a:extLst>
-          </p:cNvPr>
-          <p:cNvSpPr/>
+      <p:pic>
+        <p:nvPicPr>
+          <p:cNvPr id="28" name="Picture 6" descr="A picture containing drawing&#10;&#10;Description automatically generated">
+            <a:extLst>
+              <a:ext uri="{FF2B5EF4-FFF2-40B4-BE49-F238E27FC236}">
+                <a16:creationId xmlns:a16="http://schemas.microsoft.com/office/drawing/2014/main" id="{C557EE5F-FF3F-4C91-97B8-8C20584A1779}"/>
+              </a:ext>
+            </a:extLst>
+          </p:cNvPr>
+          <p:cNvPicPr>
+            <a:picLocks noChangeAspect="1"/>
+          </p:cNvPicPr>
           <p:nvPr/>
-        </p:nvSpPr>
+        </p:nvPicPr>
+        <p:blipFill>
+          <a:blip r:embed="rId2"/>
+          <a:stretch>
+            <a:fillRect/>
+          </a:stretch>
+        </p:blipFill>
         <p:spPr>
           <a:xfrm>
-            <a:off x="8729709" y="4161482"/>
-            <a:ext cx="2053627" cy="1714121"/>
-          </a:xfrm>
-          <a:prstGeom prst="roundRect">
-            <a:avLst/>
-          </a:prstGeom>
-          <a:solidFill>
-            <a:schemeClr val="bg1">
-              <a:lumMod val="65000"/>
-            </a:schemeClr>
-          </a:solidFill>
-        </p:spPr>
-        <p:style>
-          <a:lnRef idx="2">
-            <a:schemeClr val="accent1">
-              <a:shade val="50000"/>
-            </a:schemeClr>
-          </a:lnRef>
-          <a:fillRef idx="1">
-            <a:schemeClr val="accent1"/>
-          </a:fillRef>
-          <a:effectRef idx="0">
-            <a:schemeClr val="accent1"/>
-          </a:effectRef>
-          <a:fontRef idx="minor">
-            <a:schemeClr val="lt1"/>
-          </a:fontRef>
-        </p:style>
-        <p:txBody>
-          <a:bodyPr rtlCol="0" anchor="ctr"/>
-          <a:lstStyle/>
-          <a:p>
-            <a:pPr algn="ctr"/>
-            <a:r>
-              <a:rPr lang="en-US" dirty="0">
-                <a:cs typeface="Calibri"/>
-              </a:rPr>
-              <a:t>Output</a:t>
-            </a:r>
-            <a:endParaRPr lang="en-US" dirty="0"/>
-          </a:p>
-          <a:p>
-            <a:pPr algn="ctr"/>
-            <a:endParaRPr lang="en-US" dirty="0">
-              <a:cs typeface="Calibri"/>
-            </a:endParaRPr>
-          </a:p>
-          <a:p>
-            <a:pPr algn="ctr"/>
-            <a:r>
-              <a:rPr lang="en-US" dirty="0">
-                <a:cs typeface="Calibri"/>
-              </a:rPr>
-              <a:t>Circular ring FIFO </a:t>
-            </a:r>
-            <a:endParaRPr lang="en-US" dirty="0"/>
-          </a:p>
-        </p:txBody>
-      </p:sp>
-      <p:sp>
-        <p:nvSpPr>
-          <p:cNvPr id="17" name="Arrow: Right 16">
-            <a:extLst>
-              <a:ext uri="{FF2B5EF4-FFF2-40B4-BE49-F238E27FC236}">
-                <a16:creationId xmlns:a16="http://schemas.microsoft.com/office/drawing/2014/main" id="{A17B0C48-D24A-4B9B-AE83-8D59FDC6B79B}"/>
-              </a:ext>
-            </a:extLst>
-          </p:cNvPr>
-          <p:cNvSpPr/>
-          <p:nvPr/>
-        </p:nvSpPr>
-        <p:spPr>
-          <a:xfrm>
-            <a:off x="3612204" y="4775756"/>
-            <a:ext cx="978408" cy="484632"/>
-          </a:xfrm>
-          <a:prstGeom prst="rightArrow">
-            <a:avLst/>
-          </a:prstGeom>
-          <a:solidFill>
-            <a:schemeClr val="tx1"/>
-          </a:solidFill>
-        </p:spPr>
-        <p:style>
-          <a:lnRef idx="2">
-            <a:schemeClr val="accent1">
-              <a:shade val="50000"/>
-            </a:schemeClr>
-          </a:lnRef>
-          <a:fillRef idx="1">
-            <a:schemeClr val="accent1"/>
-          </a:fillRef>
-          <a:effectRef idx="0">
-            <a:schemeClr val="accent1"/>
-          </a:effectRef>
-          <a:fontRef idx="minor">
-            <a:schemeClr val="lt1"/>
-          </a:fontRef>
-        </p:style>
-        <p:txBody>
-          <a:bodyPr rtlCol="0" anchor="ctr"/>
-          <a:lstStyle/>
-          <a:p>
-            <a:pPr algn="ctr"/>
-            <a:endParaRPr lang="en-US"/>
-          </a:p>
-        </p:txBody>
-      </p:sp>
-      <p:sp>
-        <p:nvSpPr>
-          <p:cNvPr id="18" name="Arrow: Right 17">
-            <a:extLst>
-              <a:ext uri="{FF2B5EF4-FFF2-40B4-BE49-F238E27FC236}">
-                <a16:creationId xmlns:a16="http://schemas.microsoft.com/office/drawing/2014/main" id="{149D1F30-6665-4647-8C89-4A4AD6ABFC6D}"/>
-              </a:ext>
-            </a:extLst>
-          </p:cNvPr>
-          <p:cNvSpPr/>
-          <p:nvPr/>
-        </p:nvSpPr>
-        <p:spPr>
-          <a:xfrm>
-            <a:off x="7754164" y="4775755"/>
-            <a:ext cx="978408" cy="484632"/>
-          </a:xfrm>
-          <a:prstGeom prst="rightArrow">
-            <a:avLst/>
-          </a:prstGeom>
-          <a:solidFill>
-            <a:schemeClr val="tx1"/>
-          </a:solidFill>
-        </p:spPr>
-        <p:style>
-          <a:lnRef idx="2">
-            <a:schemeClr val="accent1">
-              <a:shade val="50000"/>
-            </a:schemeClr>
-          </a:lnRef>
-          <a:fillRef idx="1">
-            <a:schemeClr val="accent1"/>
-          </a:fillRef>
-          <a:effectRef idx="0">
-            <a:schemeClr val="accent1"/>
-          </a:effectRef>
-          <a:fontRef idx="minor">
-            <a:schemeClr val="lt1"/>
-          </a:fontRef>
-        </p:style>
-        <p:txBody>
-          <a:bodyPr rtlCol="0" anchor="ctr"/>
-          <a:lstStyle/>
-          <a:p>
-            <a:pPr algn="ctr"/>
-            <a:endParaRPr lang="en-US"/>
-          </a:p>
-        </p:txBody>
-      </p:sp>
-      <p:sp>
-        <p:nvSpPr>
-          <p:cNvPr id="19" name="Rectangle 18">
-            <a:extLst>
-              <a:ext uri="{FF2B5EF4-FFF2-40B4-BE49-F238E27FC236}">
-                <a16:creationId xmlns:a16="http://schemas.microsoft.com/office/drawing/2014/main" id="{2D0064BA-2E95-4A79-A062-2BEBDBC330FD}"/>
-              </a:ext>
-            </a:extLst>
-          </p:cNvPr>
-          <p:cNvSpPr/>
-          <p:nvPr/>
-        </p:nvSpPr>
-        <p:spPr>
-          <a:xfrm>
-            <a:off x="3387221" y="1768914"/>
-            <a:ext cx="5509035" cy="4384895"/>
+            <a:off x="9660478" y="6174241"/>
+            <a:ext cx="2424546" cy="582578"/>
           </a:xfrm>
           <a:prstGeom prst="rect">
             <a:avLst/>
           </a:prstGeom>
-          <a:noFill/>
         </p:spPr>
-        <p:style>
-          <a:lnRef idx="2">
-            <a:schemeClr val="accent1">
-              <a:shade val="50000"/>
-            </a:schemeClr>
-          </a:lnRef>
-          <a:fillRef idx="1">
-            <a:schemeClr val="accent1"/>
-          </a:fillRef>
-          <a:effectRef idx="0">
-            <a:schemeClr val="accent1"/>
-          </a:effectRef>
-          <a:fontRef idx="minor">
-            <a:schemeClr val="lt1"/>
-          </a:fontRef>
-        </p:style>
-        <p:txBody>
-          <a:bodyPr rtlCol="0" anchor="ctr"/>
-          <a:lstStyle/>
-          <a:p>
-            <a:pPr algn="ctr"/>
-            <a:endParaRPr lang="en-US"/>
-          </a:p>
-        </p:txBody>
-      </p:sp>
-      <p:sp>
-        <p:nvSpPr>
-          <p:cNvPr id="20" name="TextBox 19">
-            <a:extLst>
-              <a:ext uri="{FF2B5EF4-FFF2-40B4-BE49-F238E27FC236}">
-                <a16:creationId xmlns:a16="http://schemas.microsoft.com/office/drawing/2014/main" id="{5ABBDFDE-EA1A-4FFC-83AA-C6D74484DC44}"/>
-              </a:ext>
-            </a:extLst>
-          </p:cNvPr>
-          <p:cNvSpPr txBox="1"/>
-          <p:nvPr/>
+      </p:pic>
+      <p:sp>
+        <p:nvSpPr>
+          <p:cNvPr id="8" name="Date Placeholder 7">
+            <a:extLst>
+              <a:ext uri="{FF2B5EF4-FFF2-40B4-BE49-F238E27FC236}">
+                <a16:creationId xmlns:a16="http://schemas.microsoft.com/office/drawing/2014/main" id="{97B7A05B-A820-474E-B194-3EBC8580B43C}"/>
+              </a:ext>
+            </a:extLst>
+          </p:cNvPr>
+          <p:cNvSpPr>
+            <a:spLocks noGrp="1"/>
+          </p:cNvSpPr>
+          <p:nvPr>
+            <p:ph type="dt" sz="half" idx="10"/>
+          </p:nvPr>
+        </p:nvSpPr>
+        <p:spPr/>
+        <p:txBody>
+          <a:bodyPr/>
+          <a:lstStyle/>
+          <a:p>
+            <a:r>
+              <a:rPr lang="en-US"/>
+              <a:t>9/14/2020</a:t>
+            </a:r>
+          </a:p>
+        </p:txBody>
+      </p:sp>
+      <p:sp>
+        <p:nvSpPr>
+          <p:cNvPr id="10" name="Slide Number Placeholder 9">
+            <a:extLst>
+              <a:ext uri="{FF2B5EF4-FFF2-40B4-BE49-F238E27FC236}">
+                <a16:creationId xmlns:a16="http://schemas.microsoft.com/office/drawing/2014/main" id="{AD9CA4E2-FBB6-49ED-BDB1-CE292E684C0D}"/>
+              </a:ext>
+            </a:extLst>
+          </p:cNvPr>
+          <p:cNvSpPr>
+            <a:spLocks noGrp="1"/>
+          </p:cNvSpPr>
+          <p:nvPr>
+            <p:ph type="sldNum" sz="quarter" idx="12"/>
+          </p:nvPr>
         </p:nvSpPr>
         <p:spPr>
           <a:xfrm>
-            <a:off x="3419192" y="1827291"/>
-            <a:ext cx="2743200" cy="369332"/>
+            <a:off x="4250266" y="6338202"/>
+            <a:ext cx="2743200" cy="365125"/>
           </a:xfrm>
-          <a:prstGeom prst="rect">
-            <a:avLst/>
-          </a:prstGeom>
-          <a:noFill/>
         </p:spPr>
         <p:txBody>
-          <a:bodyPr rot="0" spcFirstLastPara="0" vertOverflow="overflow" horzOverflow="overflow" vert="horz" wrap="square" lIns="91440" tIns="45720" rIns="91440" bIns="45720" numCol="1" spcCol="0" rtlCol="0" fromWordArt="0" anchor="t" anchorCtr="0" forceAA="0" compatLnSpc="1">
-            <a:prstTxWarp prst="textNoShape">
-              <a:avLst/>
-            </a:prstTxWarp>
-            <a:spAutoFit/>
-          </a:bodyPr>
-          <a:lstStyle/>
-          <a:p>
-            <a:r>
-              <a:rPr lang="en-US" dirty="0"/>
-              <a:t>GNURadio Block</a:t>
-            </a:r>
-          </a:p>
-        </p:txBody>
-      </p:sp>
-      <p:sp>
-        <p:nvSpPr>
-          <p:cNvPr id="3" name="TextBox 2">
-            <a:extLst>
-              <a:ext uri="{FF2B5EF4-FFF2-40B4-BE49-F238E27FC236}">
-                <a16:creationId xmlns:a16="http://schemas.microsoft.com/office/drawing/2014/main" id="{3C0484DD-69DA-47B4-951E-B61E6D55F4A2}"/>
-              </a:ext>
-            </a:extLst>
-          </p:cNvPr>
-          <p:cNvSpPr txBox="1"/>
-          <p:nvPr/>
-        </p:nvSpPr>
-        <p:spPr>
-          <a:xfrm rot="2160000">
-            <a:off x="4014450" y="3753818"/>
-            <a:ext cx="4705473" cy="923330"/>
-          </a:xfrm>
-          <a:prstGeom prst="rect">
-            <a:avLst/>
-          </a:prstGeom>
-          <a:noFill/>
-        </p:spPr>
-        <p:txBody>
-          <a:bodyPr rot="0" spcFirstLastPara="0" vertOverflow="overflow" horzOverflow="overflow" vert="horz" wrap="square" lIns="91440" tIns="45720" rIns="91440" bIns="45720" numCol="1" spcCol="0" rtlCol="0" fromWordArt="0" anchor="t" anchorCtr="0" forceAA="0" compatLnSpc="1">
-            <a:prstTxWarp prst="textNoShape">
-              <a:avLst/>
-            </a:prstTxWarp>
-            <a:spAutoFit/>
-          </a:bodyPr>
-          <a:lstStyle/>
-          <a:p>
-            <a:r>
-              <a:rPr lang="en-US" sz="5400" dirty="0">
-                <a:solidFill>
-                  <a:srgbClr val="FF0000"/>
-                </a:solidFill>
-              </a:rPr>
-              <a:t>Your Code Here</a:t>
-            </a:r>
-            <a:endParaRPr lang="en-US" sz="5400">
-              <a:solidFill>
-                <a:srgbClr val="FF0000"/>
-              </a:solidFill>
-              <a:cs typeface="Calibri"/>
-            </a:endParaRPr>
+          <a:bodyPr/>
+          <a:lstStyle/>
+          <a:p>
+            <a:fld id="{330EA680-D336-4FF7-8B7A-9848BB0A1C32}" type="slidenum">
+              <a:rPr lang="en-US" smtClean="0"/>
+              <a:t>9</a:t>
+            </a:fld>
+            <a:endParaRPr lang="en-US"/>
           </a:p>
         </p:txBody>
       </p:sp>
@@ -11497,4 +16181,299 @@
     </a:ext>
   </a:extLst>
 </a:theme>
+</file>
+
+<file path=ppt/theme/theme3.xml><?xml version="1.0" encoding="utf-8"?>
+<a:theme xmlns:a="http://schemas.openxmlformats.org/drawingml/2006/main" name="Office Theme">
+  <a:themeElements>
+    <a:clrScheme name="Office">
+      <a:dk1>
+        <a:sysClr val="windowText" lastClr="000000"/>
+      </a:dk1>
+      <a:lt1>
+        <a:sysClr val="window" lastClr="FFFFFF"/>
+      </a:lt1>
+      <a:dk2>
+        <a:srgbClr val="44546A"/>
+      </a:dk2>
+      <a:lt2>
+        <a:srgbClr val="E7E6E6"/>
+      </a:lt2>
+      <a:accent1>
+        <a:srgbClr val="4472C4"/>
+      </a:accent1>
+      <a:accent2>
+        <a:srgbClr val="ED7D31"/>
+      </a:accent2>
+      <a:accent3>
+        <a:srgbClr val="A5A5A5"/>
+      </a:accent3>
+      <a:accent4>
+        <a:srgbClr val="FFC000"/>
+      </a:accent4>
+      <a:accent5>
+        <a:srgbClr val="5B9BD5"/>
+      </a:accent5>
+      <a:accent6>
+        <a:srgbClr val="70AD47"/>
+      </a:accent6>
+      <a:hlink>
+        <a:srgbClr val="0563C1"/>
+      </a:hlink>
+      <a:folHlink>
+        <a:srgbClr val="954F72"/>
+      </a:folHlink>
+    </a:clrScheme>
+    <a:fontScheme name="Office">
+      <a:majorFont>
+        <a:latin typeface="Calibri Light" panose="020F0302020204030204"/>
+        <a:ea typeface=""/>
+        <a:cs typeface=""/>
+        <a:font script="Jpan" typeface="游ゴシック Light"/>
+        <a:font script="Hang" typeface="맑은 고딕"/>
+        <a:font script="Hans" typeface="等线 Light"/>
+        <a:font script="Hant" typeface="新細明體"/>
+        <a:font script="Arab" typeface="Times New Roman"/>
+        <a:font script="Hebr" typeface="Times New Roman"/>
+        <a:font script="Thai" typeface="Angsana New"/>
+        <a:font script="Ethi" typeface="Nyala"/>
+        <a:font script="Beng" typeface="Vrinda"/>
+        <a:font script="Gujr" typeface="Shruti"/>
+        <a:font script="Khmr" typeface="MoolBoran"/>
+        <a:font script="Knda" typeface="Tunga"/>
+        <a:font script="Guru" typeface="Raavi"/>
+        <a:font script="Cans" typeface="Euphemia"/>
+        <a:font script="Cher" typeface="Plantagenet Cherokee"/>
+        <a:font script="Yiii" typeface="Microsoft Yi Baiti"/>
+        <a:font script="Tibt" typeface="Microsoft Himalaya"/>
+        <a:font script="Thaa" typeface="MV Boli"/>
+        <a:font script="Deva" typeface="Mangal"/>
+        <a:font script="Telu" typeface="Gautami"/>
+        <a:font script="Taml" typeface="Latha"/>
+        <a:font script="Syrc" typeface="Estrangelo Edessa"/>
+        <a:font script="Orya" typeface="Kalinga"/>
+        <a:font script="Mlym" typeface="Kartika"/>
+        <a:font script="Laoo" typeface="DokChampa"/>
+        <a:font script="Sinh" typeface="Iskoola Pota"/>
+        <a:font script="Mong" typeface="Mongolian Baiti"/>
+        <a:font script="Viet" typeface="Times New Roman"/>
+        <a:font script="Uigh" typeface="Microsoft Uighur"/>
+        <a:font script="Geor" typeface="Sylfaen"/>
+        <a:font script="Armn" typeface="Arial"/>
+        <a:font script="Bugi" typeface="Leelawadee UI"/>
+        <a:font script="Bopo" typeface="Microsoft JhengHei"/>
+        <a:font script="Java" typeface="Javanese Text"/>
+        <a:font script="Lisu" typeface="Segoe UI"/>
+        <a:font script="Mymr" typeface="Myanmar Text"/>
+        <a:font script="Nkoo" typeface="Ebrima"/>
+        <a:font script="Olck" typeface="Nirmala UI"/>
+        <a:font script="Osma" typeface="Ebrima"/>
+        <a:font script="Phag" typeface="Phagspa"/>
+        <a:font script="Syrn" typeface="Estrangelo Edessa"/>
+        <a:font script="Syrj" typeface="Estrangelo Edessa"/>
+        <a:font script="Syre" typeface="Estrangelo Edessa"/>
+        <a:font script="Sora" typeface="Nirmala UI"/>
+        <a:font script="Tale" typeface="Microsoft Tai Le"/>
+        <a:font script="Talu" typeface="Microsoft New Tai Lue"/>
+        <a:font script="Tfng" typeface="Ebrima"/>
+      </a:majorFont>
+      <a:minorFont>
+        <a:latin typeface="Calibri" panose="020F0502020204030204"/>
+        <a:ea typeface=""/>
+        <a:cs typeface=""/>
+        <a:font script="Jpan" typeface="游ゴシック"/>
+        <a:font script="Hang" typeface="맑은 고딕"/>
+        <a:font script="Hans" typeface="等线"/>
+        <a:font script="Hant" typeface="新細明體"/>
+        <a:font script="Arab" typeface="Arial"/>
+        <a:font script="Hebr" typeface="Arial"/>
+        <a:font script="Thai" typeface="Cordia New"/>
+        <a:font script="Ethi" typeface="Nyala"/>
+        <a:font script="Beng" typeface="Vrinda"/>
+        <a:font script="Gujr" typeface="Shruti"/>
+        <a:font script="Khmr" typeface="DaunPenh"/>
+        <a:font script="Knda" typeface="Tunga"/>
+        <a:font script="Guru" typeface="Raavi"/>
+        <a:font script="Cans" typeface="Euphemia"/>
+        <a:font script="Cher" typeface="Plantagenet Cherokee"/>
+        <a:font script="Yiii" typeface="Microsoft Yi Baiti"/>
+        <a:font script="Tibt" typeface="Microsoft Himalaya"/>
+        <a:font script="Thaa" typeface="MV Boli"/>
+        <a:font script="Deva" typeface="Mangal"/>
+        <a:font script="Telu" typeface="Gautami"/>
+        <a:font script="Taml" typeface="Latha"/>
+        <a:font script="Syrc" typeface="Estrangelo Edessa"/>
+        <a:font script="Orya" typeface="Kalinga"/>
+        <a:font script="Mlym" typeface="Kartika"/>
+        <a:font script="Laoo" typeface="DokChampa"/>
+        <a:font script="Sinh" typeface="Iskoola Pota"/>
+        <a:font script="Mong" typeface="Mongolian Baiti"/>
+        <a:font script="Viet" typeface="Arial"/>
+        <a:font script="Uigh" typeface="Microsoft Uighur"/>
+        <a:font script="Geor" typeface="Sylfaen"/>
+        <a:font script="Armn" typeface="Arial"/>
+        <a:font script="Bugi" typeface="Leelawadee UI"/>
+        <a:font script="Bopo" typeface="Microsoft JhengHei"/>
+        <a:font script="Java" typeface="Javanese Text"/>
+        <a:font script="Lisu" typeface="Segoe UI"/>
+        <a:font script="Mymr" typeface="Myanmar Text"/>
+        <a:font script="Nkoo" typeface="Ebrima"/>
+        <a:font script="Olck" typeface="Nirmala UI"/>
+        <a:font script="Osma" typeface="Ebrima"/>
+        <a:font script="Phag" typeface="Phagspa"/>
+        <a:font script="Syrn" typeface="Estrangelo Edessa"/>
+        <a:font script="Syrj" typeface="Estrangelo Edessa"/>
+        <a:font script="Syre" typeface="Estrangelo Edessa"/>
+        <a:font script="Sora" typeface="Nirmala UI"/>
+        <a:font script="Tale" typeface="Microsoft Tai Le"/>
+        <a:font script="Talu" typeface="Microsoft New Tai Lue"/>
+        <a:font script="Tfng" typeface="Ebrima"/>
+      </a:minorFont>
+    </a:fontScheme>
+    <a:fmtScheme name="Office">
+      <a:fillStyleLst>
+        <a:solidFill>
+          <a:schemeClr val="phClr"/>
+        </a:solidFill>
+        <a:gradFill rotWithShape="1">
+          <a:gsLst>
+            <a:gs pos="0">
+              <a:schemeClr val="phClr">
+                <a:lumMod val="110000"/>
+                <a:satMod val="105000"/>
+                <a:tint val="67000"/>
+              </a:schemeClr>
+            </a:gs>
+            <a:gs pos="50000">
+              <a:schemeClr val="phClr">
+                <a:lumMod val="105000"/>
+                <a:satMod val="103000"/>
+                <a:tint val="73000"/>
+              </a:schemeClr>
+            </a:gs>
+            <a:gs pos="100000">
+              <a:schemeClr val="phClr">
+                <a:lumMod val="105000"/>
+                <a:satMod val="109000"/>
+                <a:tint val="81000"/>
+              </a:schemeClr>
+            </a:gs>
+          </a:gsLst>
+          <a:lin ang="5400000" scaled="0"/>
+        </a:gradFill>
+        <a:gradFill rotWithShape="1">
+          <a:gsLst>
+            <a:gs pos="0">
+              <a:schemeClr val="phClr">
+                <a:satMod val="103000"/>
+                <a:lumMod val="102000"/>
+                <a:tint val="94000"/>
+              </a:schemeClr>
+            </a:gs>
+            <a:gs pos="50000">
+              <a:schemeClr val="phClr">
+                <a:satMod val="110000"/>
+                <a:lumMod val="100000"/>
+                <a:shade val="100000"/>
+              </a:schemeClr>
+            </a:gs>
+            <a:gs pos="100000">
+              <a:schemeClr val="phClr">
+                <a:lumMod val="99000"/>
+                <a:satMod val="120000"/>
+                <a:shade val="78000"/>
+              </a:schemeClr>
+            </a:gs>
+          </a:gsLst>
+          <a:lin ang="5400000" scaled="0"/>
+        </a:gradFill>
+      </a:fillStyleLst>
+      <a:lnStyleLst>
+        <a:ln w="6350" cap="flat" cmpd="sng" algn="ctr">
+          <a:solidFill>
+            <a:schemeClr val="phClr"/>
+          </a:solidFill>
+          <a:prstDash val="solid"/>
+          <a:miter lim="800000"/>
+        </a:ln>
+        <a:ln w="12700" cap="flat" cmpd="sng" algn="ctr">
+          <a:solidFill>
+            <a:schemeClr val="phClr"/>
+          </a:solidFill>
+          <a:prstDash val="solid"/>
+          <a:miter lim="800000"/>
+        </a:ln>
+        <a:ln w="19050" cap="flat" cmpd="sng" algn="ctr">
+          <a:solidFill>
+            <a:schemeClr val="phClr"/>
+          </a:solidFill>
+          <a:prstDash val="solid"/>
+          <a:miter lim="800000"/>
+        </a:ln>
+      </a:lnStyleLst>
+      <a:effectStyleLst>
+        <a:effectStyle>
+          <a:effectLst/>
+        </a:effectStyle>
+        <a:effectStyle>
+          <a:effectLst/>
+        </a:effectStyle>
+        <a:effectStyle>
+          <a:effectLst>
+            <a:outerShdw blurRad="57150" dist="19050" dir="5400000" algn="ctr" rotWithShape="0">
+              <a:srgbClr val="000000">
+                <a:alpha val="63000"/>
+              </a:srgbClr>
+            </a:outerShdw>
+          </a:effectLst>
+        </a:effectStyle>
+      </a:effectStyleLst>
+      <a:bgFillStyleLst>
+        <a:solidFill>
+          <a:schemeClr val="phClr"/>
+        </a:solidFill>
+        <a:solidFill>
+          <a:schemeClr val="phClr">
+            <a:tint val="95000"/>
+            <a:satMod val="170000"/>
+          </a:schemeClr>
+        </a:solidFill>
+        <a:gradFill rotWithShape="1">
+          <a:gsLst>
+            <a:gs pos="0">
+              <a:schemeClr val="phClr">
+                <a:tint val="93000"/>
+                <a:satMod val="150000"/>
+                <a:shade val="98000"/>
+                <a:lumMod val="102000"/>
+              </a:schemeClr>
+            </a:gs>
+            <a:gs pos="50000">
+              <a:schemeClr val="phClr">
+                <a:tint val="98000"/>
+                <a:satMod val="130000"/>
+                <a:shade val="90000"/>
+                <a:lumMod val="103000"/>
+              </a:schemeClr>
+            </a:gs>
+            <a:gs pos="100000">
+              <a:schemeClr val="phClr">
+                <a:shade val="63000"/>
+                <a:satMod val="120000"/>
+              </a:schemeClr>
+            </a:gs>
+          </a:gsLst>
+          <a:lin ang="5400000" scaled="0"/>
+        </a:gradFill>
+      </a:bgFillStyleLst>
+    </a:fmtScheme>
+  </a:themeElements>
+  <a:objectDefaults/>
+  <a:extraClrSchemeLst/>
+  <a:extLst>
+    <a:ext uri="{05A4C25C-085E-4340-85A3-A5531E510DB2}">
+      <thm15:themeFamily xmlns:thm15="http://schemas.microsoft.com/office/thememl/2012/main" name="Office Theme" id="{62F939B6-93AF-4DB8-9C6B-D6C7DFDC589F}" vid="{4A3C46E8-61CC-4603-A589-7422A47A8E4A}"/>
+    </a:ext>
+  </a:extLst>
+</a:theme>
 </file>